--- a/presentations/error_channels.pptx
+++ b/presentations/error_channels.pptx
@@ -117,7 +117,7 @@
   <p:extLst>
     <p:ext uri="{EFAFB233-063F-42B5-8137-9DF3F51BA10A}">
       <p15:sldGuideLst xmlns:p15="http://schemas.microsoft.com/office/powerpoint/2012/main">
-        <p15:guide id="1" orient="horz" pos="2160" userDrawn="1">
+        <p15:guide id="1" orient="horz" pos="2727" userDrawn="1">
           <p15:clr>
             <a:srgbClr val="A4A3A4"/>
           </p15:clr>
@@ -215,7 +215,7 @@
           <a:p>
             <a:fld id="{5D1707AC-3B49-134B-913E-1E3D08B530AF}" type="datetimeFigureOut">
               <a:rPr lang="en-US" smtClean="0"/>
-              <a:t>8/23/23</a:t>
+              <a:t>8/25/23</a:t>
             </a:fld>
             <a:endParaRPr lang="en-US"/>
           </a:p>
@@ -968,7 +968,7 @@
           <a:p>
             <a:fld id="{37D55FB6-87A8-814E-80DB-660FFB853F73}" type="datetimeFigureOut">
               <a:rPr lang="en-US" smtClean="0"/>
-              <a:t>8/23/23</a:t>
+              <a:t>8/25/23</a:t>
             </a:fld>
             <a:endParaRPr lang="en-US"/>
           </a:p>
@@ -1168,7 +1168,7 @@
           <a:p>
             <a:fld id="{37D55FB6-87A8-814E-80DB-660FFB853F73}" type="datetimeFigureOut">
               <a:rPr lang="en-US" smtClean="0"/>
-              <a:t>8/23/23</a:t>
+              <a:t>8/25/23</a:t>
             </a:fld>
             <a:endParaRPr lang="en-US"/>
           </a:p>
@@ -1378,7 +1378,7 @@
           <a:p>
             <a:fld id="{37D55FB6-87A8-814E-80DB-660FFB853F73}" type="datetimeFigureOut">
               <a:rPr lang="en-US" smtClean="0"/>
-              <a:t>8/23/23</a:t>
+              <a:t>8/25/23</a:t>
             </a:fld>
             <a:endParaRPr lang="en-US"/>
           </a:p>
@@ -1578,7 +1578,7 @@
           <a:p>
             <a:fld id="{37D55FB6-87A8-814E-80DB-660FFB853F73}" type="datetimeFigureOut">
               <a:rPr lang="en-US" smtClean="0"/>
-              <a:t>8/23/23</a:t>
+              <a:t>8/25/23</a:t>
             </a:fld>
             <a:endParaRPr lang="en-US"/>
           </a:p>
@@ -1854,7 +1854,7 @@
           <a:p>
             <a:fld id="{37D55FB6-87A8-814E-80DB-660FFB853F73}" type="datetimeFigureOut">
               <a:rPr lang="en-US" smtClean="0"/>
-              <a:t>8/23/23</a:t>
+              <a:t>8/25/23</a:t>
             </a:fld>
             <a:endParaRPr lang="en-US"/>
           </a:p>
@@ -2122,7 +2122,7 @@
           <a:p>
             <a:fld id="{37D55FB6-87A8-814E-80DB-660FFB853F73}" type="datetimeFigureOut">
               <a:rPr lang="en-US" smtClean="0"/>
-              <a:t>8/23/23</a:t>
+              <a:t>8/25/23</a:t>
             </a:fld>
             <a:endParaRPr lang="en-US"/>
           </a:p>
@@ -2537,7 +2537,7 @@
           <a:p>
             <a:fld id="{37D55FB6-87A8-814E-80DB-660FFB853F73}" type="datetimeFigureOut">
               <a:rPr lang="en-US" smtClean="0"/>
-              <a:t>8/23/23</a:t>
+              <a:t>8/25/23</a:t>
             </a:fld>
             <a:endParaRPr lang="en-US"/>
           </a:p>
@@ -2679,7 +2679,7 @@
           <a:p>
             <a:fld id="{37D55FB6-87A8-814E-80DB-660FFB853F73}" type="datetimeFigureOut">
               <a:rPr lang="en-US" smtClean="0"/>
-              <a:t>8/23/23</a:t>
+              <a:t>8/25/23</a:t>
             </a:fld>
             <a:endParaRPr lang="en-US"/>
           </a:p>
@@ -2792,7 +2792,7 @@
           <a:p>
             <a:fld id="{37D55FB6-87A8-814E-80DB-660FFB853F73}" type="datetimeFigureOut">
               <a:rPr lang="en-US" smtClean="0"/>
-              <a:t>8/23/23</a:t>
+              <a:t>8/25/23</a:t>
             </a:fld>
             <a:endParaRPr lang="en-US"/>
           </a:p>
@@ -3105,7 +3105,7 @@
           <a:p>
             <a:fld id="{37D55FB6-87A8-814E-80DB-660FFB853F73}" type="datetimeFigureOut">
               <a:rPr lang="en-US" smtClean="0"/>
-              <a:t>8/23/23</a:t>
+              <a:t>8/25/23</a:t>
             </a:fld>
             <a:endParaRPr lang="en-US"/>
           </a:p>
@@ -3394,7 +3394,7 @@
           <a:p>
             <a:fld id="{37D55FB6-87A8-814E-80DB-660FFB853F73}" type="datetimeFigureOut">
               <a:rPr lang="en-US" smtClean="0"/>
-              <a:t>8/23/23</a:t>
+              <a:t>8/25/23</a:t>
             </a:fld>
             <a:endParaRPr lang="en-US"/>
           </a:p>
@@ -3637,7 +3637,7 @@
           <a:p>
             <a:fld id="{37D55FB6-87A8-814E-80DB-660FFB853F73}" type="datetimeFigureOut">
               <a:rPr lang="en-US" smtClean="0"/>
-              <a:t>8/23/23</a:t>
+              <a:t>8/25/23</a:t>
             </a:fld>
             <a:endParaRPr lang="en-US"/>
           </a:p>
@@ -4101,14 +4101,6 @@
               </a:rPr>
               <a:t>Error Channels</a:t>
             </a:r>
-            <a:endParaRPr lang="en-US" sz="4400" dirty="0">
-              <a:solidFill>
-                <a:schemeClr val="bg2"/>
-              </a:solidFill>
-              <a:latin typeface="CMU Serif Roman" panose="02000603000000000000" pitchFamily="2" charset="0"/>
-              <a:ea typeface="CMU Serif Roman" panose="02000603000000000000" pitchFamily="2" charset="0"/>
-              <a:cs typeface="CMU Serif Roman" panose="02000603000000000000" pitchFamily="2" charset="0"/>
-            </a:endParaRPr>
           </a:p>
         </p:txBody>
       </p:sp>
@@ -4800,6 +4792,458 @@
   <p:clrMapOvr>
     <a:masterClrMapping/>
   </p:clrMapOvr>
+  <p:timing>
+    <p:tnLst>
+      <p:par>
+        <p:cTn id="1" dur="indefinite" restart="never" nodeType="tmRoot">
+          <p:childTnLst>
+            <p:seq concurrent="1" nextAc="seek">
+              <p:cTn id="2" dur="indefinite" nodeType="mainSeq">
+                <p:childTnLst>
+                  <p:par>
+                    <p:cTn id="3" fill="hold">
+                      <p:stCondLst>
+                        <p:cond delay="indefinite"/>
+                      </p:stCondLst>
+                      <p:childTnLst>
+                        <p:par>
+                          <p:cTn id="4" fill="hold">
+                            <p:stCondLst>
+                              <p:cond delay="0"/>
+                            </p:stCondLst>
+                            <p:childTnLst>
+                              <p:par>
+                                <p:cTn id="5" presetID="1" presetClass="entr" presetSubtype="0" fill="hold" grpId="0" nodeType="clickEffect">
+                                  <p:stCondLst>
+                                    <p:cond delay="0"/>
+                                  </p:stCondLst>
+                                  <p:childTnLst>
+                                    <p:set>
+                                      <p:cBhvr>
+                                        <p:cTn id="6" dur="1" fill="hold">
+                                          <p:stCondLst>
+                                            <p:cond delay="0"/>
+                                          </p:stCondLst>
+                                        </p:cTn>
+                                        <p:tgtEl>
+                                          <p:spTgt spid="10"/>
+                                        </p:tgtEl>
+                                        <p:attrNameLst>
+                                          <p:attrName>style.visibility</p:attrName>
+                                        </p:attrNameLst>
+                                      </p:cBhvr>
+                                      <p:to>
+                                        <p:strVal val="visible"/>
+                                      </p:to>
+                                    </p:set>
+                                  </p:childTnLst>
+                                </p:cTn>
+                              </p:par>
+                              <p:par>
+                                <p:cTn id="7" presetID="1" presetClass="entr" presetSubtype="0" fill="hold" nodeType="withEffect">
+                                  <p:stCondLst>
+                                    <p:cond delay="0"/>
+                                  </p:stCondLst>
+                                  <p:childTnLst>
+                                    <p:set>
+                                      <p:cBhvr>
+                                        <p:cTn id="8" dur="1" fill="hold">
+                                          <p:stCondLst>
+                                            <p:cond delay="0"/>
+                                          </p:stCondLst>
+                                        </p:cTn>
+                                        <p:tgtEl>
+                                          <p:spTgt spid="6"/>
+                                        </p:tgtEl>
+                                        <p:attrNameLst>
+                                          <p:attrName>style.visibility</p:attrName>
+                                        </p:attrNameLst>
+                                      </p:cBhvr>
+                                      <p:to>
+                                        <p:strVal val="visible"/>
+                                      </p:to>
+                                    </p:set>
+                                  </p:childTnLst>
+                                </p:cTn>
+                              </p:par>
+                              <p:par>
+                                <p:cTn id="9" presetID="1" presetClass="entr" presetSubtype="0" fill="hold" nodeType="withEffect">
+                                  <p:stCondLst>
+                                    <p:cond delay="0"/>
+                                  </p:stCondLst>
+                                  <p:childTnLst>
+                                    <p:set>
+                                      <p:cBhvr>
+                                        <p:cTn id="10" dur="1" fill="hold">
+                                          <p:stCondLst>
+                                            <p:cond delay="0"/>
+                                          </p:stCondLst>
+                                        </p:cTn>
+                                        <p:tgtEl>
+                                          <p:spTgt spid="11"/>
+                                        </p:tgtEl>
+                                        <p:attrNameLst>
+                                          <p:attrName>style.visibility</p:attrName>
+                                        </p:attrNameLst>
+                                      </p:cBhvr>
+                                      <p:to>
+                                        <p:strVal val="visible"/>
+                                      </p:to>
+                                    </p:set>
+                                  </p:childTnLst>
+                                </p:cTn>
+                              </p:par>
+                              <p:par>
+                                <p:cTn id="11" presetID="1" presetClass="entr" presetSubtype="0" fill="hold" nodeType="withEffect">
+                                  <p:stCondLst>
+                                    <p:cond delay="0"/>
+                                  </p:stCondLst>
+                                  <p:childTnLst>
+                                    <p:set>
+                                      <p:cBhvr>
+                                        <p:cTn id="12" dur="1" fill="hold">
+                                          <p:stCondLst>
+                                            <p:cond delay="0"/>
+                                          </p:stCondLst>
+                                        </p:cTn>
+                                        <p:tgtEl>
+                                          <p:spTgt spid="14"/>
+                                        </p:tgtEl>
+                                        <p:attrNameLst>
+                                          <p:attrName>style.visibility</p:attrName>
+                                        </p:attrNameLst>
+                                      </p:cBhvr>
+                                      <p:to>
+                                        <p:strVal val="visible"/>
+                                      </p:to>
+                                    </p:set>
+                                  </p:childTnLst>
+                                </p:cTn>
+                              </p:par>
+                              <p:par>
+                                <p:cTn id="13" presetID="1" presetClass="entr" presetSubtype="0" fill="hold" nodeType="withEffect">
+                                  <p:stCondLst>
+                                    <p:cond delay="0"/>
+                                  </p:stCondLst>
+                                  <p:childTnLst>
+                                    <p:set>
+                                      <p:cBhvr>
+                                        <p:cTn id="14" dur="1" fill="hold">
+                                          <p:stCondLst>
+                                            <p:cond delay="0"/>
+                                          </p:stCondLst>
+                                        </p:cTn>
+                                        <p:tgtEl>
+                                          <p:spTgt spid="15"/>
+                                        </p:tgtEl>
+                                        <p:attrNameLst>
+                                          <p:attrName>style.visibility</p:attrName>
+                                        </p:attrNameLst>
+                                      </p:cBhvr>
+                                      <p:to>
+                                        <p:strVal val="visible"/>
+                                      </p:to>
+                                    </p:set>
+                                  </p:childTnLst>
+                                </p:cTn>
+                              </p:par>
+                              <p:par>
+                                <p:cTn id="15" presetID="1" presetClass="entr" presetSubtype="0" fill="hold" grpId="0" nodeType="withEffect">
+                                  <p:stCondLst>
+                                    <p:cond delay="0"/>
+                                  </p:stCondLst>
+                                  <p:childTnLst>
+                                    <p:set>
+                                      <p:cBhvr>
+                                        <p:cTn id="16" dur="1" fill="hold">
+                                          <p:stCondLst>
+                                            <p:cond delay="0"/>
+                                          </p:stCondLst>
+                                        </p:cTn>
+                                        <p:tgtEl>
+                                          <p:spTgt spid="16"/>
+                                        </p:tgtEl>
+                                        <p:attrNameLst>
+                                          <p:attrName>style.visibility</p:attrName>
+                                        </p:attrNameLst>
+                                      </p:cBhvr>
+                                      <p:to>
+                                        <p:strVal val="visible"/>
+                                      </p:to>
+                                    </p:set>
+                                  </p:childTnLst>
+                                </p:cTn>
+                              </p:par>
+                              <p:par>
+                                <p:cTn id="17" presetID="1" presetClass="entr" presetSubtype="0" fill="hold" grpId="0" nodeType="withEffect">
+                                  <p:stCondLst>
+                                    <p:cond delay="0"/>
+                                  </p:stCondLst>
+                                  <p:childTnLst>
+                                    <p:set>
+                                      <p:cBhvr>
+                                        <p:cTn id="18" dur="1" fill="hold">
+                                          <p:stCondLst>
+                                            <p:cond delay="0"/>
+                                          </p:stCondLst>
+                                        </p:cTn>
+                                        <p:tgtEl>
+                                          <p:spTgt spid="17"/>
+                                        </p:tgtEl>
+                                        <p:attrNameLst>
+                                          <p:attrName>style.visibility</p:attrName>
+                                        </p:attrNameLst>
+                                      </p:cBhvr>
+                                      <p:to>
+                                        <p:strVal val="visible"/>
+                                      </p:to>
+                                    </p:set>
+                                  </p:childTnLst>
+                                </p:cTn>
+                              </p:par>
+                              <p:par>
+                                <p:cTn id="19" presetID="1" presetClass="entr" presetSubtype="0" fill="hold" grpId="0" nodeType="withEffect">
+                                  <p:stCondLst>
+                                    <p:cond delay="0"/>
+                                  </p:stCondLst>
+                                  <p:childTnLst>
+                                    <p:set>
+                                      <p:cBhvr>
+                                        <p:cTn id="20" dur="1" fill="hold">
+                                          <p:stCondLst>
+                                            <p:cond delay="0"/>
+                                          </p:stCondLst>
+                                        </p:cTn>
+                                        <p:tgtEl>
+                                          <p:spTgt spid="18"/>
+                                        </p:tgtEl>
+                                        <p:attrNameLst>
+                                          <p:attrName>style.visibility</p:attrName>
+                                        </p:attrNameLst>
+                                      </p:cBhvr>
+                                      <p:to>
+                                        <p:strVal val="visible"/>
+                                      </p:to>
+                                    </p:set>
+                                  </p:childTnLst>
+                                </p:cTn>
+                              </p:par>
+                            </p:childTnLst>
+                          </p:cTn>
+                        </p:par>
+                      </p:childTnLst>
+                    </p:cTn>
+                  </p:par>
+                  <p:par>
+                    <p:cTn id="21" fill="hold">
+                      <p:stCondLst>
+                        <p:cond delay="indefinite"/>
+                      </p:stCondLst>
+                      <p:childTnLst>
+                        <p:par>
+                          <p:cTn id="22" fill="hold">
+                            <p:stCondLst>
+                              <p:cond delay="0"/>
+                            </p:stCondLst>
+                            <p:childTnLst>
+                              <p:par>
+                                <p:cTn id="23" presetID="1" presetClass="entr" presetSubtype="0" fill="hold" nodeType="clickEffect">
+                                  <p:stCondLst>
+                                    <p:cond delay="0"/>
+                                  </p:stCondLst>
+                                  <p:childTnLst>
+                                    <p:set>
+                                      <p:cBhvr>
+                                        <p:cTn id="24" dur="1" fill="hold">
+                                          <p:stCondLst>
+                                            <p:cond delay="0"/>
+                                          </p:stCondLst>
+                                        </p:cTn>
+                                        <p:tgtEl>
+                                          <p:spTgt spid="33"/>
+                                        </p:tgtEl>
+                                        <p:attrNameLst>
+                                          <p:attrName>style.visibility</p:attrName>
+                                        </p:attrNameLst>
+                                      </p:cBhvr>
+                                      <p:to>
+                                        <p:strVal val="visible"/>
+                                      </p:to>
+                                    </p:set>
+                                  </p:childTnLst>
+                                </p:cTn>
+                              </p:par>
+                              <p:par>
+                                <p:cTn id="25" presetID="1" presetClass="entr" presetSubtype="0" fill="hold" nodeType="withEffect">
+                                  <p:stCondLst>
+                                    <p:cond delay="0"/>
+                                  </p:stCondLst>
+                                  <p:childTnLst>
+                                    <p:set>
+                                      <p:cBhvr>
+                                        <p:cTn id="26" dur="1" fill="hold">
+                                          <p:stCondLst>
+                                            <p:cond delay="0"/>
+                                          </p:stCondLst>
+                                        </p:cTn>
+                                        <p:tgtEl>
+                                          <p:spTgt spid="32"/>
+                                        </p:tgtEl>
+                                        <p:attrNameLst>
+                                          <p:attrName>style.visibility</p:attrName>
+                                        </p:attrNameLst>
+                                      </p:cBhvr>
+                                      <p:to>
+                                        <p:strVal val="visible"/>
+                                      </p:to>
+                                    </p:set>
+                                  </p:childTnLst>
+                                </p:cTn>
+                              </p:par>
+                              <p:par>
+                                <p:cTn id="27" presetID="1" presetClass="entr" presetSubtype="0" fill="hold" nodeType="withEffect">
+                                  <p:stCondLst>
+                                    <p:cond delay="0"/>
+                                  </p:stCondLst>
+                                  <p:childTnLst>
+                                    <p:set>
+                                      <p:cBhvr>
+                                        <p:cTn id="28" dur="1" fill="hold">
+                                          <p:stCondLst>
+                                            <p:cond delay="0"/>
+                                          </p:stCondLst>
+                                        </p:cTn>
+                                        <p:tgtEl>
+                                          <p:spTgt spid="49"/>
+                                        </p:tgtEl>
+                                        <p:attrNameLst>
+                                          <p:attrName>style.visibility</p:attrName>
+                                        </p:attrNameLst>
+                                      </p:cBhvr>
+                                      <p:to>
+                                        <p:strVal val="visible"/>
+                                      </p:to>
+                                    </p:set>
+                                  </p:childTnLst>
+                                </p:cTn>
+                              </p:par>
+                              <p:par>
+                                <p:cTn id="29" presetID="1" presetClass="entr" presetSubtype="0" fill="hold" nodeType="withEffect">
+                                  <p:stCondLst>
+                                    <p:cond delay="0"/>
+                                  </p:stCondLst>
+                                  <p:childTnLst>
+                                    <p:set>
+                                      <p:cBhvr>
+                                        <p:cTn id="30" dur="1" fill="hold">
+                                          <p:stCondLst>
+                                            <p:cond delay="0"/>
+                                          </p:stCondLst>
+                                        </p:cTn>
+                                        <p:tgtEl>
+                                          <p:spTgt spid="34"/>
+                                        </p:tgtEl>
+                                        <p:attrNameLst>
+                                          <p:attrName>style.visibility</p:attrName>
+                                        </p:attrNameLst>
+                                      </p:cBhvr>
+                                      <p:to>
+                                        <p:strVal val="visible"/>
+                                      </p:to>
+                                    </p:set>
+                                  </p:childTnLst>
+                                </p:cTn>
+                              </p:par>
+                              <p:par>
+                                <p:cTn id="31" presetID="1" presetClass="entr" presetSubtype="0" fill="hold" grpId="0" nodeType="withEffect">
+                                  <p:stCondLst>
+                                    <p:cond delay="0"/>
+                                  </p:stCondLst>
+                                  <p:childTnLst>
+                                    <p:set>
+                                      <p:cBhvr>
+                                        <p:cTn id="32" dur="1" fill="hold">
+                                          <p:stCondLst>
+                                            <p:cond delay="0"/>
+                                          </p:stCondLst>
+                                        </p:cTn>
+                                        <p:tgtEl>
+                                          <p:spTgt spid="42"/>
+                                        </p:tgtEl>
+                                        <p:attrNameLst>
+                                          <p:attrName>style.visibility</p:attrName>
+                                        </p:attrNameLst>
+                                      </p:cBhvr>
+                                      <p:to>
+                                        <p:strVal val="visible"/>
+                                      </p:to>
+                                    </p:set>
+                                  </p:childTnLst>
+                                </p:cTn>
+                              </p:par>
+                              <p:par>
+                                <p:cTn id="33" presetID="1" presetClass="entr" presetSubtype="0" fill="hold" grpId="0" nodeType="withEffect">
+                                  <p:stCondLst>
+                                    <p:cond delay="0"/>
+                                  </p:stCondLst>
+                                  <p:childTnLst>
+                                    <p:set>
+                                      <p:cBhvr>
+                                        <p:cTn id="34" dur="1" fill="hold">
+                                          <p:stCondLst>
+                                            <p:cond delay="0"/>
+                                          </p:stCondLst>
+                                        </p:cTn>
+                                        <p:tgtEl>
+                                          <p:spTgt spid="47"/>
+                                        </p:tgtEl>
+                                        <p:attrNameLst>
+                                          <p:attrName>style.visibility</p:attrName>
+                                        </p:attrNameLst>
+                                      </p:cBhvr>
+                                      <p:to>
+                                        <p:strVal val="visible"/>
+                                      </p:to>
+                                    </p:set>
+                                  </p:childTnLst>
+                                </p:cTn>
+                              </p:par>
+                            </p:childTnLst>
+                          </p:cTn>
+                        </p:par>
+                      </p:childTnLst>
+                    </p:cTn>
+                  </p:par>
+                </p:childTnLst>
+              </p:cTn>
+              <p:prevCondLst>
+                <p:cond evt="onPrev" delay="0">
+                  <p:tgtEl>
+                    <p:sldTgt/>
+                  </p:tgtEl>
+                </p:cond>
+              </p:prevCondLst>
+              <p:nextCondLst>
+                <p:cond evt="onNext" delay="0">
+                  <p:tgtEl>
+                    <p:sldTgt/>
+                  </p:tgtEl>
+                </p:cond>
+              </p:nextCondLst>
+            </p:seq>
+          </p:childTnLst>
+        </p:cTn>
+      </p:par>
+    </p:tnLst>
+    <p:bldLst>
+      <p:bldP spid="10" grpId="0"/>
+      <p:bldP spid="16" grpId="0"/>
+      <p:bldP spid="17" grpId="0"/>
+      <p:bldP spid="18" grpId="0"/>
+      <p:bldP spid="42" grpId="0"/>
+      <p:bldP spid="47" grpId="0"/>
+    </p:bldLst>
+  </p:timing>
 </p:sld>
 </file>
 
@@ -4905,7 +5349,7 @@
             </p:nvSpPr>
             <p:spPr>
               <a:xfrm>
-                <a:off x="3153083" y="1090064"/>
+                <a:off x="2756844" y="1090064"/>
                 <a:ext cx="5812810" cy="489814"/>
               </a:xfrm>
               <a:prstGeom prst="rect">
@@ -5019,7 +5463,7 @@
             </p:nvSpPr>
             <p:spPr>
               <a:xfrm>
-                <a:off x="3153083" y="1090064"/>
+                <a:off x="2756844" y="1090064"/>
                 <a:ext cx="5812810" cy="489814"/>
               </a:xfrm>
               <a:prstGeom prst="rect">
@@ -5028,7 +5472,7 @@
               <a:blipFill>
                 <a:blip r:embed="rId3"/>
                 <a:stretch>
-                  <a:fillRect l="-436"/>
+                  <a:fillRect l="-218"/>
                 </a:stretch>
               </a:blipFill>
             </p:spPr>
@@ -5063,7 +5507,7 @@
             </p:nvSpPr>
             <p:spPr>
               <a:xfrm>
-                <a:off x="8822859" y="1059094"/>
+                <a:off x="8426620" y="1059094"/>
                 <a:ext cx="2457917" cy="551754"/>
               </a:xfrm>
               <a:prstGeom prst="rect">
@@ -5077,6 +5521,7 @@
               </a:bodyPr>
               <a:lstStyle/>
               <a:p>
+                <a:pPr/>
                 <a14:m>
                   <m:oMathPara xmlns:m="http://schemas.openxmlformats.org/officeDocument/2006/math">
                     <m:oMathParaPr>
@@ -5259,7 +5704,7 @@
             </p:nvSpPr>
             <p:spPr>
               <a:xfrm>
-                <a:off x="8822859" y="1059094"/>
+                <a:off x="8426620" y="1059094"/>
                 <a:ext cx="2457917" cy="551754"/>
               </a:xfrm>
               <a:prstGeom prst="rect">
@@ -5303,7 +5748,7 @@
             </p:nvSpPr>
             <p:spPr>
               <a:xfrm>
-                <a:off x="4878300" y="1850355"/>
+                <a:off x="4482061" y="1850355"/>
                 <a:ext cx="2362377" cy="609077"/>
               </a:xfrm>
               <a:prstGeom prst="rect">
@@ -5317,6 +5762,7 @@
               </a:bodyPr>
               <a:lstStyle/>
               <a:p>
+                <a:pPr/>
                 <a14:m>
                   <m:oMathPara xmlns:m="http://schemas.openxmlformats.org/officeDocument/2006/math">
                     <m:oMathParaPr>
@@ -5485,7 +5931,7 @@
             </p:nvSpPr>
             <p:spPr>
               <a:xfrm>
-                <a:off x="4878300" y="1850355"/>
+                <a:off x="4482061" y="1850355"/>
                 <a:ext cx="2362377" cy="609077"/>
               </a:xfrm>
               <a:prstGeom prst="rect">
@@ -5529,8 +5975,8 @@
             </p:nvSpPr>
             <p:spPr>
               <a:xfrm>
-                <a:off x="3941980" y="2660060"/>
-                <a:ext cx="4308039" cy="566694"/>
+                <a:off x="3545741" y="2660060"/>
+                <a:ext cx="4510529" cy="618631"/>
               </a:xfrm>
               <a:prstGeom prst="rect">
                 <a:avLst/>
@@ -5543,6 +5989,7 @@
               </a:bodyPr>
               <a:lstStyle/>
               <a:p>
+                <a:pPr/>
                 <a14:m>
                   <m:oMathPara xmlns:m="http://schemas.openxmlformats.org/officeDocument/2006/math">
                     <m:oMathParaPr>
@@ -5593,56 +6040,6 @@
                         </a:rPr>
                         <m:t>=</m:t>
                       </m:r>
-                      <m:d>
-                        <m:dPr>
-                          <m:ctrlPr>
-                            <a:rPr lang="en-GB" b="0" i="1" smtClean="0">
-                              <a:solidFill>
-                                <a:schemeClr val="bg2"/>
-                              </a:solidFill>
-                              <a:latin typeface="Cambria Math" panose="02040503050406030204" pitchFamily="18" charset="0"/>
-                            </a:rPr>
-                          </m:ctrlPr>
-                        </m:dPr>
-                        <m:e>
-                          <m:r>
-                            <a:rPr lang="en-GB" b="0" i="1" smtClean="0">
-                              <a:solidFill>
-                                <a:schemeClr val="bg2"/>
-                              </a:solidFill>
-                              <a:latin typeface="Cambria Math" panose="02040503050406030204" pitchFamily="18" charset="0"/>
-                            </a:rPr>
-                            <m:t>1−</m:t>
-                          </m:r>
-                          <m:r>
-                            <a:rPr lang="en-GB" b="0" i="1" smtClean="0">
-                              <a:solidFill>
-                                <a:schemeClr val="bg2"/>
-                              </a:solidFill>
-                              <a:latin typeface="Cambria Math" panose="02040503050406030204" pitchFamily="18" charset="0"/>
-                            </a:rPr>
-                            <m:t>𝑝</m:t>
-                          </m:r>
-                        </m:e>
-                      </m:d>
-                      <m:r>
-                        <a:rPr lang="en-GB" b="0" i="1" smtClean="0">
-                          <a:solidFill>
-                            <a:schemeClr val="bg2"/>
-                          </a:solidFill>
-                          <a:latin typeface="Cambria Math" panose="02040503050406030204" pitchFamily="18" charset="0"/>
-                        </a:rPr>
-                        <m:t>𝜌</m:t>
-                      </m:r>
-                      <m:r>
-                        <a:rPr lang="en-GB" b="0" i="1" smtClean="0">
-                          <a:solidFill>
-                            <a:schemeClr val="bg2"/>
-                          </a:solidFill>
-                          <a:latin typeface="Cambria Math" panose="02040503050406030204" pitchFamily="18" charset="0"/>
-                        </a:rPr>
-                        <m:t>+</m:t>
-                      </m:r>
                       <m:f>
                         <m:fPr>
                           <m:ctrlPr>
@@ -5673,7 +6070,7 @@
                               </a:solidFill>
                               <a:latin typeface="Cambria Math" panose="02040503050406030204" pitchFamily="18" charset="0"/>
                             </a:rPr>
-                            <m:t>3</m:t>
+                            <m:t>4</m:t>
                           </m:r>
                         </m:den>
                       </m:f>
@@ -5790,6 +6187,90 @@
                           </m:r>
                         </m:e>
                       </m:d>
+                      <m:r>
+                        <a:rPr lang="en-GB" b="0" i="1" smtClean="0">
+                          <a:solidFill>
+                            <a:schemeClr val="bg1"/>
+                          </a:solidFill>
+                          <a:latin typeface="Cambria Math" panose="02040503050406030204" pitchFamily="18" charset="0"/>
+                        </a:rPr>
+                        <m:t>+</m:t>
+                      </m:r>
+                      <m:d>
+                        <m:dPr>
+                          <m:ctrlPr>
+                            <a:rPr lang="en-GB" i="1">
+                              <a:solidFill>
+                                <a:schemeClr val="bg2"/>
+                              </a:solidFill>
+                              <a:latin typeface="Cambria Math" panose="02040503050406030204" pitchFamily="18" charset="0"/>
+                            </a:rPr>
+                          </m:ctrlPr>
+                        </m:dPr>
+                        <m:e>
+                          <m:r>
+                            <a:rPr lang="en-GB" i="1">
+                              <a:solidFill>
+                                <a:schemeClr val="bg2"/>
+                              </a:solidFill>
+                              <a:latin typeface="Cambria Math" panose="02040503050406030204" pitchFamily="18" charset="0"/>
+                            </a:rPr>
+                            <m:t>1−</m:t>
+                          </m:r>
+                          <m:f>
+                            <m:fPr>
+                              <m:ctrlPr>
+                                <a:rPr lang="en-GB" b="0" i="1" smtClean="0">
+                                  <a:solidFill>
+                                    <a:schemeClr val="bg2"/>
+                                  </a:solidFill>
+                                  <a:latin typeface="Cambria Math" panose="02040503050406030204" pitchFamily="18" charset="0"/>
+                                </a:rPr>
+                              </m:ctrlPr>
+                            </m:fPr>
+                            <m:num>
+                              <m:r>
+                                <a:rPr lang="en-GB" b="0" i="1" smtClean="0">
+                                  <a:solidFill>
+                                    <a:schemeClr val="bg2"/>
+                                  </a:solidFill>
+                                  <a:latin typeface="Cambria Math" panose="02040503050406030204" pitchFamily="18" charset="0"/>
+                                </a:rPr>
+                                <m:t>3</m:t>
+                              </m:r>
+                              <m:r>
+                                <a:rPr lang="en-GB" i="1">
+                                  <a:solidFill>
+                                    <a:schemeClr val="bg2"/>
+                                  </a:solidFill>
+                                  <a:latin typeface="Cambria Math" panose="02040503050406030204" pitchFamily="18" charset="0"/>
+                                </a:rPr>
+                                <m:t>𝑝</m:t>
+                              </m:r>
+                            </m:num>
+                            <m:den>
+                              <m:r>
+                                <a:rPr lang="en-GB" b="0" i="1" smtClean="0">
+                                  <a:solidFill>
+                                    <a:schemeClr val="bg2"/>
+                                  </a:solidFill>
+                                  <a:latin typeface="Cambria Math" panose="02040503050406030204" pitchFamily="18" charset="0"/>
+                                </a:rPr>
+                                <m:t>4</m:t>
+                              </m:r>
+                            </m:den>
+                          </m:f>
+                        </m:e>
+                      </m:d>
+                      <m:r>
+                        <a:rPr lang="en-GB" i="1">
+                          <a:solidFill>
+                            <a:schemeClr val="bg2"/>
+                          </a:solidFill>
+                          <a:latin typeface="Cambria Math" panose="02040503050406030204" pitchFamily="18" charset="0"/>
+                        </a:rPr>
+                        <m:t>𝜌</m:t>
+                      </m:r>
                     </m:oMath>
                   </m:oMathPara>
                 </a14:m>
@@ -5815,8 +6296,8 @@
             </p:nvSpPr>
             <p:spPr>
               <a:xfrm>
-                <a:off x="3941980" y="2660060"/>
-                <a:ext cx="4308039" cy="566694"/>
+                <a:off x="3545741" y="2660060"/>
+                <a:ext cx="4510529" cy="618631"/>
               </a:xfrm>
               <a:prstGeom prst="rect">
                 <a:avLst/>
@@ -5824,7 +6305,7 @@
               <a:blipFill>
                 <a:blip r:embed="rId6"/>
                 <a:stretch>
-                  <a:fillRect b="-6667"/>
+                  <a:fillRect b="-2000"/>
                 </a:stretch>
               </a:blipFill>
             </p:spPr>
@@ -5915,8 +6396,8 @@
           </a:fontRef>
         </p:style>
       </p:cxnSp>
-      <mc:AlternateContent xmlns:mc="http://schemas.openxmlformats.org/markup-compatibility/2006">
-        <mc:Choice xmlns:a14="http://schemas.microsoft.com/office/drawing/2010/main" Requires="a14">
+      <mc:AlternateContent xmlns:mc="http://schemas.openxmlformats.org/markup-compatibility/2006" xmlns:a14="http://schemas.microsoft.com/office/drawing/2010/main">
+        <mc:Choice Requires="a14">
           <p:sp>
             <p:nvSpPr>
               <p:cNvPr id="35" name="TextBox 34">
@@ -5945,6 +6426,7 @@
               </a:bodyPr>
               <a:lstStyle/>
               <a:p>
+                <a:pPr/>
                 <a14:m>
                   <m:oMathPara xmlns:m="http://schemas.openxmlformats.org/officeDocument/2006/math">
                     <m:oMathParaPr>
@@ -5972,7 +6454,7 @@
             </p:txBody>
           </p:sp>
         </mc:Choice>
-        <mc:Fallback>
+        <mc:Fallback xmlns="">
           <p:sp>
             <p:nvSpPr>
               <p:cNvPr id="35" name="TextBox 34">
@@ -6017,8 +6499,8 @@
           </p:sp>
         </mc:Fallback>
       </mc:AlternateContent>
-      <mc:AlternateContent xmlns:mc="http://schemas.openxmlformats.org/markup-compatibility/2006">
-        <mc:Choice xmlns:a14="http://schemas.microsoft.com/office/drawing/2010/main" Requires="a14">
+      <mc:AlternateContent xmlns:mc="http://schemas.openxmlformats.org/markup-compatibility/2006" xmlns:a14="http://schemas.microsoft.com/office/drawing/2010/main">
+        <mc:Choice Requires="a14">
           <p:sp>
             <p:nvSpPr>
               <p:cNvPr id="36" name="TextBox 35">
@@ -6047,6 +6529,7 @@
               </a:bodyPr>
               <a:lstStyle/>
               <a:p>
+                <a:pPr/>
                 <a14:m>
                   <m:oMathPara xmlns:m="http://schemas.openxmlformats.org/officeDocument/2006/math">
                     <m:oMathParaPr>
@@ -6074,7 +6557,7 @@
             </p:txBody>
           </p:sp>
         </mc:Choice>
-        <mc:Fallback>
+        <mc:Fallback xmlns="">
           <p:sp>
             <p:nvSpPr>
               <p:cNvPr id="36" name="TextBox 35">
@@ -6119,8 +6602,8 @@
           </p:sp>
         </mc:Fallback>
       </mc:AlternateContent>
-      <mc:AlternateContent xmlns:mc="http://schemas.openxmlformats.org/markup-compatibility/2006">
-        <mc:Choice xmlns:a14="http://schemas.microsoft.com/office/drawing/2010/main" Requires="a14">
+      <mc:AlternateContent xmlns:mc="http://schemas.openxmlformats.org/markup-compatibility/2006" xmlns:a14="http://schemas.microsoft.com/office/drawing/2010/main">
+        <mc:Choice Requires="a14">
           <p:sp>
             <p:nvSpPr>
               <p:cNvPr id="37" name="TextBox 36">
@@ -6149,6 +6632,7 @@
               </a:bodyPr>
               <a:lstStyle/>
               <a:p>
+                <a:pPr/>
                 <a14:m>
                   <m:oMathPara xmlns:m="http://schemas.openxmlformats.org/officeDocument/2006/math">
                     <m:oMathParaPr>
@@ -6176,7 +6660,7 @@
             </p:txBody>
           </p:sp>
         </mc:Choice>
-        <mc:Fallback>
+        <mc:Fallback xmlns="">
           <p:sp>
             <p:nvSpPr>
               <p:cNvPr id="37" name="TextBox 36">
@@ -6221,8 +6705,8 @@
           </p:sp>
         </mc:Fallback>
       </mc:AlternateContent>
-      <mc:AlternateContent xmlns:mc="http://schemas.openxmlformats.org/markup-compatibility/2006">
-        <mc:Choice xmlns:a14="http://schemas.microsoft.com/office/drawing/2010/main" Requires="a14">
+      <mc:AlternateContent xmlns:mc="http://schemas.openxmlformats.org/markup-compatibility/2006" xmlns:a14="http://schemas.microsoft.com/office/drawing/2010/main">
+        <mc:Choice Requires="a14">
           <p:sp>
             <p:nvSpPr>
               <p:cNvPr id="38" name="TextBox 37">
@@ -6251,6 +6735,7 @@
               </a:bodyPr>
               <a:lstStyle/>
               <a:p>
+                <a:pPr/>
                 <a14:m>
                   <m:oMathPara xmlns:m="http://schemas.openxmlformats.org/officeDocument/2006/math">
                     <m:oMathParaPr>
@@ -6278,7 +6763,7 @@
             </p:txBody>
           </p:sp>
         </mc:Choice>
-        <mc:Fallback>
+        <mc:Fallback xmlns="">
           <p:sp>
             <p:nvSpPr>
               <p:cNvPr id="38" name="TextBox 37">
@@ -6323,8 +6808,8 @@
           </p:sp>
         </mc:Fallback>
       </mc:AlternateContent>
-      <mc:AlternateContent xmlns:mc="http://schemas.openxmlformats.org/markup-compatibility/2006">
-        <mc:Choice xmlns:a14="http://schemas.microsoft.com/office/drawing/2010/main" Requires="a14">
+      <mc:AlternateContent xmlns:mc="http://schemas.openxmlformats.org/markup-compatibility/2006" xmlns:a14="http://schemas.microsoft.com/office/drawing/2010/main">
+        <mc:Choice Requires="a14">
           <p:sp>
             <p:nvSpPr>
               <p:cNvPr id="39" name="TextBox 38">
@@ -6353,6 +6838,7 @@
               </a:bodyPr>
               <a:lstStyle/>
               <a:p>
+                <a:pPr/>
                 <a14:m>
                   <m:oMathPara xmlns:m="http://schemas.openxmlformats.org/officeDocument/2006/math">
                     <m:oMathParaPr>
@@ -6380,7 +6866,7 @@
             </p:txBody>
           </p:sp>
         </mc:Choice>
-        <mc:Fallback>
+        <mc:Fallback xmlns="">
           <p:sp>
             <p:nvSpPr>
               <p:cNvPr id="39" name="TextBox 38">
@@ -6425,8 +6911,8 @@
           </p:sp>
         </mc:Fallback>
       </mc:AlternateContent>
-      <mc:AlternateContent xmlns:mc="http://schemas.openxmlformats.org/markup-compatibility/2006">
-        <mc:Choice xmlns:a14="http://schemas.microsoft.com/office/drawing/2010/main" Requires="a14">
+      <mc:AlternateContent xmlns:mc="http://schemas.openxmlformats.org/markup-compatibility/2006" xmlns:a14="http://schemas.microsoft.com/office/drawing/2010/main">
+        <mc:Choice Requires="a14">
           <p:sp>
             <p:nvSpPr>
               <p:cNvPr id="41" name="TextBox 40">
@@ -6455,6 +6941,7 @@
               </a:bodyPr>
               <a:lstStyle/>
               <a:p>
+                <a:pPr/>
                 <a14:m>
                   <m:oMathPara xmlns:m="http://schemas.openxmlformats.org/officeDocument/2006/math">
                     <m:oMathParaPr>
@@ -6482,7 +6969,7 @@
             </p:txBody>
           </p:sp>
         </mc:Choice>
-        <mc:Fallback>
+        <mc:Fallback xmlns="">
           <p:sp>
             <p:nvSpPr>
               <p:cNvPr id="41" name="TextBox 40">
@@ -6527,8 +7014,8 @@
           </p:sp>
         </mc:Fallback>
       </mc:AlternateContent>
-      <mc:AlternateContent xmlns:mc="http://schemas.openxmlformats.org/markup-compatibility/2006">
-        <mc:Choice xmlns:a14="http://schemas.microsoft.com/office/drawing/2010/main" Requires="a14">
+      <mc:AlternateContent xmlns:mc="http://schemas.openxmlformats.org/markup-compatibility/2006" xmlns:a14="http://schemas.microsoft.com/office/drawing/2010/main">
+        <mc:Choice Requires="a14">
           <p:sp>
             <p:nvSpPr>
               <p:cNvPr id="42" name="TextBox 41">
@@ -6557,6 +7044,7 @@
               </a:bodyPr>
               <a:lstStyle/>
               <a:p>
+                <a:pPr/>
                 <a14:m>
                   <m:oMathPara xmlns:m="http://schemas.openxmlformats.org/officeDocument/2006/math">
                     <m:oMathParaPr>
@@ -6584,7 +7072,7 @@
             </p:txBody>
           </p:sp>
         </mc:Choice>
-        <mc:Fallback>
+        <mc:Fallback xmlns="">
           <p:sp>
             <p:nvSpPr>
               <p:cNvPr id="42" name="TextBox 41">
@@ -6659,6 +7147,414 @@
           </a:prstGeom>
         </p:spPr>
       </p:pic>
+      <mc:AlternateContent xmlns:mc="http://schemas.openxmlformats.org/markup-compatibility/2006">
+        <mc:Choice xmlns:a14="http://schemas.microsoft.com/office/drawing/2010/main" Requires="a14">
+          <p:sp>
+            <p:nvSpPr>
+              <p:cNvPr id="3" name="TextBox 2">
+                <a:extLst>
+                  <a:ext uri="{FF2B5EF4-FFF2-40B4-BE49-F238E27FC236}">
+                    <a16:creationId xmlns:a16="http://schemas.microsoft.com/office/drawing/2014/main" id="{133CB9EA-8F87-6734-4E89-654A014DCD31}"/>
+                  </a:ext>
+                </a:extLst>
+              </p:cNvPr>
+              <p:cNvSpPr txBox="1"/>
+              <p:nvPr/>
+            </p:nvSpPr>
+            <p:spPr>
+              <a:xfrm>
+                <a:off x="3596261" y="3806105"/>
+                <a:ext cx="444352" cy="307777"/>
+              </a:xfrm>
+              <a:prstGeom prst="rect">
+                <a:avLst/>
+              </a:prstGeom>
+              <a:noFill/>
+            </p:spPr>
+            <p:txBody>
+              <a:bodyPr wrap="none" rtlCol="0">
+                <a:spAutoFit/>
+              </a:bodyPr>
+              <a:lstStyle/>
+              <a:p>
+                <a14:m>
+                  <m:oMathPara xmlns:m="http://schemas.openxmlformats.org/officeDocument/2006/math">
+                    <m:oMathParaPr>
+                      <m:jc m:val="centerGroup"/>
+                    </m:oMathParaPr>
+                    <m:oMath xmlns:m="http://schemas.openxmlformats.org/officeDocument/2006/math">
+                      <m:r>
+                        <a:rPr lang="en-GB" sz="1400" b="0" i="1" smtClean="0">
+                          <a:solidFill>
+                            <a:schemeClr val="bg2"/>
+                          </a:solidFill>
+                          <a:latin typeface="Cambria Math" panose="02040503050406030204" pitchFamily="18" charset="0"/>
+                        </a:rPr>
+                        <m:t>|0⟩</m:t>
+                      </m:r>
+                    </m:oMath>
+                  </m:oMathPara>
+                </a14:m>
+                <a:endParaRPr lang="en-US" sz="1400" dirty="0">
+                  <a:solidFill>
+                    <a:schemeClr val="bg2"/>
+                  </a:solidFill>
+                </a:endParaRPr>
+              </a:p>
+            </p:txBody>
+          </p:sp>
+        </mc:Choice>
+        <mc:Fallback>
+          <p:sp>
+            <p:nvSpPr>
+              <p:cNvPr id="3" name="TextBox 2">
+                <a:extLst>
+                  <a:ext uri="{FF2B5EF4-FFF2-40B4-BE49-F238E27FC236}">
+                    <a16:creationId xmlns:a16="http://schemas.microsoft.com/office/drawing/2014/main" id="{133CB9EA-8F87-6734-4E89-654A014DCD31}"/>
+                  </a:ext>
+                </a:extLst>
+              </p:cNvPr>
+              <p:cNvSpPr txBox="1">
+                <a:spLocks noRot="1" noChangeAspect="1" noMove="1" noResize="1" noEditPoints="1" noAdjustHandles="1" noChangeArrowheads="1" noChangeShapeType="1" noTextEdit="1"/>
+              </p:cNvSpPr>
+              <p:nvPr/>
+            </p:nvSpPr>
+            <p:spPr>
+              <a:xfrm>
+                <a:off x="3596261" y="3806105"/>
+                <a:ext cx="444352" cy="307777"/>
+              </a:xfrm>
+              <a:prstGeom prst="rect">
+                <a:avLst/>
+              </a:prstGeom>
+              <a:blipFill>
+                <a:blip r:embed="rId16"/>
+                <a:stretch>
+                  <a:fillRect b="-8000"/>
+                </a:stretch>
+              </a:blipFill>
+            </p:spPr>
+            <p:txBody>
+              <a:bodyPr/>
+              <a:lstStyle/>
+              <a:p>
+                <a:r>
+                  <a:rPr lang="en-US">
+                    <a:noFill/>
+                  </a:rPr>
+                  <a:t> </a:t>
+                </a:r>
+              </a:p>
+            </p:txBody>
+          </p:sp>
+        </mc:Fallback>
+      </mc:AlternateContent>
+      <mc:AlternateContent xmlns:mc="http://schemas.openxmlformats.org/markup-compatibility/2006">
+        <mc:Choice xmlns:a14="http://schemas.microsoft.com/office/drawing/2010/main" Requires="a14">
+          <p:sp>
+            <p:nvSpPr>
+              <p:cNvPr id="4" name="TextBox 3">
+                <a:extLst>
+                  <a:ext uri="{FF2B5EF4-FFF2-40B4-BE49-F238E27FC236}">
+                    <a16:creationId xmlns:a16="http://schemas.microsoft.com/office/drawing/2014/main" id="{2019F1FB-1C17-9000-84A9-F21E1E2ED5A4}"/>
+                  </a:ext>
+                </a:extLst>
+              </p:cNvPr>
+              <p:cNvSpPr txBox="1"/>
+              <p:nvPr/>
+            </p:nvSpPr>
+            <p:spPr>
+              <a:xfrm>
+                <a:off x="7548501" y="3836698"/>
+                <a:ext cx="444352" cy="307777"/>
+              </a:xfrm>
+              <a:prstGeom prst="rect">
+                <a:avLst/>
+              </a:prstGeom>
+              <a:noFill/>
+            </p:spPr>
+            <p:txBody>
+              <a:bodyPr wrap="none" rtlCol="0">
+                <a:spAutoFit/>
+              </a:bodyPr>
+              <a:lstStyle/>
+              <a:p>
+                <a14:m>
+                  <m:oMathPara xmlns:m="http://schemas.openxmlformats.org/officeDocument/2006/math">
+                    <m:oMathParaPr>
+                      <m:jc m:val="centerGroup"/>
+                    </m:oMathParaPr>
+                    <m:oMath xmlns:m="http://schemas.openxmlformats.org/officeDocument/2006/math">
+                      <m:r>
+                        <a:rPr lang="en-GB" sz="1400" b="0" i="1" smtClean="0">
+                          <a:solidFill>
+                            <a:schemeClr val="bg2"/>
+                          </a:solidFill>
+                          <a:latin typeface="Cambria Math" panose="02040503050406030204" pitchFamily="18" charset="0"/>
+                        </a:rPr>
+                        <m:t>|0⟩</m:t>
+                      </m:r>
+                    </m:oMath>
+                  </m:oMathPara>
+                </a14:m>
+                <a:endParaRPr lang="en-US" sz="1400" dirty="0">
+                  <a:solidFill>
+                    <a:schemeClr val="bg2"/>
+                  </a:solidFill>
+                </a:endParaRPr>
+              </a:p>
+            </p:txBody>
+          </p:sp>
+        </mc:Choice>
+        <mc:Fallback>
+          <p:sp>
+            <p:nvSpPr>
+              <p:cNvPr id="4" name="TextBox 3">
+                <a:extLst>
+                  <a:ext uri="{FF2B5EF4-FFF2-40B4-BE49-F238E27FC236}">
+                    <a16:creationId xmlns:a16="http://schemas.microsoft.com/office/drawing/2014/main" id="{2019F1FB-1C17-9000-84A9-F21E1E2ED5A4}"/>
+                  </a:ext>
+                </a:extLst>
+              </p:cNvPr>
+              <p:cNvSpPr txBox="1">
+                <a:spLocks noRot="1" noChangeAspect="1" noMove="1" noResize="1" noEditPoints="1" noAdjustHandles="1" noChangeArrowheads="1" noChangeShapeType="1" noTextEdit="1"/>
+              </p:cNvSpPr>
+              <p:nvPr/>
+            </p:nvSpPr>
+            <p:spPr>
+              <a:xfrm>
+                <a:off x="7548501" y="3836698"/>
+                <a:ext cx="444352" cy="307777"/>
+              </a:xfrm>
+              <a:prstGeom prst="rect">
+                <a:avLst/>
+              </a:prstGeom>
+              <a:blipFill>
+                <a:blip r:embed="rId17"/>
+                <a:stretch>
+                  <a:fillRect b="-7692"/>
+                </a:stretch>
+              </a:blipFill>
+            </p:spPr>
+            <p:txBody>
+              <a:bodyPr/>
+              <a:lstStyle/>
+              <a:p>
+                <a:r>
+                  <a:rPr lang="en-US">
+                    <a:noFill/>
+                  </a:rPr>
+                  <a:t> </a:t>
+                </a:r>
+              </a:p>
+            </p:txBody>
+          </p:sp>
+        </mc:Fallback>
+      </mc:AlternateContent>
+      <mc:AlternateContent xmlns:mc="http://schemas.openxmlformats.org/markup-compatibility/2006">
+        <mc:Choice xmlns:a14="http://schemas.microsoft.com/office/drawing/2010/main" Requires="a14">
+          <p:sp>
+            <p:nvSpPr>
+              <p:cNvPr id="5" name="TextBox 4">
+                <a:extLst>
+                  <a:ext uri="{FF2B5EF4-FFF2-40B4-BE49-F238E27FC236}">
+                    <a16:creationId xmlns:a16="http://schemas.microsoft.com/office/drawing/2014/main" id="{5B877D55-4F86-A866-5681-42E9ED1A7A6F}"/>
+                  </a:ext>
+                </a:extLst>
+              </p:cNvPr>
+              <p:cNvSpPr txBox="1"/>
+              <p:nvPr/>
+            </p:nvSpPr>
+            <p:spPr>
+              <a:xfrm>
+                <a:off x="3382902" y="6287220"/>
+                <a:ext cx="444352" cy="307777"/>
+              </a:xfrm>
+              <a:prstGeom prst="rect">
+                <a:avLst/>
+              </a:prstGeom>
+              <a:noFill/>
+            </p:spPr>
+            <p:txBody>
+              <a:bodyPr wrap="none" rtlCol="0">
+                <a:spAutoFit/>
+              </a:bodyPr>
+              <a:lstStyle/>
+              <a:p>
+                <a14:m>
+                  <m:oMathPara xmlns:m="http://schemas.openxmlformats.org/officeDocument/2006/math">
+                    <m:oMathParaPr>
+                      <m:jc m:val="centerGroup"/>
+                    </m:oMathParaPr>
+                    <m:oMath xmlns:m="http://schemas.openxmlformats.org/officeDocument/2006/math">
+                      <m:r>
+                        <a:rPr lang="en-GB" sz="1400" b="0" i="1" smtClean="0">
+                          <a:solidFill>
+                            <a:schemeClr val="bg2"/>
+                          </a:solidFill>
+                          <a:latin typeface="Cambria Math" panose="02040503050406030204" pitchFamily="18" charset="0"/>
+                        </a:rPr>
+                        <m:t>|1⟩</m:t>
+                      </m:r>
+                    </m:oMath>
+                  </m:oMathPara>
+                </a14:m>
+                <a:endParaRPr lang="en-US" sz="1400" dirty="0">
+                  <a:solidFill>
+                    <a:schemeClr val="bg2"/>
+                  </a:solidFill>
+                </a:endParaRPr>
+              </a:p>
+            </p:txBody>
+          </p:sp>
+        </mc:Choice>
+        <mc:Fallback>
+          <p:sp>
+            <p:nvSpPr>
+              <p:cNvPr id="5" name="TextBox 4">
+                <a:extLst>
+                  <a:ext uri="{FF2B5EF4-FFF2-40B4-BE49-F238E27FC236}">
+                    <a16:creationId xmlns:a16="http://schemas.microsoft.com/office/drawing/2014/main" id="{5B877D55-4F86-A866-5681-42E9ED1A7A6F}"/>
+                  </a:ext>
+                </a:extLst>
+              </p:cNvPr>
+              <p:cNvSpPr txBox="1">
+                <a:spLocks noRot="1" noChangeAspect="1" noMove="1" noResize="1" noEditPoints="1" noAdjustHandles="1" noChangeArrowheads="1" noChangeShapeType="1" noTextEdit="1"/>
+              </p:cNvSpPr>
+              <p:nvPr/>
+            </p:nvSpPr>
+            <p:spPr>
+              <a:xfrm>
+                <a:off x="3382902" y="6287220"/>
+                <a:ext cx="444352" cy="307777"/>
+              </a:xfrm>
+              <a:prstGeom prst="rect">
+                <a:avLst/>
+              </a:prstGeom>
+              <a:blipFill>
+                <a:blip r:embed="rId18"/>
+                <a:stretch>
+                  <a:fillRect b="-7692"/>
+                </a:stretch>
+              </a:blipFill>
+            </p:spPr>
+            <p:txBody>
+              <a:bodyPr/>
+              <a:lstStyle/>
+              <a:p>
+                <a:r>
+                  <a:rPr lang="en-US">
+                    <a:noFill/>
+                  </a:rPr>
+                  <a:t> </a:t>
+                </a:r>
+              </a:p>
+            </p:txBody>
+          </p:sp>
+        </mc:Fallback>
+      </mc:AlternateContent>
+      <mc:AlternateContent xmlns:mc="http://schemas.openxmlformats.org/markup-compatibility/2006">
+        <mc:Choice xmlns:a14="http://schemas.microsoft.com/office/drawing/2010/main" Requires="a14">
+          <p:sp>
+            <p:nvSpPr>
+              <p:cNvPr id="6" name="TextBox 5">
+                <a:extLst>
+                  <a:ext uri="{FF2B5EF4-FFF2-40B4-BE49-F238E27FC236}">
+                    <a16:creationId xmlns:a16="http://schemas.microsoft.com/office/drawing/2014/main" id="{EB533B48-61EF-9BD2-24C2-112866412B19}"/>
+                  </a:ext>
+                </a:extLst>
+              </p:cNvPr>
+              <p:cNvSpPr txBox="1"/>
+              <p:nvPr/>
+            </p:nvSpPr>
+            <p:spPr>
+              <a:xfrm>
+                <a:off x="7390867" y="5793185"/>
+                <a:ext cx="444352" cy="307777"/>
+              </a:xfrm>
+              <a:prstGeom prst="rect">
+                <a:avLst/>
+              </a:prstGeom>
+              <a:noFill/>
+            </p:spPr>
+            <p:txBody>
+              <a:bodyPr wrap="none" rtlCol="0">
+                <a:spAutoFit/>
+              </a:bodyPr>
+              <a:lstStyle/>
+              <a:p>
+                <a14:m>
+                  <m:oMathPara xmlns:m="http://schemas.openxmlformats.org/officeDocument/2006/math">
+                    <m:oMathParaPr>
+                      <m:jc m:val="centerGroup"/>
+                    </m:oMathParaPr>
+                    <m:oMath xmlns:m="http://schemas.openxmlformats.org/officeDocument/2006/math">
+                      <m:r>
+                        <a:rPr lang="en-GB" sz="1400" b="0" i="1" smtClean="0">
+                          <a:solidFill>
+                            <a:schemeClr val="bg2"/>
+                          </a:solidFill>
+                          <a:latin typeface="Cambria Math" panose="02040503050406030204" pitchFamily="18" charset="0"/>
+                        </a:rPr>
+                        <m:t>|1⟩</m:t>
+                      </m:r>
+                    </m:oMath>
+                  </m:oMathPara>
+                </a14:m>
+                <a:endParaRPr lang="en-US" sz="1400" dirty="0">
+                  <a:solidFill>
+                    <a:schemeClr val="bg2"/>
+                  </a:solidFill>
+                </a:endParaRPr>
+              </a:p>
+            </p:txBody>
+          </p:sp>
+        </mc:Choice>
+        <mc:Fallback>
+          <p:sp>
+            <p:nvSpPr>
+              <p:cNvPr id="6" name="TextBox 5">
+                <a:extLst>
+                  <a:ext uri="{FF2B5EF4-FFF2-40B4-BE49-F238E27FC236}">
+                    <a16:creationId xmlns:a16="http://schemas.microsoft.com/office/drawing/2014/main" id="{EB533B48-61EF-9BD2-24C2-112866412B19}"/>
+                  </a:ext>
+                </a:extLst>
+              </p:cNvPr>
+              <p:cNvSpPr txBox="1">
+                <a:spLocks noRot="1" noChangeAspect="1" noMove="1" noResize="1" noEditPoints="1" noAdjustHandles="1" noChangeArrowheads="1" noChangeShapeType="1" noTextEdit="1"/>
+              </p:cNvSpPr>
+              <p:nvPr/>
+            </p:nvSpPr>
+            <p:spPr>
+              <a:xfrm>
+                <a:off x="7390867" y="5793185"/>
+                <a:ext cx="444352" cy="307777"/>
+              </a:xfrm>
+              <a:prstGeom prst="rect">
+                <a:avLst/>
+              </a:prstGeom>
+              <a:blipFill>
+                <a:blip r:embed="rId19"/>
+                <a:stretch>
+                  <a:fillRect b="-8000"/>
+                </a:stretch>
+              </a:blipFill>
+            </p:spPr>
+            <p:txBody>
+              <a:bodyPr/>
+              <a:lstStyle/>
+              <a:p>
+                <a:r>
+                  <a:rPr lang="en-US">
+                    <a:noFill/>
+                  </a:rPr>
+                  <a:t> </a:t>
+                </a:r>
+              </a:p>
+            </p:txBody>
+          </p:sp>
+        </mc:Fallback>
+      </mc:AlternateContent>
     </p:spTree>
     <p:extLst>
       <p:ext uri="{BB962C8B-B14F-4D97-AF65-F5344CB8AC3E}">
@@ -6669,6 +7565,601 @@
   <p:clrMapOvr>
     <a:masterClrMapping/>
   </p:clrMapOvr>
+  <p:timing>
+    <p:tnLst>
+      <p:par>
+        <p:cTn id="1" dur="indefinite" restart="never" nodeType="tmRoot">
+          <p:childTnLst>
+            <p:seq concurrent="1" nextAc="seek">
+              <p:cTn id="2" dur="indefinite" nodeType="mainSeq">
+                <p:childTnLst>
+                  <p:par>
+                    <p:cTn id="3" fill="hold">
+                      <p:stCondLst>
+                        <p:cond delay="indefinite"/>
+                      </p:stCondLst>
+                      <p:childTnLst>
+                        <p:par>
+                          <p:cTn id="4" fill="hold">
+                            <p:stCondLst>
+                              <p:cond delay="0"/>
+                            </p:stCondLst>
+                            <p:childTnLst>
+                              <p:par>
+                                <p:cTn id="5" presetID="1" presetClass="entr" presetSubtype="0" fill="hold" grpId="0" nodeType="clickEffect">
+                                  <p:stCondLst>
+                                    <p:cond delay="0"/>
+                                  </p:stCondLst>
+                                  <p:childTnLst>
+                                    <p:set>
+                                      <p:cBhvr>
+                                        <p:cTn id="6" dur="1" fill="hold">
+                                          <p:stCondLst>
+                                            <p:cond delay="0"/>
+                                          </p:stCondLst>
+                                        </p:cTn>
+                                        <p:tgtEl>
+                                          <p:spTgt spid="26"/>
+                                        </p:tgtEl>
+                                        <p:attrNameLst>
+                                          <p:attrName>style.visibility</p:attrName>
+                                        </p:attrNameLst>
+                                      </p:cBhvr>
+                                      <p:to>
+                                        <p:strVal val="visible"/>
+                                      </p:to>
+                                    </p:set>
+                                  </p:childTnLst>
+                                </p:cTn>
+                              </p:par>
+                            </p:childTnLst>
+                          </p:cTn>
+                        </p:par>
+                      </p:childTnLst>
+                    </p:cTn>
+                  </p:par>
+                  <p:par>
+                    <p:cTn id="7" fill="hold">
+                      <p:stCondLst>
+                        <p:cond delay="indefinite"/>
+                      </p:stCondLst>
+                      <p:childTnLst>
+                        <p:par>
+                          <p:cTn id="8" fill="hold">
+                            <p:stCondLst>
+                              <p:cond delay="0"/>
+                            </p:stCondLst>
+                            <p:childTnLst>
+                              <p:par>
+                                <p:cTn id="9" presetID="1" presetClass="entr" presetSubtype="0" fill="hold" grpId="0" nodeType="clickEffect">
+                                  <p:stCondLst>
+                                    <p:cond delay="0"/>
+                                  </p:stCondLst>
+                                  <p:childTnLst>
+                                    <p:set>
+                                      <p:cBhvr>
+                                        <p:cTn id="10" dur="1" fill="hold">
+                                          <p:stCondLst>
+                                            <p:cond delay="0"/>
+                                          </p:stCondLst>
+                                        </p:cTn>
+                                        <p:tgtEl>
+                                          <p:spTgt spid="24"/>
+                                        </p:tgtEl>
+                                        <p:attrNameLst>
+                                          <p:attrName>style.visibility</p:attrName>
+                                        </p:attrNameLst>
+                                      </p:cBhvr>
+                                      <p:to>
+                                        <p:strVal val="visible"/>
+                                      </p:to>
+                                    </p:set>
+                                  </p:childTnLst>
+                                </p:cTn>
+                              </p:par>
+                            </p:childTnLst>
+                          </p:cTn>
+                        </p:par>
+                      </p:childTnLst>
+                    </p:cTn>
+                  </p:par>
+                  <p:par>
+                    <p:cTn id="11" fill="hold">
+                      <p:stCondLst>
+                        <p:cond delay="indefinite"/>
+                      </p:stCondLst>
+                      <p:childTnLst>
+                        <p:par>
+                          <p:cTn id="12" fill="hold">
+                            <p:stCondLst>
+                              <p:cond delay="0"/>
+                            </p:stCondLst>
+                            <p:childTnLst>
+                              <p:par>
+                                <p:cTn id="13" presetID="1" presetClass="entr" presetSubtype="0" fill="hold" grpId="0" nodeType="clickEffect">
+                                  <p:stCondLst>
+                                    <p:cond delay="0"/>
+                                  </p:stCondLst>
+                                  <p:childTnLst>
+                                    <p:set>
+                                      <p:cBhvr>
+                                        <p:cTn id="14" dur="1" fill="hold">
+                                          <p:stCondLst>
+                                            <p:cond delay="0"/>
+                                          </p:stCondLst>
+                                        </p:cTn>
+                                        <p:tgtEl>
+                                          <p:spTgt spid="27"/>
+                                        </p:tgtEl>
+                                        <p:attrNameLst>
+                                          <p:attrName>style.visibility</p:attrName>
+                                        </p:attrNameLst>
+                                      </p:cBhvr>
+                                      <p:to>
+                                        <p:strVal val="visible"/>
+                                      </p:to>
+                                    </p:set>
+                                  </p:childTnLst>
+                                </p:cTn>
+                              </p:par>
+                            </p:childTnLst>
+                          </p:cTn>
+                        </p:par>
+                      </p:childTnLst>
+                    </p:cTn>
+                  </p:par>
+                  <p:par>
+                    <p:cTn id="15" fill="hold">
+                      <p:stCondLst>
+                        <p:cond delay="indefinite"/>
+                      </p:stCondLst>
+                      <p:childTnLst>
+                        <p:par>
+                          <p:cTn id="16" fill="hold">
+                            <p:stCondLst>
+                              <p:cond delay="0"/>
+                            </p:stCondLst>
+                            <p:childTnLst>
+                              <p:par>
+                                <p:cTn id="17" presetID="1" presetClass="entr" presetSubtype="0" fill="hold" nodeType="clickEffect">
+                                  <p:stCondLst>
+                                    <p:cond delay="0"/>
+                                  </p:stCondLst>
+                                  <p:childTnLst>
+                                    <p:set>
+                                      <p:cBhvr>
+                                        <p:cTn id="18" dur="1" fill="hold">
+                                          <p:stCondLst>
+                                            <p:cond delay="0"/>
+                                          </p:stCondLst>
+                                        </p:cTn>
+                                        <p:tgtEl>
+                                          <p:spTgt spid="31"/>
+                                        </p:tgtEl>
+                                        <p:attrNameLst>
+                                          <p:attrName>style.visibility</p:attrName>
+                                        </p:attrNameLst>
+                                      </p:cBhvr>
+                                      <p:to>
+                                        <p:strVal val="visible"/>
+                                      </p:to>
+                                    </p:set>
+                                  </p:childTnLst>
+                                </p:cTn>
+                              </p:par>
+                              <p:par>
+                                <p:cTn id="19" presetID="1" presetClass="entr" presetSubtype="0" fill="hold" grpId="0" nodeType="withEffect">
+                                  <p:stCondLst>
+                                    <p:cond delay="0"/>
+                                  </p:stCondLst>
+                                  <p:childTnLst>
+                                    <p:set>
+                                      <p:cBhvr>
+                                        <p:cTn id="20" dur="1" fill="hold">
+                                          <p:stCondLst>
+                                            <p:cond delay="0"/>
+                                          </p:stCondLst>
+                                        </p:cTn>
+                                        <p:tgtEl>
+                                          <p:spTgt spid="36"/>
+                                        </p:tgtEl>
+                                        <p:attrNameLst>
+                                          <p:attrName>style.visibility</p:attrName>
+                                        </p:attrNameLst>
+                                      </p:cBhvr>
+                                      <p:to>
+                                        <p:strVal val="visible"/>
+                                      </p:to>
+                                    </p:set>
+                                  </p:childTnLst>
+                                </p:cTn>
+                              </p:par>
+                              <p:par>
+                                <p:cTn id="21" presetID="1" presetClass="entr" presetSubtype="0" fill="hold" grpId="0" nodeType="withEffect">
+                                  <p:stCondLst>
+                                    <p:cond delay="0"/>
+                                  </p:stCondLst>
+                                  <p:childTnLst>
+                                    <p:set>
+                                      <p:cBhvr>
+                                        <p:cTn id="22" dur="1" fill="hold">
+                                          <p:stCondLst>
+                                            <p:cond delay="0"/>
+                                          </p:stCondLst>
+                                        </p:cTn>
+                                        <p:tgtEl>
+                                          <p:spTgt spid="37"/>
+                                        </p:tgtEl>
+                                        <p:attrNameLst>
+                                          <p:attrName>style.visibility</p:attrName>
+                                        </p:attrNameLst>
+                                      </p:cBhvr>
+                                      <p:to>
+                                        <p:strVal val="visible"/>
+                                      </p:to>
+                                    </p:set>
+                                  </p:childTnLst>
+                                </p:cTn>
+                              </p:par>
+                              <p:par>
+                                <p:cTn id="23" presetID="1" presetClass="entr" presetSubtype="0" fill="hold" grpId="0" nodeType="withEffect">
+                                  <p:stCondLst>
+                                    <p:cond delay="0"/>
+                                  </p:stCondLst>
+                                  <p:childTnLst>
+                                    <p:set>
+                                      <p:cBhvr>
+                                        <p:cTn id="24" dur="1" fill="hold">
+                                          <p:stCondLst>
+                                            <p:cond delay="0"/>
+                                          </p:stCondLst>
+                                        </p:cTn>
+                                        <p:tgtEl>
+                                          <p:spTgt spid="38"/>
+                                        </p:tgtEl>
+                                        <p:attrNameLst>
+                                          <p:attrName>style.visibility</p:attrName>
+                                        </p:attrNameLst>
+                                      </p:cBhvr>
+                                      <p:to>
+                                        <p:strVal val="visible"/>
+                                      </p:to>
+                                    </p:set>
+                                  </p:childTnLst>
+                                </p:cTn>
+                              </p:par>
+                              <p:par>
+                                <p:cTn id="25" presetID="1" presetClass="entr" presetSubtype="0" fill="hold" grpId="0" nodeType="withEffect">
+                                  <p:stCondLst>
+                                    <p:cond delay="0"/>
+                                  </p:stCondLst>
+                                  <p:childTnLst>
+                                    <p:set>
+                                      <p:cBhvr>
+                                        <p:cTn id="26" dur="1" fill="hold">
+                                          <p:stCondLst>
+                                            <p:cond delay="0"/>
+                                          </p:stCondLst>
+                                        </p:cTn>
+                                        <p:tgtEl>
+                                          <p:spTgt spid="3"/>
+                                        </p:tgtEl>
+                                        <p:attrNameLst>
+                                          <p:attrName>style.visibility</p:attrName>
+                                        </p:attrNameLst>
+                                      </p:cBhvr>
+                                      <p:to>
+                                        <p:strVal val="visible"/>
+                                      </p:to>
+                                    </p:set>
+                                  </p:childTnLst>
+                                </p:cTn>
+                              </p:par>
+                              <p:par>
+                                <p:cTn id="27" presetID="1" presetClass="entr" presetSubtype="0" fill="hold" grpId="0" nodeType="withEffect">
+                                  <p:stCondLst>
+                                    <p:cond delay="0"/>
+                                  </p:stCondLst>
+                                  <p:childTnLst>
+                                    <p:set>
+                                      <p:cBhvr>
+                                        <p:cTn id="28" dur="1" fill="hold">
+                                          <p:stCondLst>
+                                            <p:cond delay="0"/>
+                                          </p:stCondLst>
+                                        </p:cTn>
+                                        <p:tgtEl>
+                                          <p:spTgt spid="5"/>
+                                        </p:tgtEl>
+                                        <p:attrNameLst>
+                                          <p:attrName>style.visibility</p:attrName>
+                                        </p:attrNameLst>
+                                      </p:cBhvr>
+                                      <p:to>
+                                        <p:strVal val="visible"/>
+                                      </p:to>
+                                    </p:set>
+                                  </p:childTnLst>
+                                </p:cTn>
+                              </p:par>
+                            </p:childTnLst>
+                          </p:cTn>
+                        </p:par>
+                      </p:childTnLst>
+                    </p:cTn>
+                  </p:par>
+                  <p:par>
+                    <p:cTn id="29" fill="hold">
+                      <p:stCondLst>
+                        <p:cond delay="indefinite"/>
+                      </p:stCondLst>
+                      <p:childTnLst>
+                        <p:par>
+                          <p:cTn id="30" fill="hold">
+                            <p:stCondLst>
+                              <p:cond delay="0"/>
+                            </p:stCondLst>
+                            <p:childTnLst>
+                              <p:par>
+                                <p:cTn id="31" presetID="1" presetClass="entr" presetSubtype="0" fill="hold" nodeType="clickEffect">
+                                  <p:stCondLst>
+                                    <p:cond delay="0"/>
+                                  </p:stCondLst>
+                                  <p:childTnLst>
+                                    <p:set>
+                                      <p:cBhvr>
+                                        <p:cTn id="32" dur="1" fill="hold">
+                                          <p:stCondLst>
+                                            <p:cond delay="0"/>
+                                          </p:stCondLst>
+                                        </p:cTn>
+                                        <p:tgtEl>
+                                          <p:spTgt spid="34"/>
+                                        </p:tgtEl>
+                                        <p:attrNameLst>
+                                          <p:attrName>style.visibility</p:attrName>
+                                        </p:attrNameLst>
+                                      </p:cBhvr>
+                                      <p:to>
+                                        <p:strVal val="visible"/>
+                                      </p:to>
+                                    </p:set>
+                                  </p:childTnLst>
+                                </p:cTn>
+                              </p:par>
+                              <p:par>
+                                <p:cTn id="33" presetID="1" presetClass="entr" presetSubtype="0" fill="hold" grpId="0" nodeType="withEffect">
+                                  <p:stCondLst>
+                                    <p:cond delay="0"/>
+                                  </p:stCondLst>
+                                  <p:childTnLst>
+                                    <p:set>
+                                      <p:cBhvr>
+                                        <p:cTn id="34" dur="1" fill="hold">
+                                          <p:stCondLst>
+                                            <p:cond delay="0"/>
+                                          </p:stCondLst>
+                                        </p:cTn>
+                                        <p:tgtEl>
+                                          <p:spTgt spid="35"/>
+                                        </p:tgtEl>
+                                        <p:attrNameLst>
+                                          <p:attrName>style.visibility</p:attrName>
+                                        </p:attrNameLst>
+                                      </p:cBhvr>
+                                      <p:to>
+                                        <p:strVal val="visible"/>
+                                      </p:to>
+                                    </p:set>
+                                  </p:childTnLst>
+                                </p:cTn>
+                              </p:par>
+                              <p:par>
+                                <p:cTn id="35" presetID="1" presetClass="entr" presetSubtype="0" fill="hold" grpId="0" nodeType="withEffect">
+                                  <p:stCondLst>
+                                    <p:cond delay="0"/>
+                                  </p:stCondLst>
+                                  <p:childTnLst>
+                                    <p:set>
+                                      <p:cBhvr>
+                                        <p:cTn id="36" dur="1" fill="hold">
+                                          <p:stCondLst>
+                                            <p:cond delay="0"/>
+                                          </p:stCondLst>
+                                        </p:cTn>
+                                        <p:tgtEl>
+                                          <p:spTgt spid="39"/>
+                                        </p:tgtEl>
+                                        <p:attrNameLst>
+                                          <p:attrName>style.visibility</p:attrName>
+                                        </p:attrNameLst>
+                                      </p:cBhvr>
+                                      <p:to>
+                                        <p:strVal val="visible"/>
+                                      </p:to>
+                                    </p:set>
+                                  </p:childTnLst>
+                                </p:cTn>
+                              </p:par>
+                              <p:par>
+                                <p:cTn id="37" presetID="1" presetClass="entr" presetSubtype="0" fill="hold" grpId="0" nodeType="withEffect">
+                                  <p:stCondLst>
+                                    <p:cond delay="0"/>
+                                  </p:stCondLst>
+                                  <p:childTnLst>
+                                    <p:set>
+                                      <p:cBhvr>
+                                        <p:cTn id="38" dur="1" fill="hold">
+                                          <p:stCondLst>
+                                            <p:cond delay="0"/>
+                                          </p:stCondLst>
+                                        </p:cTn>
+                                        <p:tgtEl>
+                                          <p:spTgt spid="41"/>
+                                        </p:tgtEl>
+                                        <p:attrNameLst>
+                                          <p:attrName>style.visibility</p:attrName>
+                                        </p:attrNameLst>
+                                      </p:cBhvr>
+                                      <p:to>
+                                        <p:strVal val="visible"/>
+                                      </p:to>
+                                    </p:set>
+                                  </p:childTnLst>
+                                </p:cTn>
+                              </p:par>
+                              <p:par>
+                                <p:cTn id="39" presetID="1" presetClass="entr" presetSubtype="0" fill="hold" grpId="0" nodeType="withEffect">
+                                  <p:stCondLst>
+                                    <p:cond delay="0"/>
+                                  </p:stCondLst>
+                                  <p:childTnLst>
+                                    <p:set>
+                                      <p:cBhvr>
+                                        <p:cTn id="40" dur="1" fill="hold">
+                                          <p:stCondLst>
+                                            <p:cond delay="0"/>
+                                          </p:stCondLst>
+                                        </p:cTn>
+                                        <p:tgtEl>
+                                          <p:spTgt spid="42"/>
+                                        </p:tgtEl>
+                                        <p:attrNameLst>
+                                          <p:attrName>style.visibility</p:attrName>
+                                        </p:attrNameLst>
+                                      </p:cBhvr>
+                                      <p:to>
+                                        <p:strVal val="visible"/>
+                                      </p:to>
+                                    </p:set>
+                                  </p:childTnLst>
+                                </p:cTn>
+                              </p:par>
+                              <p:par>
+                                <p:cTn id="41" presetID="1" presetClass="entr" presetSubtype="0" fill="hold" nodeType="withEffect">
+                                  <p:stCondLst>
+                                    <p:cond delay="0"/>
+                                  </p:stCondLst>
+                                  <p:childTnLst>
+                                    <p:set>
+                                      <p:cBhvr>
+                                        <p:cTn id="42" dur="1" fill="hold">
+                                          <p:stCondLst>
+                                            <p:cond delay="0"/>
+                                          </p:stCondLst>
+                                        </p:cTn>
+                                        <p:tgtEl>
+                                          <p:spTgt spid="43"/>
+                                        </p:tgtEl>
+                                        <p:attrNameLst>
+                                          <p:attrName>style.visibility</p:attrName>
+                                        </p:attrNameLst>
+                                      </p:cBhvr>
+                                      <p:to>
+                                        <p:strVal val="visible"/>
+                                      </p:to>
+                                    </p:set>
+                                  </p:childTnLst>
+                                </p:cTn>
+                              </p:par>
+                              <p:par>
+                                <p:cTn id="43" presetID="1" presetClass="entr" presetSubtype="0" fill="hold" grpId="0" nodeType="withEffect">
+                                  <p:stCondLst>
+                                    <p:cond delay="0"/>
+                                  </p:stCondLst>
+                                  <p:childTnLst>
+                                    <p:set>
+                                      <p:cBhvr>
+                                        <p:cTn id="44" dur="1" fill="hold">
+                                          <p:stCondLst>
+                                            <p:cond delay="0"/>
+                                          </p:stCondLst>
+                                        </p:cTn>
+                                        <p:tgtEl>
+                                          <p:spTgt spid="4"/>
+                                        </p:tgtEl>
+                                        <p:attrNameLst>
+                                          <p:attrName>style.visibility</p:attrName>
+                                        </p:attrNameLst>
+                                      </p:cBhvr>
+                                      <p:to>
+                                        <p:strVal val="visible"/>
+                                      </p:to>
+                                    </p:set>
+                                  </p:childTnLst>
+                                </p:cTn>
+                              </p:par>
+                              <p:par>
+                                <p:cTn id="45" presetID="1" presetClass="entr" presetSubtype="0" fill="hold" grpId="0" nodeType="withEffect">
+                                  <p:stCondLst>
+                                    <p:cond delay="0"/>
+                                  </p:stCondLst>
+                                  <p:childTnLst>
+                                    <p:set>
+                                      <p:cBhvr>
+                                        <p:cTn id="46" dur="1" fill="hold">
+                                          <p:stCondLst>
+                                            <p:cond delay="0"/>
+                                          </p:stCondLst>
+                                        </p:cTn>
+                                        <p:tgtEl>
+                                          <p:spTgt spid="6"/>
+                                        </p:tgtEl>
+                                        <p:attrNameLst>
+                                          <p:attrName>style.visibility</p:attrName>
+                                        </p:attrNameLst>
+                                      </p:cBhvr>
+                                      <p:to>
+                                        <p:strVal val="visible"/>
+                                      </p:to>
+                                    </p:set>
+                                  </p:childTnLst>
+                                </p:cTn>
+                              </p:par>
+                            </p:childTnLst>
+                          </p:cTn>
+                        </p:par>
+                      </p:childTnLst>
+                    </p:cTn>
+                  </p:par>
+                </p:childTnLst>
+              </p:cTn>
+              <p:prevCondLst>
+                <p:cond evt="onPrev" delay="0">
+                  <p:tgtEl>
+                    <p:sldTgt/>
+                  </p:tgtEl>
+                </p:cond>
+              </p:prevCondLst>
+              <p:nextCondLst>
+                <p:cond evt="onNext" delay="0">
+                  <p:tgtEl>
+                    <p:sldTgt/>
+                  </p:tgtEl>
+                </p:cond>
+              </p:nextCondLst>
+            </p:seq>
+          </p:childTnLst>
+        </p:cTn>
+      </p:par>
+    </p:tnLst>
+    <p:bldLst>
+      <p:bldP spid="24" grpId="0"/>
+      <p:bldP spid="26" grpId="0"/>
+      <p:bldP spid="27" grpId="0"/>
+      <p:bldP spid="35" grpId="0"/>
+      <p:bldP spid="36" grpId="0"/>
+      <p:bldP spid="37" grpId="0"/>
+      <p:bldP spid="38" grpId="0"/>
+      <p:bldP spid="39" grpId="0"/>
+      <p:bldP spid="41" grpId="0"/>
+      <p:bldP spid="42" grpId="0"/>
+      <p:bldP spid="3" grpId="0"/>
+      <p:bldP spid="4" grpId="0"/>
+      <p:bldP spid="5" grpId="0"/>
+      <p:bldP spid="6" grpId="0"/>
+    </p:bldLst>
+  </p:timing>
 </p:sld>
 </file>
 
@@ -7164,8 +8655,8 @@
           </a:fontRef>
         </p:style>
       </p:cxnSp>
-      <mc:AlternateContent xmlns:mc="http://schemas.openxmlformats.org/markup-compatibility/2006">
-        <mc:Choice xmlns:a14="http://schemas.microsoft.com/office/drawing/2010/main" Requires="a14">
+      <mc:AlternateContent xmlns:mc="http://schemas.openxmlformats.org/markup-compatibility/2006" xmlns:a14="http://schemas.microsoft.com/office/drawing/2010/main">
+        <mc:Choice Requires="a14">
           <p:sp>
             <p:nvSpPr>
               <p:cNvPr id="35" name="TextBox 34">
@@ -7194,6 +8685,7 @@
               </a:bodyPr>
               <a:lstStyle/>
               <a:p>
+                <a:pPr/>
                 <a14:m>
                   <m:oMathPara xmlns:m="http://schemas.openxmlformats.org/officeDocument/2006/math">
                     <m:oMathParaPr>
@@ -7221,7 +8713,7 @@
             </p:txBody>
           </p:sp>
         </mc:Choice>
-        <mc:Fallback>
+        <mc:Fallback xmlns="">
           <p:sp>
             <p:nvSpPr>
               <p:cNvPr id="35" name="TextBox 34">
@@ -7266,8 +8758,8 @@
           </p:sp>
         </mc:Fallback>
       </mc:AlternateContent>
-      <mc:AlternateContent xmlns:mc="http://schemas.openxmlformats.org/markup-compatibility/2006">
-        <mc:Choice xmlns:a14="http://schemas.microsoft.com/office/drawing/2010/main" Requires="a14">
+      <mc:AlternateContent xmlns:mc="http://schemas.openxmlformats.org/markup-compatibility/2006" xmlns:a14="http://schemas.microsoft.com/office/drawing/2010/main">
+        <mc:Choice Requires="a14">
           <p:sp>
             <p:nvSpPr>
               <p:cNvPr id="36" name="TextBox 35">
@@ -7296,6 +8788,7 @@
               </a:bodyPr>
               <a:lstStyle/>
               <a:p>
+                <a:pPr/>
                 <a14:m>
                   <m:oMathPara xmlns:m="http://schemas.openxmlformats.org/officeDocument/2006/math">
                     <m:oMathParaPr>
@@ -7323,7 +8816,7 @@
             </p:txBody>
           </p:sp>
         </mc:Choice>
-        <mc:Fallback>
+        <mc:Fallback xmlns="">
           <p:sp>
             <p:nvSpPr>
               <p:cNvPr id="36" name="TextBox 35">
@@ -7368,8 +8861,8 @@
           </p:sp>
         </mc:Fallback>
       </mc:AlternateContent>
-      <mc:AlternateContent xmlns:mc="http://schemas.openxmlformats.org/markup-compatibility/2006">
-        <mc:Choice xmlns:a14="http://schemas.microsoft.com/office/drawing/2010/main" Requires="a14">
+      <mc:AlternateContent xmlns:mc="http://schemas.openxmlformats.org/markup-compatibility/2006" xmlns:a14="http://schemas.microsoft.com/office/drawing/2010/main">
+        <mc:Choice Requires="a14">
           <p:sp>
             <p:nvSpPr>
               <p:cNvPr id="37" name="TextBox 36">
@@ -7398,6 +8891,7 @@
               </a:bodyPr>
               <a:lstStyle/>
               <a:p>
+                <a:pPr/>
                 <a14:m>
                   <m:oMathPara xmlns:m="http://schemas.openxmlformats.org/officeDocument/2006/math">
                     <m:oMathParaPr>
@@ -7425,7 +8919,7 @@
             </p:txBody>
           </p:sp>
         </mc:Choice>
-        <mc:Fallback>
+        <mc:Fallback xmlns="">
           <p:sp>
             <p:nvSpPr>
               <p:cNvPr id="37" name="TextBox 36">
@@ -7470,8 +8964,8 @@
           </p:sp>
         </mc:Fallback>
       </mc:AlternateContent>
-      <mc:AlternateContent xmlns:mc="http://schemas.openxmlformats.org/markup-compatibility/2006">
-        <mc:Choice xmlns:a14="http://schemas.microsoft.com/office/drawing/2010/main" Requires="a14">
+      <mc:AlternateContent xmlns:mc="http://schemas.openxmlformats.org/markup-compatibility/2006" xmlns:a14="http://schemas.microsoft.com/office/drawing/2010/main">
+        <mc:Choice Requires="a14">
           <p:sp>
             <p:nvSpPr>
               <p:cNvPr id="38" name="TextBox 37">
@@ -7500,6 +8994,7 @@
               </a:bodyPr>
               <a:lstStyle/>
               <a:p>
+                <a:pPr/>
                 <a14:m>
                   <m:oMathPara xmlns:m="http://schemas.openxmlformats.org/officeDocument/2006/math">
                     <m:oMathParaPr>
@@ -7527,7 +9022,7 @@
             </p:txBody>
           </p:sp>
         </mc:Choice>
-        <mc:Fallback>
+        <mc:Fallback xmlns="">
           <p:sp>
             <p:nvSpPr>
               <p:cNvPr id="38" name="TextBox 37">
@@ -7572,8 +9067,8 @@
           </p:sp>
         </mc:Fallback>
       </mc:AlternateContent>
-      <mc:AlternateContent xmlns:mc="http://schemas.openxmlformats.org/markup-compatibility/2006">
-        <mc:Choice xmlns:a14="http://schemas.microsoft.com/office/drawing/2010/main" Requires="a14">
+      <mc:AlternateContent xmlns:mc="http://schemas.openxmlformats.org/markup-compatibility/2006" xmlns:a14="http://schemas.microsoft.com/office/drawing/2010/main">
+        <mc:Choice Requires="a14">
           <p:sp>
             <p:nvSpPr>
               <p:cNvPr id="39" name="TextBox 38">
@@ -7602,6 +9097,7 @@
               </a:bodyPr>
               <a:lstStyle/>
               <a:p>
+                <a:pPr/>
                 <a14:m>
                   <m:oMathPara xmlns:m="http://schemas.openxmlformats.org/officeDocument/2006/math">
                     <m:oMathParaPr>
@@ -7629,7 +9125,7 @@
             </p:txBody>
           </p:sp>
         </mc:Choice>
-        <mc:Fallback>
+        <mc:Fallback xmlns="">
           <p:sp>
             <p:nvSpPr>
               <p:cNvPr id="39" name="TextBox 38">
@@ -7674,8 +9170,8 @@
           </p:sp>
         </mc:Fallback>
       </mc:AlternateContent>
-      <mc:AlternateContent xmlns:mc="http://schemas.openxmlformats.org/markup-compatibility/2006">
-        <mc:Choice xmlns:a14="http://schemas.microsoft.com/office/drawing/2010/main" Requires="a14">
+      <mc:AlternateContent xmlns:mc="http://schemas.openxmlformats.org/markup-compatibility/2006" xmlns:a14="http://schemas.microsoft.com/office/drawing/2010/main">
+        <mc:Choice Requires="a14">
           <p:sp>
             <p:nvSpPr>
               <p:cNvPr id="41" name="TextBox 40">
@@ -7704,6 +9200,7 @@
               </a:bodyPr>
               <a:lstStyle/>
               <a:p>
+                <a:pPr/>
                 <a14:m>
                   <m:oMathPara xmlns:m="http://schemas.openxmlformats.org/officeDocument/2006/math">
                     <m:oMathParaPr>
@@ -7731,7 +9228,7 @@
             </p:txBody>
           </p:sp>
         </mc:Choice>
-        <mc:Fallback>
+        <mc:Fallback xmlns="">
           <p:sp>
             <p:nvSpPr>
               <p:cNvPr id="41" name="TextBox 40">
@@ -7776,8 +9273,8 @@
           </p:sp>
         </mc:Fallback>
       </mc:AlternateContent>
-      <mc:AlternateContent xmlns:mc="http://schemas.openxmlformats.org/markup-compatibility/2006">
-        <mc:Choice xmlns:a14="http://schemas.microsoft.com/office/drawing/2010/main" Requires="a14">
+      <mc:AlternateContent xmlns:mc="http://schemas.openxmlformats.org/markup-compatibility/2006" xmlns:a14="http://schemas.microsoft.com/office/drawing/2010/main">
+        <mc:Choice Requires="a14">
           <p:sp>
             <p:nvSpPr>
               <p:cNvPr id="42" name="TextBox 41">
@@ -7806,6 +9303,7 @@
               </a:bodyPr>
               <a:lstStyle/>
               <a:p>
+                <a:pPr/>
                 <a14:m>
                   <m:oMathPara xmlns:m="http://schemas.openxmlformats.org/officeDocument/2006/math">
                     <m:oMathParaPr>
@@ -7833,7 +9331,7 @@
             </p:txBody>
           </p:sp>
         </mc:Choice>
-        <mc:Fallback>
+        <mc:Fallback xmlns="">
           <p:sp>
             <p:nvSpPr>
               <p:cNvPr id="42" name="TextBox 41">
@@ -7930,8 +9428,8 @@
           </a:p>
         </p:txBody>
       </p:sp>
-      <mc:AlternateContent xmlns:mc="http://schemas.openxmlformats.org/markup-compatibility/2006">
-        <mc:Choice xmlns:a14="http://schemas.microsoft.com/office/drawing/2010/main" Requires="a14">
+      <mc:AlternateContent xmlns:mc="http://schemas.openxmlformats.org/markup-compatibility/2006" xmlns:a14="http://schemas.microsoft.com/office/drawing/2010/main">
+        <mc:Choice Requires="a14">
           <p:sp>
             <p:nvSpPr>
               <p:cNvPr id="7" name="TextBox 6">
@@ -7960,6 +9458,7 @@
               </a:bodyPr>
               <a:lstStyle/>
               <a:p>
+                <a:pPr/>
                 <a14:m>
                   <m:oMathPara xmlns:m="http://schemas.openxmlformats.org/officeDocument/2006/math">
                     <m:oMathParaPr>
@@ -8012,7 +9511,7 @@
             </p:txBody>
           </p:sp>
         </mc:Choice>
-        <mc:Fallback>
+        <mc:Fallback xmlns="">
           <p:sp>
             <p:nvSpPr>
               <p:cNvPr id="7" name="TextBox 6">
@@ -8057,8 +9556,8 @@
           </p:sp>
         </mc:Fallback>
       </mc:AlternateContent>
-      <mc:AlternateContent xmlns:mc="http://schemas.openxmlformats.org/markup-compatibility/2006">
-        <mc:Choice xmlns:a14="http://schemas.microsoft.com/office/drawing/2010/main" Requires="a14">
+      <mc:AlternateContent xmlns:mc="http://schemas.openxmlformats.org/markup-compatibility/2006" xmlns:a14="http://schemas.microsoft.com/office/drawing/2010/main">
+        <mc:Choice Requires="a14">
           <p:sp>
             <p:nvSpPr>
               <p:cNvPr id="8" name="TextBox 7">
@@ -8087,6 +9586,7 @@
               </a:bodyPr>
               <a:lstStyle/>
               <a:p>
+                <a:pPr/>
                 <a14:m>
                   <m:oMathPara xmlns:m="http://schemas.openxmlformats.org/officeDocument/2006/math">
                     <m:oMathParaPr>
@@ -8225,7 +9725,7 @@
             </p:txBody>
           </p:sp>
         </mc:Choice>
-        <mc:Fallback>
+        <mc:Fallback xmlns="">
           <p:sp>
             <p:nvSpPr>
               <p:cNvPr id="8" name="TextBox 7">
@@ -8300,8 +9800,8 @@
           </a:prstGeom>
         </p:spPr>
       </p:pic>
-      <mc:AlternateContent xmlns:mc="http://schemas.openxmlformats.org/markup-compatibility/2006">
-        <mc:Choice xmlns:a14="http://schemas.microsoft.com/office/drawing/2010/main" Requires="a14">
+      <mc:AlternateContent xmlns:mc="http://schemas.openxmlformats.org/markup-compatibility/2006" xmlns:a14="http://schemas.microsoft.com/office/drawing/2010/main">
+        <mc:Choice Requires="a14">
           <p:sp>
             <p:nvSpPr>
               <p:cNvPr id="11" name="TextBox 10">
@@ -8501,7 +10001,7 @@
             </p:txBody>
           </p:sp>
         </mc:Choice>
-        <mc:Fallback>
+        <mc:Fallback xmlns="">
           <p:sp>
             <p:nvSpPr>
               <p:cNvPr id="11" name="TextBox 10">
@@ -8546,8 +10046,8 @@
           </p:sp>
         </mc:Fallback>
       </mc:AlternateContent>
-      <mc:AlternateContent xmlns:mc="http://schemas.openxmlformats.org/markup-compatibility/2006">
-        <mc:Choice xmlns:a14="http://schemas.microsoft.com/office/drawing/2010/main" Requires="a14">
+      <mc:AlternateContent xmlns:mc="http://schemas.openxmlformats.org/markup-compatibility/2006" xmlns:a14="http://schemas.microsoft.com/office/drawing/2010/main">
+        <mc:Choice Requires="a14">
           <p:sp>
             <p:nvSpPr>
               <p:cNvPr id="12" name="TextBox 11">
@@ -8743,7 +10243,7 @@
             </p:txBody>
           </p:sp>
         </mc:Choice>
-        <mc:Fallback>
+        <mc:Fallback xmlns="">
           <p:sp>
             <p:nvSpPr>
               <p:cNvPr id="12" name="TextBox 11">
@@ -8788,8 +10288,8 @@
           </p:sp>
         </mc:Fallback>
       </mc:AlternateContent>
-      <mc:AlternateContent xmlns:mc="http://schemas.openxmlformats.org/markup-compatibility/2006">
-        <mc:Choice xmlns:a14="http://schemas.microsoft.com/office/drawing/2010/main" Requires="a14">
+      <mc:AlternateContent xmlns:mc="http://schemas.openxmlformats.org/markup-compatibility/2006" xmlns:a14="http://schemas.microsoft.com/office/drawing/2010/main">
+        <mc:Choice Requires="a14">
           <p:sp>
             <p:nvSpPr>
               <p:cNvPr id="14" name="TextBox 13">
@@ -8818,6 +10318,7 @@
               </a:bodyPr>
               <a:lstStyle/>
               <a:p>
+                <a:pPr/>
                 <a14:m>
                   <m:oMathPara xmlns:m="http://schemas.openxmlformats.org/officeDocument/2006/math">
                     <m:oMathParaPr>
@@ -8916,7 +10417,7 @@
             </p:txBody>
           </p:sp>
         </mc:Choice>
-        <mc:Fallback>
+        <mc:Fallback xmlns="">
           <p:sp>
             <p:nvSpPr>
               <p:cNvPr id="14" name="TextBox 13">
@@ -8961,6 +10462,312 @@
           </p:sp>
         </mc:Fallback>
       </mc:AlternateContent>
+      <mc:AlternateContent xmlns:mc="http://schemas.openxmlformats.org/markup-compatibility/2006">
+        <mc:Choice xmlns:a14="http://schemas.microsoft.com/office/drawing/2010/main" Requires="a14">
+          <p:sp>
+            <p:nvSpPr>
+              <p:cNvPr id="3" name="TextBox 2">
+                <a:extLst>
+                  <a:ext uri="{FF2B5EF4-FFF2-40B4-BE49-F238E27FC236}">
+                    <a16:creationId xmlns:a16="http://schemas.microsoft.com/office/drawing/2014/main" id="{E088E15C-4C83-46F6-D922-503683FCF3E5}"/>
+                  </a:ext>
+                </a:extLst>
+              </p:cNvPr>
+              <p:cNvSpPr txBox="1"/>
+              <p:nvPr/>
+            </p:nvSpPr>
+            <p:spPr>
+              <a:xfrm>
+                <a:off x="7572185" y="3809278"/>
+                <a:ext cx="444352" cy="307777"/>
+              </a:xfrm>
+              <a:prstGeom prst="rect">
+                <a:avLst/>
+              </a:prstGeom>
+              <a:noFill/>
+            </p:spPr>
+            <p:txBody>
+              <a:bodyPr wrap="none" rtlCol="0">
+                <a:spAutoFit/>
+              </a:bodyPr>
+              <a:lstStyle/>
+              <a:p>
+                <a14:m>
+                  <m:oMathPara xmlns:m="http://schemas.openxmlformats.org/officeDocument/2006/math">
+                    <m:oMathParaPr>
+                      <m:jc m:val="centerGroup"/>
+                    </m:oMathParaPr>
+                    <m:oMath xmlns:m="http://schemas.openxmlformats.org/officeDocument/2006/math">
+                      <m:r>
+                        <a:rPr lang="en-GB" sz="1400" b="0" i="1" smtClean="0">
+                          <a:solidFill>
+                            <a:schemeClr val="bg2"/>
+                          </a:solidFill>
+                          <a:latin typeface="Cambria Math" panose="02040503050406030204" pitchFamily="18" charset="0"/>
+                        </a:rPr>
+                        <m:t>|0⟩</m:t>
+                      </m:r>
+                    </m:oMath>
+                  </m:oMathPara>
+                </a14:m>
+                <a:endParaRPr lang="en-US" sz="1400" dirty="0">
+                  <a:solidFill>
+                    <a:schemeClr val="bg2"/>
+                  </a:solidFill>
+                </a:endParaRPr>
+              </a:p>
+            </p:txBody>
+          </p:sp>
+        </mc:Choice>
+        <mc:Fallback>
+          <p:sp>
+            <p:nvSpPr>
+              <p:cNvPr id="3" name="TextBox 2">
+                <a:extLst>
+                  <a:ext uri="{FF2B5EF4-FFF2-40B4-BE49-F238E27FC236}">
+                    <a16:creationId xmlns:a16="http://schemas.microsoft.com/office/drawing/2014/main" id="{E088E15C-4C83-46F6-D922-503683FCF3E5}"/>
+                  </a:ext>
+                </a:extLst>
+              </p:cNvPr>
+              <p:cNvSpPr txBox="1">
+                <a:spLocks noRot="1" noChangeAspect="1" noMove="1" noResize="1" noEditPoints="1" noAdjustHandles="1" noChangeArrowheads="1" noChangeShapeType="1" noTextEdit="1"/>
+              </p:cNvSpPr>
+              <p:nvPr/>
+            </p:nvSpPr>
+            <p:spPr>
+              <a:xfrm>
+                <a:off x="7572185" y="3809278"/>
+                <a:ext cx="444352" cy="307777"/>
+              </a:xfrm>
+              <a:prstGeom prst="rect">
+                <a:avLst/>
+              </a:prstGeom>
+              <a:blipFill>
+                <a:blip r:embed="rId17"/>
+                <a:stretch>
+                  <a:fillRect b="-12500"/>
+                </a:stretch>
+              </a:blipFill>
+            </p:spPr>
+            <p:txBody>
+              <a:bodyPr/>
+              <a:lstStyle/>
+              <a:p>
+                <a:r>
+                  <a:rPr lang="en-US">
+                    <a:noFill/>
+                  </a:rPr>
+                  <a:t> </a:t>
+                </a:r>
+              </a:p>
+            </p:txBody>
+          </p:sp>
+        </mc:Fallback>
+      </mc:AlternateContent>
+      <mc:AlternateContent xmlns:mc="http://schemas.openxmlformats.org/markup-compatibility/2006">
+        <mc:Choice xmlns:a14="http://schemas.microsoft.com/office/drawing/2010/main" Requires="a14">
+          <p:sp>
+            <p:nvSpPr>
+              <p:cNvPr id="6" name="TextBox 5">
+                <a:extLst>
+                  <a:ext uri="{FF2B5EF4-FFF2-40B4-BE49-F238E27FC236}">
+                    <a16:creationId xmlns:a16="http://schemas.microsoft.com/office/drawing/2014/main" id="{0E8B3798-EE54-3FC2-129A-E39BB5E87AF1}"/>
+                  </a:ext>
+                </a:extLst>
+              </p:cNvPr>
+              <p:cNvSpPr txBox="1"/>
+              <p:nvPr/>
+            </p:nvSpPr>
+            <p:spPr>
+              <a:xfrm>
+                <a:off x="3596261" y="3831580"/>
+                <a:ext cx="444352" cy="307777"/>
+              </a:xfrm>
+              <a:prstGeom prst="rect">
+                <a:avLst/>
+              </a:prstGeom>
+              <a:noFill/>
+            </p:spPr>
+            <p:txBody>
+              <a:bodyPr wrap="none" rtlCol="0">
+                <a:spAutoFit/>
+              </a:bodyPr>
+              <a:lstStyle/>
+              <a:p>
+                <a14:m>
+                  <m:oMathPara xmlns:m="http://schemas.openxmlformats.org/officeDocument/2006/math">
+                    <m:oMathParaPr>
+                      <m:jc m:val="centerGroup"/>
+                    </m:oMathParaPr>
+                    <m:oMath xmlns:m="http://schemas.openxmlformats.org/officeDocument/2006/math">
+                      <m:r>
+                        <a:rPr lang="en-GB" sz="1400" b="0" i="1" smtClean="0">
+                          <a:solidFill>
+                            <a:schemeClr val="bg2"/>
+                          </a:solidFill>
+                          <a:latin typeface="Cambria Math" panose="02040503050406030204" pitchFamily="18" charset="0"/>
+                        </a:rPr>
+                        <m:t>|0⟩</m:t>
+                      </m:r>
+                    </m:oMath>
+                  </m:oMathPara>
+                </a14:m>
+                <a:endParaRPr lang="en-US" sz="1400" dirty="0">
+                  <a:solidFill>
+                    <a:schemeClr val="bg2"/>
+                  </a:solidFill>
+                </a:endParaRPr>
+              </a:p>
+            </p:txBody>
+          </p:sp>
+        </mc:Choice>
+        <mc:Fallback>
+          <p:sp>
+            <p:nvSpPr>
+              <p:cNvPr id="6" name="TextBox 5">
+                <a:extLst>
+                  <a:ext uri="{FF2B5EF4-FFF2-40B4-BE49-F238E27FC236}">
+                    <a16:creationId xmlns:a16="http://schemas.microsoft.com/office/drawing/2014/main" id="{0E8B3798-EE54-3FC2-129A-E39BB5E87AF1}"/>
+                  </a:ext>
+                </a:extLst>
+              </p:cNvPr>
+              <p:cNvSpPr txBox="1">
+                <a:spLocks noRot="1" noChangeAspect="1" noMove="1" noResize="1" noEditPoints="1" noAdjustHandles="1" noChangeArrowheads="1" noChangeShapeType="1" noTextEdit="1"/>
+              </p:cNvSpPr>
+              <p:nvPr/>
+            </p:nvSpPr>
+            <p:spPr>
+              <a:xfrm>
+                <a:off x="3596261" y="3831580"/>
+                <a:ext cx="444352" cy="307777"/>
+              </a:xfrm>
+              <a:prstGeom prst="rect">
+                <a:avLst/>
+              </a:prstGeom>
+              <a:blipFill>
+                <a:blip r:embed="rId18"/>
+                <a:stretch>
+                  <a:fillRect b="-8000"/>
+                </a:stretch>
+              </a:blipFill>
+            </p:spPr>
+            <p:txBody>
+              <a:bodyPr/>
+              <a:lstStyle/>
+              <a:p>
+                <a:r>
+                  <a:rPr lang="en-US">
+                    <a:noFill/>
+                  </a:rPr>
+                  <a:t> </a:t>
+                </a:r>
+              </a:p>
+            </p:txBody>
+          </p:sp>
+        </mc:Fallback>
+      </mc:AlternateContent>
+      <mc:AlternateContent xmlns:mc="http://schemas.openxmlformats.org/markup-compatibility/2006">
+        <mc:Choice xmlns:a14="http://schemas.microsoft.com/office/drawing/2010/main" Requires="a14">
+          <p:sp>
+            <p:nvSpPr>
+              <p:cNvPr id="9" name="TextBox 8">
+                <a:extLst>
+                  <a:ext uri="{FF2B5EF4-FFF2-40B4-BE49-F238E27FC236}">
+                    <a16:creationId xmlns:a16="http://schemas.microsoft.com/office/drawing/2014/main" id="{D6B0568C-94E8-F407-77B6-E4A4AC9E654D}"/>
+                  </a:ext>
+                </a:extLst>
+              </p:cNvPr>
+              <p:cNvSpPr txBox="1"/>
+              <p:nvPr/>
+            </p:nvSpPr>
+            <p:spPr>
+              <a:xfrm>
+                <a:off x="3382902" y="6312695"/>
+                <a:ext cx="444352" cy="307777"/>
+              </a:xfrm>
+              <a:prstGeom prst="rect">
+                <a:avLst/>
+              </a:prstGeom>
+              <a:noFill/>
+            </p:spPr>
+            <p:txBody>
+              <a:bodyPr wrap="none" rtlCol="0">
+                <a:spAutoFit/>
+              </a:bodyPr>
+              <a:lstStyle/>
+              <a:p>
+                <a14:m>
+                  <m:oMathPara xmlns:m="http://schemas.openxmlformats.org/officeDocument/2006/math">
+                    <m:oMathParaPr>
+                      <m:jc m:val="centerGroup"/>
+                    </m:oMathParaPr>
+                    <m:oMath xmlns:m="http://schemas.openxmlformats.org/officeDocument/2006/math">
+                      <m:r>
+                        <a:rPr lang="en-GB" sz="1400" b="0" i="1" smtClean="0">
+                          <a:solidFill>
+                            <a:schemeClr val="bg2"/>
+                          </a:solidFill>
+                          <a:latin typeface="Cambria Math" panose="02040503050406030204" pitchFamily="18" charset="0"/>
+                        </a:rPr>
+                        <m:t>|1⟩</m:t>
+                      </m:r>
+                    </m:oMath>
+                  </m:oMathPara>
+                </a14:m>
+                <a:endParaRPr lang="en-US" sz="1400" dirty="0">
+                  <a:solidFill>
+                    <a:schemeClr val="bg2"/>
+                  </a:solidFill>
+                </a:endParaRPr>
+              </a:p>
+            </p:txBody>
+          </p:sp>
+        </mc:Choice>
+        <mc:Fallback>
+          <p:sp>
+            <p:nvSpPr>
+              <p:cNvPr id="9" name="TextBox 8">
+                <a:extLst>
+                  <a:ext uri="{FF2B5EF4-FFF2-40B4-BE49-F238E27FC236}">
+                    <a16:creationId xmlns:a16="http://schemas.microsoft.com/office/drawing/2014/main" id="{D6B0568C-94E8-F407-77B6-E4A4AC9E654D}"/>
+                  </a:ext>
+                </a:extLst>
+              </p:cNvPr>
+              <p:cNvSpPr txBox="1">
+                <a:spLocks noRot="1" noChangeAspect="1" noMove="1" noResize="1" noEditPoints="1" noAdjustHandles="1" noChangeArrowheads="1" noChangeShapeType="1" noTextEdit="1"/>
+              </p:cNvSpPr>
+              <p:nvPr/>
+            </p:nvSpPr>
+            <p:spPr>
+              <a:xfrm>
+                <a:off x="3382902" y="6312695"/>
+                <a:ext cx="444352" cy="307777"/>
+              </a:xfrm>
+              <a:prstGeom prst="rect">
+                <a:avLst/>
+              </a:prstGeom>
+              <a:blipFill>
+                <a:blip r:embed="rId19"/>
+                <a:stretch>
+                  <a:fillRect b="-8000"/>
+                </a:stretch>
+              </a:blipFill>
+            </p:spPr>
+            <p:txBody>
+              <a:bodyPr/>
+              <a:lstStyle/>
+              <a:p>
+                <a:r>
+                  <a:rPr lang="en-US">
+                    <a:noFill/>
+                  </a:rPr>
+                  <a:t> </a:t>
+                </a:r>
+              </a:p>
+            </p:txBody>
+          </p:sp>
+        </mc:Fallback>
+      </mc:AlternateContent>
     </p:spTree>
     <p:extLst>
       <p:ext uri="{BB962C8B-B14F-4D97-AF65-F5344CB8AC3E}">
@@ -8971,6 +10778,667 @@
   <p:clrMapOvr>
     <a:masterClrMapping/>
   </p:clrMapOvr>
+  <p:timing>
+    <p:tnLst>
+      <p:par>
+        <p:cTn id="1" dur="indefinite" restart="never" nodeType="tmRoot">
+          <p:childTnLst>
+            <p:seq concurrent="1" nextAc="seek">
+              <p:cTn id="2" dur="indefinite" nodeType="mainSeq">
+                <p:childTnLst>
+                  <p:par>
+                    <p:cTn id="3" fill="hold">
+                      <p:stCondLst>
+                        <p:cond delay="indefinite"/>
+                      </p:stCondLst>
+                      <p:childTnLst>
+                        <p:par>
+                          <p:cTn id="4" fill="hold">
+                            <p:stCondLst>
+                              <p:cond delay="0"/>
+                            </p:stCondLst>
+                            <p:childTnLst>
+                              <p:par>
+                                <p:cTn id="5" presetID="1" presetClass="entr" presetSubtype="0" fill="hold" grpId="0" nodeType="clickEffect">
+                                  <p:stCondLst>
+                                    <p:cond delay="0"/>
+                                  </p:stCondLst>
+                                  <p:childTnLst>
+                                    <p:set>
+                                      <p:cBhvr>
+                                        <p:cTn id="6" dur="1" fill="hold">
+                                          <p:stCondLst>
+                                            <p:cond delay="0"/>
+                                          </p:stCondLst>
+                                        </p:cTn>
+                                        <p:tgtEl>
+                                          <p:spTgt spid="23"/>
+                                        </p:tgtEl>
+                                        <p:attrNameLst>
+                                          <p:attrName>style.visibility</p:attrName>
+                                        </p:attrNameLst>
+                                      </p:cBhvr>
+                                      <p:to>
+                                        <p:strVal val="visible"/>
+                                      </p:to>
+                                    </p:set>
+                                  </p:childTnLst>
+                                </p:cTn>
+                              </p:par>
+                              <p:par>
+                                <p:cTn id="7" presetID="1" presetClass="entr" presetSubtype="0" fill="hold" grpId="0" nodeType="withEffect">
+                                  <p:stCondLst>
+                                    <p:cond delay="0"/>
+                                  </p:stCondLst>
+                                  <p:childTnLst>
+                                    <p:set>
+                                      <p:cBhvr>
+                                        <p:cTn id="8" dur="1" fill="hold">
+                                          <p:stCondLst>
+                                            <p:cond delay="0"/>
+                                          </p:stCondLst>
+                                        </p:cTn>
+                                        <p:tgtEl>
+                                          <p:spTgt spid="5"/>
+                                        </p:tgtEl>
+                                        <p:attrNameLst>
+                                          <p:attrName>style.visibility</p:attrName>
+                                        </p:attrNameLst>
+                                      </p:cBhvr>
+                                      <p:to>
+                                        <p:strVal val="visible"/>
+                                      </p:to>
+                                    </p:set>
+                                  </p:childTnLst>
+                                </p:cTn>
+                              </p:par>
+                              <p:par>
+                                <p:cTn id="9" presetID="1" presetClass="entr" presetSubtype="0" fill="hold" grpId="0" nodeType="withEffect">
+                                  <p:stCondLst>
+                                    <p:cond delay="0"/>
+                                  </p:stCondLst>
+                                  <p:childTnLst>
+                                    <p:set>
+                                      <p:cBhvr>
+                                        <p:cTn id="10" dur="1" fill="hold">
+                                          <p:stCondLst>
+                                            <p:cond delay="0"/>
+                                          </p:stCondLst>
+                                        </p:cTn>
+                                        <p:tgtEl>
+                                          <p:spTgt spid="7"/>
+                                        </p:tgtEl>
+                                        <p:attrNameLst>
+                                          <p:attrName>style.visibility</p:attrName>
+                                        </p:attrNameLst>
+                                      </p:cBhvr>
+                                      <p:to>
+                                        <p:strVal val="visible"/>
+                                      </p:to>
+                                    </p:set>
+                                  </p:childTnLst>
+                                </p:cTn>
+                              </p:par>
+                              <p:par>
+                                <p:cTn id="11" presetID="1" presetClass="entr" presetSubtype="0" fill="hold" grpId="0" nodeType="withEffect">
+                                  <p:stCondLst>
+                                    <p:cond delay="0"/>
+                                  </p:stCondLst>
+                                  <p:childTnLst>
+                                    <p:set>
+                                      <p:cBhvr>
+                                        <p:cTn id="12" dur="1" fill="hold">
+                                          <p:stCondLst>
+                                            <p:cond delay="0"/>
+                                          </p:stCondLst>
+                                        </p:cTn>
+                                        <p:tgtEl>
+                                          <p:spTgt spid="8"/>
+                                        </p:tgtEl>
+                                        <p:attrNameLst>
+                                          <p:attrName>style.visibility</p:attrName>
+                                        </p:attrNameLst>
+                                      </p:cBhvr>
+                                      <p:to>
+                                        <p:strVal val="visible"/>
+                                      </p:to>
+                                    </p:set>
+                                  </p:childTnLst>
+                                </p:cTn>
+                              </p:par>
+                            </p:childTnLst>
+                          </p:cTn>
+                        </p:par>
+                      </p:childTnLst>
+                    </p:cTn>
+                  </p:par>
+                  <p:par>
+                    <p:cTn id="13" fill="hold">
+                      <p:stCondLst>
+                        <p:cond delay="indefinite"/>
+                      </p:stCondLst>
+                      <p:childTnLst>
+                        <p:par>
+                          <p:cTn id="14" fill="hold">
+                            <p:stCondLst>
+                              <p:cond delay="0"/>
+                            </p:stCondLst>
+                            <p:childTnLst>
+                              <p:par>
+                                <p:cTn id="15" presetID="1" presetClass="entr" presetSubtype="0" fill="hold" grpId="0" nodeType="clickEffect">
+                                  <p:stCondLst>
+                                    <p:cond delay="0"/>
+                                  </p:stCondLst>
+                                  <p:childTnLst>
+                                    <p:set>
+                                      <p:cBhvr>
+                                        <p:cTn id="16" dur="1" fill="hold">
+                                          <p:stCondLst>
+                                            <p:cond delay="0"/>
+                                          </p:stCondLst>
+                                        </p:cTn>
+                                        <p:tgtEl>
+                                          <p:spTgt spid="11"/>
+                                        </p:tgtEl>
+                                        <p:attrNameLst>
+                                          <p:attrName>style.visibility</p:attrName>
+                                        </p:attrNameLst>
+                                      </p:cBhvr>
+                                      <p:to>
+                                        <p:strVal val="visible"/>
+                                      </p:to>
+                                    </p:set>
+                                  </p:childTnLst>
+                                </p:cTn>
+                              </p:par>
+                              <p:par>
+                                <p:cTn id="17" presetID="1" presetClass="entr" presetSubtype="0" fill="hold" grpId="0" nodeType="withEffect">
+                                  <p:stCondLst>
+                                    <p:cond delay="0"/>
+                                  </p:stCondLst>
+                                  <p:childTnLst>
+                                    <p:set>
+                                      <p:cBhvr>
+                                        <p:cTn id="18" dur="1" fill="hold">
+                                          <p:stCondLst>
+                                            <p:cond delay="0"/>
+                                          </p:stCondLst>
+                                        </p:cTn>
+                                        <p:tgtEl>
+                                          <p:spTgt spid="12"/>
+                                        </p:tgtEl>
+                                        <p:attrNameLst>
+                                          <p:attrName>style.visibility</p:attrName>
+                                        </p:attrNameLst>
+                                      </p:cBhvr>
+                                      <p:to>
+                                        <p:strVal val="visible"/>
+                                      </p:to>
+                                    </p:set>
+                                  </p:childTnLst>
+                                </p:cTn>
+                              </p:par>
+                              <p:par>
+                                <p:cTn id="19" presetID="1" presetClass="entr" presetSubtype="0" fill="hold" grpId="0" nodeType="withEffect">
+                                  <p:stCondLst>
+                                    <p:cond delay="0"/>
+                                  </p:stCondLst>
+                                  <p:childTnLst>
+                                    <p:set>
+                                      <p:cBhvr>
+                                        <p:cTn id="20" dur="1" fill="hold">
+                                          <p:stCondLst>
+                                            <p:cond delay="0"/>
+                                          </p:stCondLst>
+                                        </p:cTn>
+                                        <p:tgtEl>
+                                          <p:spTgt spid="14"/>
+                                        </p:tgtEl>
+                                        <p:attrNameLst>
+                                          <p:attrName>style.visibility</p:attrName>
+                                        </p:attrNameLst>
+                                      </p:cBhvr>
+                                      <p:to>
+                                        <p:strVal val="visible"/>
+                                      </p:to>
+                                    </p:set>
+                                  </p:childTnLst>
+                                </p:cTn>
+                              </p:par>
+                            </p:childTnLst>
+                          </p:cTn>
+                        </p:par>
+                      </p:childTnLst>
+                    </p:cTn>
+                  </p:par>
+                  <p:par>
+                    <p:cTn id="21" fill="hold">
+                      <p:stCondLst>
+                        <p:cond delay="indefinite"/>
+                      </p:stCondLst>
+                      <p:childTnLst>
+                        <p:par>
+                          <p:cTn id="22" fill="hold">
+                            <p:stCondLst>
+                              <p:cond delay="0"/>
+                            </p:stCondLst>
+                            <p:childTnLst>
+                              <p:par>
+                                <p:cTn id="23" presetID="1" presetClass="entr" presetSubtype="0" fill="hold" nodeType="clickEffect">
+                                  <p:stCondLst>
+                                    <p:cond delay="0"/>
+                                  </p:stCondLst>
+                                  <p:childTnLst>
+                                    <p:set>
+                                      <p:cBhvr>
+                                        <p:cTn id="24" dur="1" fill="hold">
+                                          <p:stCondLst>
+                                            <p:cond delay="0"/>
+                                          </p:stCondLst>
+                                        </p:cTn>
+                                        <p:tgtEl>
+                                          <p:spTgt spid="31"/>
+                                        </p:tgtEl>
+                                        <p:attrNameLst>
+                                          <p:attrName>style.visibility</p:attrName>
+                                        </p:attrNameLst>
+                                      </p:cBhvr>
+                                      <p:to>
+                                        <p:strVal val="visible"/>
+                                      </p:to>
+                                    </p:set>
+                                  </p:childTnLst>
+                                </p:cTn>
+                              </p:par>
+                              <p:par>
+                                <p:cTn id="25" presetID="1" presetClass="entr" presetSubtype="0" fill="hold" grpId="0" nodeType="withEffect">
+                                  <p:stCondLst>
+                                    <p:cond delay="0"/>
+                                  </p:stCondLst>
+                                  <p:childTnLst>
+                                    <p:set>
+                                      <p:cBhvr>
+                                        <p:cTn id="26" dur="1" fill="hold">
+                                          <p:stCondLst>
+                                            <p:cond delay="0"/>
+                                          </p:stCondLst>
+                                        </p:cTn>
+                                        <p:tgtEl>
+                                          <p:spTgt spid="37"/>
+                                        </p:tgtEl>
+                                        <p:attrNameLst>
+                                          <p:attrName>style.visibility</p:attrName>
+                                        </p:attrNameLst>
+                                      </p:cBhvr>
+                                      <p:to>
+                                        <p:strVal val="visible"/>
+                                      </p:to>
+                                    </p:set>
+                                  </p:childTnLst>
+                                </p:cTn>
+                              </p:par>
+                              <p:par>
+                                <p:cTn id="27" presetID="1" presetClass="entr" presetSubtype="0" fill="hold" grpId="0" nodeType="withEffect">
+                                  <p:stCondLst>
+                                    <p:cond delay="0"/>
+                                  </p:stCondLst>
+                                  <p:childTnLst>
+                                    <p:set>
+                                      <p:cBhvr>
+                                        <p:cTn id="28" dur="1" fill="hold">
+                                          <p:stCondLst>
+                                            <p:cond delay="0"/>
+                                          </p:stCondLst>
+                                        </p:cTn>
+                                        <p:tgtEl>
+                                          <p:spTgt spid="38"/>
+                                        </p:tgtEl>
+                                        <p:attrNameLst>
+                                          <p:attrName>style.visibility</p:attrName>
+                                        </p:attrNameLst>
+                                      </p:cBhvr>
+                                      <p:to>
+                                        <p:strVal val="visible"/>
+                                      </p:to>
+                                    </p:set>
+                                  </p:childTnLst>
+                                </p:cTn>
+                              </p:par>
+                              <p:par>
+                                <p:cTn id="29" presetID="1" presetClass="entr" presetSubtype="0" fill="hold" grpId="0" nodeType="withEffect">
+                                  <p:stCondLst>
+                                    <p:cond delay="0"/>
+                                  </p:stCondLst>
+                                  <p:childTnLst>
+                                    <p:set>
+                                      <p:cBhvr>
+                                        <p:cTn id="30" dur="1" fill="hold">
+                                          <p:stCondLst>
+                                            <p:cond delay="0"/>
+                                          </p:stCondLst>
+                                        </p:cTn>
+                                        <p:tgtEl>
+                                          <p:spTgt spid="36"/>
+                                        </p:tgtEl>
+                                        <p:attrNameLst>
+                                          <p:attrName>style.visibility</p:attrName>
+                                        </p:attrNameLst>
+                                      </p:cBhvr>
+                                      <p:to>
+                                        <p:strVal val="visible"/>
+                                      </p:to>
+                                    </p:set>
+                                  </p:childTnLst>
+                                </p:cTn>
+                              </p:par>
+                              <p:par>
+                                <p:cTn id="31" presetID="1" presetClass="entr" presetSubtype="0" fill="hold" grpId="0" nodeType="withEffect">
+                                  <p:stCondLst>
+                                    <p:cond delay="0"/>
+                                  </p:stCondLst>
+                                  <p:childTnLst>
+                                    <p:set>
+                                      <p:cBhvr>
+                                        <p:cTn id="32" dur="1" fill="hold">
+                                          <p:stCondLst>
+                                            <p:cond delay="0"/>
+                                          </p:stCondLst>
+                                        </p:cTn>
+                                        <p:tgtEl>
+                                          <p:spTgt spid="9"/>
+                                        </p:tgtEl>
+                                        <p:attrNameLst>
+                                          <p:attrName>style.visibility</p:attrName>
+                                        </p:attrNameLst>
+                                      </p:cBhvr>
+                                      <p:to>
+                                        <p:strVal val="visible"/>
+                                      </p:to>
+                                    </p:set>
+                                  </p:childTnLst>
+                                </p:cTn>
+                              </p:par>
+                              <p:par>
+                                <p:cTn id="33" presetID="1" presetClass="entr" presetSubtype="0" fill="hold" grpId="0" nodeType="withEffect">
+                                  <p:stCondLst>
+                                    <p:cond delay="0"/>
+                                  </p:stCondLst>
+                                  <p:childTnLst>
+                                    <p:set>
+                                      <p:cBhvr>
+                                        <p:cTn id="34" dur="1" fill="hold">
+                                          <p:stCondLst>
+                                            <p:cond delay="0"/>
+                                          </p:stCondLst>
+                                        </p:cTn>
+                                        <p:tgtEl>
+                                          <p:spTgt spid="6"/>
+                                        </p:tgtEl>
+                                        <p:attrNameLst>
+                                          <p:attrName>style.visibility</p:attrName>
+                                        </p:attrNameLst>
+                                      </p:cBhvr>
+                                      <p:to>
+                                        <p:strVal val="visible"/>
+                                      </p:to>
+                                    </p:set>
+                                  </p:childTnLst>
+                                </p:cTn>
+                              </p:par>
+                            </p:childTnLst>
+                          </p:cTn>
+                        </p:par>
+                      </p:childTnLst>
+                    </p:cTn>
+                  </p:par>
+                  <p:par>
+                    <p:cTn id="35" fill="hold">
+                      <p:stCondLst>
+                        <p:cond delay="indefinite"/>
+                      </p:stCondLst>
+                      <p:childTnLst>
+                        <p:par>
+                          <p:cTn id="36" fill="hold">
+                            <p:stCondLst>
+                              <p:cond delay="0"/>
+                            </p:stCondLst>
+                            <p:childTnLst>
+                              <p:par>
+                                <p:cTn id="37" presetID="1" presetClass="entr" presetSubtype="0" fill="hold" nodeType="clickEffect">
+                                  <p:stCondLst>
+                                    <p:cond delay="0"/>
+                                  </p:stCondLst>
+                                  <p:childTnLst>
+                                    <p:set>
+                                      <p:cBhvr>
+                                        <p:cTn id="38" dur="1" fill="hold">
+                                          <p:stCondLst>
+                                            <p:cond delay="0"/>
+                                          </p:stCondLst>
+                                        </p:cTn>
+                                        <p:tgtEl>
+                                          <p:spTgt spid="34"/>
+                                        </p:tgtEl>
+                                        <p:attrNameLst>
+                                          <p:attrName>style.visibility</p:attrName>
+                                        </p:attrNameLst>
+                                      </p:cBhvr>
+                                      <p:to>
+                                        <p:strVal val="visible"/>
+                                      </p:to>
+                                    </p:set>
+                                  </p:childTnLst>
+                                </p:cTn>
+                              </p:par>
+                              <p:par>
+                                <p:cTn id="39" presetID="1" presetClass="entr" presetSubtype="0" fill="hold" grpId="0" nodeType="withEffect">
+                                  <p:stCondLst>
+                                    <p:cond delay="0"/>
+                                  </p:stCondLst>
+                                  <p:childTnLst>
+                                    <p:set>
+                                      <p:cBhvr>
+                                        <p:cTn id="40" dur="1" fill="hold">
+                                          <p:stCondLst>
+                                            <p:cond delay="0"/>
+                                          </p:stCondLst>
+                                        </p:cTn>
+                                        <p:tgtEl>
+                                          <p:spTgt spid="35"/>
+                                        </p:tgtEl>
+                                        <p:attrNameLst>
+                                          <p:attrName>style.visibility</p:attrName>
+                                        </p:attrNameLst>
+                                      </p:cBhvr>
+                                      <p:to>
+                                        <p:strVal val="visible"/>
+                                      </p:to>
+                                    </p:set>
+                                  </p:childTnLst>
+                                </p:cTn>
+                              </p:par>
+                              <p:par>
+                                <p:cTn id="41" presetID="1" presetClass="entr" presetSubtype="0" fill="hold" grpId="0" nodeType="withEffect">
+                                  <p:stCondLst>
+                                    <p:cond delay="0"/>
+                                  </p:stCondLst>
+                                  <p:childTnLst>
+                                    <p:set>
+                                      <p:cBhvr>
+                                        <p:cTn id="42" dur="1" fill="hold">
+                                          <p:stCondLst>
+                                            <p:cond delay="0"/>
+                                          </p:stCondLst>
+                                        </p:cTn>
+                                        <p:tgtEl>
+                                          <p:spTgt spid="39"/>
+                                        </p:tgtEl>
+                                        <p:attrNameLst>
+                                          <p:attrName>style.visibility</p:attrName>
+                                        </p:attrNameLst>
+                                      </p:cBhvr>
+                                      <p:to>
+                                        <p:strVal val="visible"/>
+                                      </p:to>
+                                    </p:set>
+                                  </p:childTnLst>
+                                </p:cTn>
+                              </p:par>
+                              <p:par>
+                                <p:cTn id="43" presetID="1" presetClass="entr" presetSubtype="0" fill="hold" grpId="0" nodeType="withEffect">
+                                  <p:stCondLst>
+                                    <p:cond delay="0"/>
+                                  </p:stCondLst>
+                                  <p:childTnLst>
+                                    <p:set>
+                                      <p:cBhvr>
+                                        <p:cTn id="44" dur="1" fill="hold">
+                                          <p:stCondLst>
+                                            <p:cond delay="0"/>
+                                          </p:stCondLst>
+                                        </p:cTn>
+                                        <p:tgtEl>
+                                          <p:spTgt spid="41"/>
+                                        </p:tgtEl>
+                                        <p:attrNameLst>
+                                          <p:attrName>style.visibility</p:attrName>
+                                        </p:attrNameLst>
+                                      </p:cBhvr>
+                                      <p:to>
+                                        <p:strVal val="visible"/>
+                                      </p:to>
+                                    </p:set>
+                                  </p:childTnLst>
+                                </p:cTn>
+                              </p:par>
+                              <p:par>
+                                <p:cTn id="45" presetID="1" presetClass="entr" presetSubtype="0" fill="hold" grpId="0" nodeType="withEffect">
+                                  <p:stCondLst>
+                                    <p:cond delay="0"/>
+                                  </p:stCondLst>
+                                  <p:childTnLst>
+                                    <p:set>
+                                      <p:cBhvr>
+                                        <p:cTn id="46" dur="1" fill="hold">
+                                          <p:stCondLst>
+                                            <p:cond delay="0"/>
+                                          </p:stCondLst>
+                                        </p:cTn>
+                                        <p:tgtEl>
+                                          <p:spTgt spid="42"/>
+                                        </p:tgtEl>
+                                        <p:attrNameLst>
+                                          <p:attrName>style.visibility</p:attrName>
+                                        </p:attrNameLst>
+                                      </p:cBhvr>
+                                      <p:to>
+                                        <p:strVal val="visible"/>
+                                      </p:to>
+                                    </p:set>
+                                  </p:childTnLst>
+                                </p:cTn>
+                              </p:par>
+                              <p:par>
+                                <p:cTn id="47" presetID="1" presetClass="entr" presetSubtype="0" fill="hold" nodeType="withEffect">
+                                  <p:stCondLst>
+                                    <p:cond delay="0"/>
+                                  </p:stCondLst>
+                                  <p:childTnLst>
+                                    <p:set>
+                                      <p:cBhvr>
+                                        <p:cTn id="48" dur="1" fill="hold">
+                                          <p:stCondLst>
+                                            <p:cond delay="0"/>
+                                          </p:stCondLst>
+                                        </p:cTn>
+                                        <p:tgtEl>
+                                          <p:spTgt spid="13"/>
+                                        </p:tgtEl>
+                                        <p:attrNameLst>
+                                          <p:attrName>style.visibility</p:attrName>
+                                        </p:attrNameLst>
+                                      </p:cBhvr>
+                                      <p:to>
+                                        <p:strVal val="visible"/>
+                                      </p:to>
+                                    </p:set>
+                                  </p:childTnLst>
+                                </p:cTn>
+                              </p:par>
+                              <p:par>
+                                <p:cTn id="49" presetID="1" presetClass="entr" presetSubtype="0" fill="hold" grpId="0" nodeType="withEffect">
+                                  <p:stCondLst>
+                                    <p:cond delay="0"/>
+                                  </p:stCondLst>
+                                  <p:childTnLst>
+                                    <p:set>
+                                      <p:cBhvr>
+                                        <p:cTn id="50" dur="1" fill="hold">
+                                          <p:stCondLst>
+                                            <p:cond delay="0"/>
+                                          </p:stCondLst>
+                                        </p:cTn>
+                                        <p:tgtEl>
+                                          <p:spTgt spid="3"/>
+                                        </p:tgtEl>
+                                        <p:attrNameLst>
+                                          <p:attrName>style.visibility</p:attrName>
+                                        </p:attrNameLst>
+                                      </p:cBhvr>
+                                      <p:to>
+                                        <p:strVal val="visible"/>
+                                      </p:to>
+                                    </p:set>
+                                  </p:childTnLst>
+                                </p:cTn>
+                              </p:par>
+                            </p:childTnLst>
+                          </p:cTn>
+                        </p:par>
+                      </p:childTnLst>
+                    </p:cTn>
+                  </p:par>
+                </p:childTnLst>
+              </p:cTn>
+              <p:prevCondLst>
+                <p:cond evt="onPrev" delay="0">
+                  <p:tgtEl>
+                    <p:sldTgt/>
+                  </p:tgtEl>
+                </p:cond>
+              </p:prevCondLst>
+              <p:nextCondLst>
+                <p:cond evt="onNext" delay="0">
+                  <p:tgtEl>
+                    <p:sldTgt/>
+                  </p:tgtEl>
+                </p:cond>
+              </p:nextCondLst>
+            </p:seq>
+          </p:childTnLst>
+        </p:cTn>
+      </p:par>
+    </p:tnLst>
+    <p:bldLst>
+      <p:bldP spid="23" grpId="0"/>
+      <p:bldP spid="35" grpId="0"/>
+      <p:bldP spid="36" grpId="0"/>
+      <p:bldP spid="37" grpId="0"/>
+      <p:bldP spid="38" grpId="0"/>
+      <p:bldP spid="39" grpId="0"/>
+      <p:bldP spid="41" grpId="0"/>
+      <p:bldP spid="42" grpId="0"/>
+      <p:bldP spid="5" grpId="0" animBg="1"/>
+      <p:bldP spid="7" grpId="0"/>
+      <p:bldP spid="8" grpId="0"/>
+      <p:bldP spid="11" grpId="0"/>
+      <p:bldP spid="12" grpId="0"/>
+      <p:bldP spid="14" grpId="0"/>
+      <p:bldP spid="3" grpId="0"/>
+      <p:bldP spid="6" grpId="0"/>
+      <p:bldP spid="9" grpId="0"/>
+    </p:bldLst>
+  </p:timing>
 </p:sld>
 </file>
 
@@ -9188,8 +11656,8 @@
           </a:fontRef>
         </p:style>
       </p:cxnSp>
-      <mc:AlternateContent xmlns:mc="http://schemas.openxmlformats.org/markup-compatibility/2006">
-        <mc:Choice xmlns:a14="http://schemas.microsoft.com/office/drawing/2010/main" Requires="a14">
+      <mc:AlternateContent xmlns:mc="http://schemas.openxmlformats.org/markup-compatibility/2006" xmlns:a14="http://schemas.microsoft.com/office/drawing/2010/main">
+        <mc:Choice Requires="a14">
           <p:sp>
             <p:nvSpPr>
               <p:cNvPr id="35" name="TextBox 34">
@@ -9246,7 +11714,7 @@
             </p:txBody>
           </p:sp>
         </mc:Choice>
-        <mc:Fallback>
+        <mc:Fallback xmlns="">
           <p:sp>
             <p:nvSpPr>
               <p:cNvPr id="35" name="TextBox 34">
@@ -9291,8 +11759,8 @@
           </p:sp>
         </mc:Fallback>
       </mc:AlternateContent>
-      <mc:AlternateContent xmlns:mc="http://schemas.openxmlformats.org/markup-compatibility/2006">
-        <mc:Choice xmlns:a14="http://schemas.microsoft.com/office/drawing/2010/main" Requires="a14">
+      <mc:AlternateContent xmlns:mc="http://schemas.openxmlformats.org/markup-compatibility/2006" xmlns:a14="http://schemas.microsoft.com/office/drawing/2010/main">
+        <mc:Choice Requires="a14">
           <p:sp>
             <p:nvSpPr>
               <p:cNvPr id="36" name="TextBox 35">
@@ -9349,7 +11817,7 @@
             </p:txBody>
           </p:sp>
         </mc:Choice>
-        <mc:Fallback>
+        <mc:Fallback xmlns="">
           <p:sp>
             <p:nvSpPr>
               <p:cNvPr id="36" name="TextBox 35">
@@ -9394,8 +11862,8 @@
           </p:sp>
         </mc:Fallback>
       </mc:AlternateContent>
-      <mc:AlternateContent xmlns:mc="http://schemas.openxmlformats.org/markup-compatibility/2006">
-        <mc:Choice xmlns:a14="http://schemas.microsoft.com/office/drawing/2010/main" Requires="a14">
+      <mc:AlternateContent xmlns:mc="http://schemas.openxmlformats.org/markup-compatibility/2006" xmlns:a14="http://schemas.microsoft.com/office/drawing/2010/main">
+        <mc:Choice Requires="a14">
           <p:sp>
             <p:nvSpPr>
               <p:cNvPr id="37" name="TextBox 36">
@@ -9452,7 +11920,7 @@
             </p:txBody>
           </p:sp>
         </mc:Choice>
-        <mc:Fallback>
+        <mc:Fallback xmlns="">
           <p:sp>
             <p:nvSpPr>
               <p:cNvPr id="37" name="TextBox 36">
@@ -9497,8 +11965,8 @@
           </p:sp>
         </mc:Fallback>
       </mc:AlternateContent>
-      <mc:AlternateContent xmlns:mc="http://schemas.openxmlformats.org/markup-compatibility/2006">
-        <mc:Choice xmlns:a14="http://schemas.microsoft.com/office/drawing/2010/main" Requires="a14">
+      <mc:AlternateContent xmlns:mc="http://schemas.openxmlformats.org/markup-compatibility/2006" xmlns:a14="http://schemas.microsoft.com/office/drawing/2010/main">
+        <mc:Choice Requires="a14">
           <p:sp>
             <p:nvSpPr>
               <p:cNvPr id="38" name="TextBox 37">
@@ -9555,7 +12023,7 @@
             </p:txBody>
           </p:sp>
         </mc:Choice>
-        <mc:Fallback>
+        <mc:Fallback xmlns="">
           <p:sp>
             <p:nvSpPr>
               <p:cNvPr id="38" name="TextBox 37">
@@ -9600,8 +12068,8 @@
           </p:sp>
         </mc:Fallback>
       </mc:AlternateContent>
-      <mc:AlternateContent xmlns:mc="http://schemas.openxmlformats.org/markup-compatibility/2006">
-        <mc:Choice xmlns:a14="http://schemas.microsoft.com/office/drawing/2010/main" Requires="a14">
+      <mc:AlternateContent xmlns:mc="http://schemas.openxmlformats.org/markup-compatibility/2006" xmlns:a14="http://schemas.microsoft.com/office/drawing/2010/main">
+        <mc:Choice Requires="a14">
           <p:sp>
             <p:nvSpPr>
               <p:cNvPr id="39" name="TextBox 38">
@@ -9658,7 +12126,7 @@
             </p:txBody>
           </p:sp>
         </mc:Choice>
-        <mc:Fallback>
+        <mc:Fallback xmlns="">
           <p:sp>
             <p:nvSpPr>
               <p:cNvPr id="39" name="TextBox 38">
@@ -9703,8 +12171,8 @@
           </p:sp>
         </mc:Fallback>
       </mc:AlternateContent>
-      <mc:AlternateContent xmlns:mc="http://schemas.openxmlformats.org/markup-compatibility/2006">
-        <mc:Choice xmlns:a14="http://schemas.microsoft.com/office/drawing/2010/main" Requires="a14">
+      <mc:AlternateContent xmlns:mc="http://schemas.openxmlformats.org/markup-compatibility/2006" xmlns:a14="http://schemas.microsoft.com/office/drawing/2010/main">
+        <mc:Choice Requires="a14">
           <p:sp>
             <p:nvSpPr>
               <p:cNvPr id="41" name="TextBox 40">
@@ -9761,7 +12229,7 @@
             </p:txBody>
           </p:sp>
         </mc:Choice>
-        <mc:Fallback>
+        <mc:Fallback xmlns="">
           <p:sp>
             <p:nvSpPr>
               <p:cNvPr id="41" name="TextBox 40">
@@ -9806,8 +12274,8 @@
           </p:sp>
         </mc:Fallback>
       </mc:AlternateContent>
-      <mc:AlternateContent xmlns:mc="http://schemas.openxmlformats.org/markup-compatibility/2006">
-        <mc:Choice xmlns:a14="http://schemas.microsoft.com/office/drawing/2010/main" Requires="a14">
+      <mc:AlternateContent xmlns:mc="http://schemas.openxmlformats.org/markup-compatibility/2006" xmlns:a14="http://schemas.microsoft.com/office/drawing/2010/main">
+        <mc:Choice Requires="a14">
           <p:sp>
             <p:nvSpPr>
               <p:cNvPr id="42" name="TextBox 41">
@@ -9864,7 +12332,7 @@
             </p:txBody>
           </p:sp>
         </mc:Choice>
-        <mc:Fallback>
+        <mc:Fallback xmlns="">
           <p:sp>
             <p:nvSpPr>
               <p:cNvPr id="42" name="TextBox 41">
@@ -10087,8 +12555,8 @@
           </a:p>
         </p:txBody>
       </p:sp>
-      <mc:AlternateContent xmlns:mc="http://schemas.openxmlformats.org/markup-compatibility/2006">
-        <mc:Choice xmlns:a14="http://schemas.microsoft.com/office/drawing/2010/main" Requires="a14">
+      <mc:AlternateContent xmlns:mc="http://schemas.openxmlformats.org/markup-compatibility/2006" xmlns:a14="http://schemas.microsoft.com/office/drawing/2010/main">
+        <mc:Choice Requires="a14">
           <p:sp>
             <p:nvSpPr>
               <p:cNvPr id="15" name="TextBox 14">
@@ -10217,7 +12685,7 @@
             </p:txBody>
           </p:sp>
         </mc:Choice>
-        <mc:Fallback>
+        <mc:Fallback xmlns="">
           <p:sp>
             <p:nvSpPr>
               <p:cNvPr id="15" name="TextBox 14">
@@ -10436,7 +12904,7 @@
             </p:nvSpPr>
             <p:spPr>
               <a:xfrm>
-                <a:off x="6292567" y="3261468"/>
+                <a:off x="6292567" y="3294299"/>
                 <a:ext cx="1508553" cy="309637"/>
               </a:xfrm>
               <a:prstGeom prst="rect">
@@ -10450,6 +12918,7 @@
               </a:bodyPr>
               <a:lstStyle/>
               <a:p>
+                <a:pPr/>
                 <a14:m>
                   <m:oMathPara xmlns:m="http://schemas.openxmlformats.org/officeDocument/2006/math">
                     <m:oMathParaPr>
@@ -10571,7 +13040,7 @@
             </p:nvSpPr>
             <p:spPr>
               <a:xfrm>
-                <a:off x="6292567" y="3261468"/>
+                <a:off x="6292567" y="3294299"/>
                 <a:ext cx="1508553" cy="309637"/>
               </a:xfrm>
               <a:prstGeom prst="rect">
@@ -10580,7 +13049,7 @@
               <a:blipFill>
                 <a:blip r:embed="rId12"/>
                 <a:stretch>
-                  <a:fillRect l="-2500" r="-2500" b="-11538"/>
+                  <a:fillRect l="-2500" r="-2500" b="-16000"/>
                 </a:stretch>
               </a:blipFill>
             </p:spPr>
@@ -10599,8 +13068,8 @@
           </p:sp>
         </mc:Fallback>
       </mc:AlternateContent>
-      <mc:AlternateContent xmlns:mc="http://schemas.openxmlformats.org/markup-compatibility/2006">
-        <mc:Choice xmlns:a14="http://schemas.microsoft.com/office/drawing/2010/main" Requires="a14">
+      <mc:AlternateContent xmlns:mc="http://schemas.openxmlformats.org/markup-compatibility/2006" xmlns:a14="http://schemas.microsoft.com/office/drawing/2010/main">
+        <mc:Choice Requires="a14">
           <p:sp>
             <p:nvSpPr>
               <p:cNvPr id="24" name="TextBox 23">
@@ -10629,6 +13098,7 @@
               </a:bodyPr>
               <a:lstStyle/>
               <a:p>
+                <a:pPr/>
                 <a14:m>
                   <m:oMathPara xmlns:m="http://schemas.openxmlformats.org/officeDocument/2006/math">
                     <m:oMathParaPr>
@@ -10724,7 +13194,7 @@
             </p:txBody>
           </p:sp>
         </mc:Choice>
-        <mc:Fallback>
+        <mc:Fallback xmlns="">
           <p:sp>
             <p:nvSpPr>
               <p:cNvPr id="24" name="TextBox 23">
@@ -10769,8 +13239,8 @@
           </p:sp>
         </mc:Fallback>
       </mc:AlternateContent>
-      <mc:AlternateContent xmlns:mc="http://schemas.openxmlformats.org/markup-compatibility/2006">
-        <mc:Choice xmlns:a14="http://schemas.microsoft.com/office/drawing/2010/main" Requires="a14">
+      <mc:AlternateContent xmlns:mc="http://schemas.openxmlformats.org/markup-compatibility/2006" xmlns:a14="http://schemas.microsoft.com/office/drawing/2010/main">
+        <mc:Choice Requires="a14">
           <p:sp>
             <p:nvSpPr>
               <p:cNvPr id="25" name="TextBox 24">
@@ -10799,6 +13269,7 @@
               </a:bodyPr>
               <a:lstStyle/>
               <a:p>
+                <a:pPr/>
                 <a14:m>
                   <m:oMathPara xmlns:m="http://schemas.openxmlformats.org/officeDocument/2006/math">
                     <m:oMathParaPr>
@@ -10901,7 +13372,7 @@
             </p:txBody>
           </p:sp>
         </mc:Choice>
-        <mc:Fallback>
+        <mc:Fallback xmlns="">
           <p:sp>
             <p:nvSpPr>
               <p:cNvPr id="25" name="TextBox 24">
@@ -10946,6 +13417,414 @@
           </p:sp>
         </mc:Fallback>
       </mc:AlternateContent>
+      <mc:AlternateContent xmlns:mc="http://schemas.openxmlformats.org/markup-compatibility/2006">
+        <mc:Choice xmlns:a14="http://schemas.microsoft.com/office/drawing/2010/main" Requires="a14">
+          <p:sp>
+            <p:nvSpPr>
+              <p:cNvPr id="5" name="TextBox 4">
+                <a:extLst>
+                  <a:ext uri="{FF2B5EF4-FFF2-40B4-BE49-F238E27FC236}">
+                    <a16:creationId xmlns:a16="http://schemas.microsoft.com/office/drawing/2014/main" id="{6DA053E0-76AB-763D-7EB8-4301A9C36621}"/>
+                  </a:ext>
+                </a:extLst>
+              </p:cNvPr>
+              <p:cNvSpPr txBox="1"/>
+              <p:nvPr/>
+            </p:nvSpPr>
+            <p:spPr>
+              <a:xfrm>
+                <a:off x="3686388" y="4021336"/>
+                <a:ext cx="444352" cy="307777"/>
+              </a:xfrm>
+              <a:prstGeom prst="rect">
+                <a:avLst/>
+              </a:prstGeom>
+              <a:noFill/>
+            </p:spPr>
+            <p:txBody>
+              <a:bodyPr wrap="none" rtlCol="0">
+                <a:spAutoFit/>
+              </a:bodyPr>
+              <a:lstStyle/>
+              <a:p>
+                <a14:m>
+                  <m:oMathPara xmlns:m="http://schemas.openxmlformats.org/officeDocument/2006/math">
+                    <m:oMathParaPr>
+                      <m:jc m:val="centerGroup"/>
+                    </m:oMathParaPr>
+                    <m:oMath xmlns:m="http://schemas.openxmlformats.org/officeDocument/2006/math">
+                      <m:r>
+                        <a:rPr lang="en-GB" sz="1400" b="0" i="1" smtClean="0">
+                          <a:solidFill>
+                            <a:schemeClr val="bg2"/>
+                          </a:solidFill>
+                          <a:latin typeface="Cambria Math" panose="02040503050406030204" pitchFamily="18" charset="0"/>
+                        </a:rPr>
+                        <m:t>|0⟩</m:t>
+                      </m:r>
+                    </m:oMath>
+                  </m:oMathPara>
+                </a14:m>
+                <a:endParaRPr lang="en-US" sz="1400" dirty="0">
+                  <a:solidFill>
+                    <a:schemeClr val="bg2"/>
+                  </a:solidFill>
+                </a:endParaRPr>
+              </a:p>
+            </p:txBody>
+          </p:sp>
+        </mc:Choice>
+        <mc:Fallback>
+          <p:sp>
+            <p:nvSpPr>
+              <p:cNvPr id="5" name="TextBox 4">
+                <a:extLst>
+                  <a:ext uri="{FF2B5EF4-FFF2-40B4-BE49-F238E27FC236}">
+                    <a16:creationId xmlns:a16="http://schemas.microsoft.com/office/drawing/2014/main" id="{6DA053E0-76AB-763D-7EB8-4301A9C36621}"/>
+                  </a:ext>
+                </a:extLst>
+              </p:cNvPr>
+              <p:cNvSpPr txBox="1">
+                <a:spLocks noRot="1" noChangeAspect="1" noMove="1" noResize="1" noEditPoints="1" noAdjustHandles="1" noChangeArrowheads="1" noChangeShapeType="1" noTextEdit="1"/>
+              </p:cNvSpPr>
+              <p:nvPr/>
+            </p:nvSpPr>
+            <p:spPr>
+              <a:xfrm>
+                <a:off x="3686388" y="4021336"/>
+                <a:ext cx="444352" cy="307777"/>
+              </a:xfrm>
+              <a:prstGeom prst="rect">
+                <a:avLst/>
+              </a:prstGeom>
+              <a:blipFill>
+                <a:blip r:embed="rId15"/>
+                <a:stretch>
+                  <a:fillRect b="-12000"/>
+                </a:stretch>
+              </a:blipFill>
+            </p:spPr>
+            <p:txBody>
+              <a:bodyPr/>
+              <a:lstStyle/>
+              <a:p>
+                <a:r>
+                  <a:rPr lang="en-US">
+                    <a:noFill/>
+                  </a:rPr>
+                  <a:t> </a:t>
+                </a:r>
+              </a:p>
+            </p:txBody>
+          </p:sp>
+        </mc:Fallback>
+      </mc:AlternateContent>
+      <mc:AlternateContent xmlns:mc="http://schemas.openxmlformats.org/markup-compatibility/2006">
+        <mc:Choice xmlns:a14="http://schemas.microsoft.com/office/drawing/2010/main" Requires="a14">
+          <p:sp>
+            <p:nvSpPr>
+              <p:cNvPr id="7" name="TextBox 6">
+                <a:extLst>
+                  <a:ext uri="{FF2B5EF4-FFF2-40B4-BE49-F238E27FC236}">
+                    <a16:creationId xmlns:a16="http://schemas.microsoft.com/office/drawing/2014/main" id="{245F16AF-A454-48D1-0CAA-0A2538FB88F4}"/>
+                  </a:ext>
+                </a:extLst>
+              </p:cNvPr>
+              <p:cNvSpPr txBox="1"/>
+              <p:nvPr/>
+            </p:nvSpPr>
+            <p:spPr>
+              <a:xfrm>
+                <a:off x="3473029" y="6502451"/>
+                <a:ext cx="444352" cy="307777"/>
+              </a:xfrm>
+              <a:prstGeom prst="rect">
+                <a:avLst/>
+              </a:prstGeom>
+              <a:noFill/>
+            </p:spPr>
+            <p:txBody>
+              <a:bodyPr wrap="none" rtlCol="0">
+                <a:spAutoFit/>
+              </a:bodyPr>
+              <a:lstStyle/>
+              <a:p>
+                <a14:m>
+                  <m:oMathPara xmlns:m="http://schemas.openxmlformats.org/officeDocument/2006/math">
+                    <m:oMathParaPr>
+                      <m:jc m:val="centerGroup"/>
+                    </m:oMathParaPr>
+                    <m:oMath xmlns:m="http://schemas.openxmlformats.org/officeDocument/2006/math">
+                      <m:r>
+                        <a:rPr lang="en-GB" sz="1400" b="0" i="1" smtClean="0">
+                          <a:solidFill>
+                            <a:schemeClr val="bg2"/>
+                          </a:solidFill>
+                          <a:latin typeface="Cambria Math" panose="02040503050406030204" pitchFamily="18" charset="0"/>
+                        </a:rPr>
+                        <m:t>|1⟩</m:t>
+                      </m:r>
+                    </m:oMath>
+                  </m:oMathPara>
+                </a14:m>
+                <a:endParaRPr lang="en-US" sz="1400" dirty="0">
+                  <a:solidFill>
+                    <a:schemeClr val="bg2"/>
+                  </a:solidFill>
+                </a:endParaRPr>
+              </a:p>
+            </p:txBody>
+          </p:sp>
+        </mc:Choice>
+        <mc:Fallback>
+          <p:sp>
+            <p:nvSpPr>
+              <p:cNvPr id="7" name="TextBox 6">
+                <a:extLst>
+                  <a:ext uri="{FF2B5EF4-FFF2-40B4-BE49-F238E27FC236}">
+                    <a16:creationId xmlns:a16="http://schemas.microsoft.com/office/drawing/2014/main" id="{245F16AF-A454-48D1-0CAA-0A2538FB88F4}"/>
+                  </a:ext>
+                </a:extLst>
+              </p:cNvPr>
+              <p:cNvSpPr txBox="1">
+                <a:spLocks noRot="1" noChangeAspect="1" noMove="1" noResize="1" noEditPoints="1" noAdjustHandles="1" noChangeArrowheads="1" noChangeShapeType="1" noTextEdit="1"/>
+              </p:cNvSpPr>
+              <p:nvPr/>
+            </p:nvSpPr>
+            <p:spPr>
+              <a:xfrm>
+                <a:off x="3473029" y="6502451"/>
+                <a:ext cx="444352" cy="307777"/>
+              </a:xfrm>
+              <a:prstGeom prst="rect">
+                <a:avLst/>
+              </a:prstGeom>
+              <a:blipFill>
+                <a:blip r:embed="rId16"/>
+                <a:stretch>
+                  <a:fillRect b="-8000"/>
+                </a:stretch>
+              </a:blipFill>
+            </p:spPr>
+            <p:txBody>
+              <a:bodyPr/>
+              <a:lstStyle/>
+              <a:p>
+                <a:r>
+                  <a:rPr lang="en-US">
+                    <a:noFill/>
+                  </a:rPr>
+                  <a:t> </a:t>
+                </a:r>
+              </a:p>
+            </p:txBody>
+          </p:sp>
+        </mc:Fallback>
+      </mc:AlternateContent>
+      <mc:AlternateContent xmlns:mc="http://schemas.openxmlformats.org/markup-compatibility/2006">
+        <mc:Choice xmlns:a14="http://schemas.microsoft.com/office/drawing/2010/main" Requires="a14">
+          <p:sp>
+            <p:nvSpPr>
+              <p:cNvPr id="8" name="TextBox 7">
+                <a:extLst>
+                  <a:ext uri="{FF2B5EF4-FFF2-40B4-BE49-F238E27FC236}">
+                    <a16:creationId xmlns:a16="http://schemas.microsoft.com/office/drawing/2014/main" id="{D4098493-6031-583D-C0D2-ECB862369170}"/>
+                  </a:ext>
+                </a:extLst>
+              </p:cNvPr>
+              <p:cNvSpPr txBox="1"/>
+              <p:nvPr/>
+            </p:nvSpPr>
+            <p:spPr>
+              <a:xfrm>
+                <a:off x="7635853" y="3988949"/>
+                <a:ext cx="444352" cy="307777"/>
+              </a:xfrm>
+              <a:prstGeom prst="rect">
+                <a:avLst/>
+              </a:prstGeom>
+              <a:noFill/>
+            </p:spPr>
+            <p:txBody>
+              <a:bodyPr wrap="none" rtlCol="0">
+                <a:spAutoFit/>
+              </a:bodyPr>
+              <a:lstStyle/>
+              <a:p>
+                <a14:m>
+                  <m:oMathPara xmlns:m="http://schemas.openxmlformats.org/officeDocument/2006/math">
+                    <m:oMathParaPr>
+                      <m:jc m:val="centerGroup"/>
+                    </m:oMathParaPr>
+                    <m:oMath xmlns:m="http://schemas.openxmlformats.org/officeDocument/2006/math">
+                      <m:r>
+                        <a:rPr lang="en-GB" sz="1400" b="0" i="1" smtClean="0">
+                          <a:solidFill>
+                            <a:schemeClr val="bg2"/>
+                          </a:solidFill>
+                          <a:latin typeface="Cambria Math" panose="02040503050406030204" pitchFamily="18" charset="0"/>
+                        </a:rPr>
+                        <m:t>|0⟩</m:t>
+                      </m:r>
+                    </m:oMath>
+                  </m:oMathPara>
+                </a14:m>
+                <a:endParaRPr lang="en-US" sz="1400" dirty="0">
+                  <a:solidFill>
+                    <a:schemeClr val="bg2"/>
+                  </a:solidFill>
+                </a:endParaRPr>
+              </a:p>
+            </p:txBody>
+          </p:sp>
+        </mc:Choice>
+        <mc:Fallback>
+          <p:sp>
+            <p:nvSpPr>
+              <p:cNvPr id="8" name="TextBox 7">
+                <a:extLst>
+                  <a:ext uri="{FF2B5EF4-FFF2-40B4-BE49-F238E27FC236}">
+                    <a16:creationId xmlns:a16="http://schemas.microsoft.com/office/drawing/2014/main" id="{D4098493-6031-583D-C0D2-ECB862369170}"/>
+                  </a:ext>
+                </a:extLst>
+              </p:cNvPr>
+              <p:cNvSpPr txBox="1">
+                <a:spLocks noRot="1" noChangeAspect="1" noMove="1" noResize="1" noEditPoints="1" noAdjustHandles="1" noChangeArrowheads="1" noChangeShapeType="1" noTextEdit="1"/>
+              </p:cNvSpPr>
+              <p:nvPr/>
+            </p:nvSpPr>
+            <p:spPr>
+              <a:xfrm>
+                <a:off x="7635853" y="3988949"/>
+                <a:ext cx="444352" cy="307777"/>
+              </a:xfrm>
+              <a:prstGeom prst="rect">
+                <a:avLst/>
+              </a:prstGeom>
+              <a:blipFill>
+                <a:blip r:embed="rId17"/>
+                <a:stretch>
+                  <a:fillRect b="-7692"/>
+                </a:stretch>
+              </a:blipFill>
+            </p:spPr>
+            <p:txBody>
+              <a:bodyPr/>
+              <a:lstStyle/>
+              <a:p>
+                <a:r>
+                  <a:rPr lang="en-US">
+                    <a:noFill/>
+                  </a:rPr>
+                  <a:t> </a:t>
+                </a:r>
+              </a:p>
+            </p:txBody>
+          </p:sp>
+        </mc:Fallback>
+      </mc:AlternateContent>
+      <mc:AlternateContent xmlns:mc="http://schemas.openxmlformats.org/markup-compatibility/2006">
+        <mc:Choice xmlns:a14="http://schemas.microsoft.com/office/drawing/2010/main" Requires="a14">
+          <p:sp>
+            <p:nvSpPr>
+              <p:cNvPr id="10" name="TextBox 9">
+                <a:extLst>
+                  <a:ext uri="{FF2B5EF4-FFF2-40B4-BE49-F238E27FC236}">
+                    <a16:creationId xmlns:a16="http://schemas.microsoft.com/office/drawing/2014/main" id="{7A9F4152-355E-5AC9-6425-89FF8A7E88BC}"/>
+                  </a:ext>
+                </a:extLst>
+              </p:cNvPr>
+              <p:cNvSpPr txBox="1"/>
+              <p:nvPr/>
+            </p:nvSpPr>
+            <p:spPr>
+              <a:xfrm>
+                <a:off x="7422494" y="6470064"/>
+                <a:ext cx="444352" cy="307777"/>
+              </a:xfrm>
+              <a:prstGeom prst="rect">
+                <a:avLst/>
+              </a:prstGeom>
+              <a:noFill/>
+            </p:spPr>
+            <p:txBody>
+              <a:bodyPr wrap="none" rtlCol="0">
+                <a:spAutoFit/>
+              </a:bodyPr>
+              <a:lstStyle/>
+              <a:p>
+                <a14:m>
+                  <m:oMathPara xmlns:m="http://schemas.openxmlformats.org/officeDocument/2006/math">
+                    <m:oMathParaPr>
+                      <m:jc m:val="centerGroup"/>
+                    </m:oMathParaPr>
+                    <m:oMath xmlns:m="http://schemas.openxmlformats.org/officeDocument/2006/math">
+                      <m:r>
+                        <a:rPr lang="en-GB" sz="1400" b="0" i="1" smtClean="0">
+                          <a:solidFill>
+                            <a:schemeClr val="bg2"/>
+                          </a:solidFill>
+                          <a:latin typeface="Cambria Math" panose="02040503050406030204" pitchFamily="18" charset="0"/>
+                        </a:rPr>
+                        <m:t>|1⟩</m:t>
+                      </m:r>
+                    </m:oMath>
+                  </m:oMathPara>
+                </a14:m>
+                <a:endParaRPr lang="en-US" sz="1400" dirty="0">
+                  <a:solidFill>
+                    <a:schemeClr val="bg2"/>
+                  </a:solidFill>
+                </a:endParaRPr>
+              </a:p>
+            </p:txBody>
+          </p:sp>
+        </mc:Choice>
+        <mc:Fallback>
+          <p:sp>
+            <p:nvSpPr>
+              <p:cNvPr id="10" name="TextBox 9">
+                <a:extLst>
+                  <a:ext uri="{FF2B5EF4-FFF2-40B4-BE49-F238E27FC236}">
+                    <a16:creationId xmlns:a16="http://schemas.microsoft.com/office/drawing/2014/main" id="{7A9F4152-355E-5AC9-6425-89FF8A7E88BC}"/>
+                  </a:ext>
+                </a:extLst>
+              </p:cNvPr>
+              <p:cNvSpPr txBox="1">
+                <a:spLocks noRot="1" noChangeAspect="1" noMove="1" noResize="1" noEditPoints="1" noAdjustHandles="1" noChangeArrowheads="1" noChangeShapeType="1" noTextEdit="1"/>
+              </p:cNvSpPr>
+              <p:nvPr/>
+            </p:nvSpPr>
+            <p:spPr>
+              <a:xfrm>
+                <a:off x="7422494" y="6470064"/>
+                <a:ext cx="444352" cy="307777"/>
+              </a:xfrm>
+              <a:prstGeom prst="rect">
+                <a:avLst/>
+              </a:prstGeom>
+              <a:blipFill>
+                <a:blip r:embed="rId18"/>
+                <a:stretch>
+                  <a:fillRect b="-8000"/>
+                </a:stretch>
+              </a:blipFill>
+            </p:spPr>
+            <p:txBody>
+              <a:bodyPr/>
+              <a:lstStyle/>
+              <a:p>
+                <a:r>
+                  <a:rPr lang="en-US">
+                    <a:noFill/>
+                  </a:rPr>
+                  <a:t> </a:t>
+                </a:r>
+              </a:p>
+            </p:txBody>
+          </p:sp>
+        </mc:Fallback>
+      </mc:AlternateContent>
     </p:spTree>
     <p:extLst>
       <p:ext uri="{BB962C8B-B14F-4D97-AF65-F5344CB8AC3E}">
@@ -10956,6 +13835,832 @@
   <p:clrMapOvr>
     <a:masterClrMapping/>
   </p:clrMapOvr>
+  <p:timing>
+    <p:tnLst>
+      <p:par>
+        <p:cTn id="1" dur="indefinite" restart="never" nodeType="tmRoot">
+          <p:childTnLst>
+            <p:seq concurrent="1" nextAc="seek">
+              <p:cTn id="2" dur="indefinite" nodeType="mainSeq">
+                <p:childTnLst>
+                  <p:par>
+                    <p:cTn id="3" fill="hold">
+                      <p:stCondLst>
+                        <p:cond delay="indefinite"/>
+                      </p:stCondLst>
+                      <p:childTnLst>
+                        <p:par>
+                          <p:cTn id="4" fill="hold">
+                            <p:stCondLst>
+                              <p:cond delay="0"/>
+                            </p:stCondLst>
+                            <p:childTnLst>
+                              <p:par>
+                                <p:cTn id="5" presetID="1" presetClass="entr" presetSubtype="0" fill="hold" grpId="0" nodeType="clickEffect">
+                                  <p:stCondLst>
+                                    <p:cond delay="0"/>
+                                  </p:stCondLst>
+                                  <p:childTnLst>
+                                    <p:set>
+                                      <p:cBhvr>
+                                        <p:cTn id="6" dur="1" fill="hold">
+                                          <p:stCondLst>
+                                            <p:cond delay="0"/>
+                                          </p:stCondLst>
+                                        </p:cTn>
+                                        <p:tgtEl>
+                                          <p:spTgt spid="4"/>
+                                        </p:tgtEl>
+                                        <p:attrNameLst>
+                                          <p:attrName>style.visibility</p:attrName>
+                                        </p:attrNameLst>
+                                      </p:cBhvr>
+                                      <p:to>
+                                        <p:strVal val="visible"/>
+                                      </p:to>
+                                    </p:set>
+                                  </p:childTnLst>
+                                </p:cTn>
+                              </p:par>
+                              <p:par>
+                                <p:cTn id="7" presetID="1" presetClass="entr" presetSubtype="0" fill="hold" grpId="0" nodeType="withEffect">
+                                  <p:stCondLst>
+                                    <p:cond delay="0"/>
+                                  </p:stCondLst>
+                                  <p:childTnLst>
+                                    <p:set>
+                                      <p:cBhvr>
+                                        <p:cTn id="8" dur="1" fill="hold">
+                                          <p:stCondLst>
+                                            <p:cond delay="0"/>
+                                          </p:stCondLst>
+                                        </p:cTn>
+                                        <p:tgtEl>
+                                          <p:spTgt spid="9"/>
+                                        </p:tgtEl>
+                                        <p:attrNameLst>
+                                          <p:attrName>style.visibility</p:attrName>
+                                        </p:attrNameLst>
+                                      </p:cBhvr>
+                                      <p:to>
+                                        <p:strVal val="visible"/>
+                                      </p:to>
+                                    </p:set>
+                                  </p:childTnLst>
+                                </p:cTn>
+                              </p:par>
+                              <p:par>
+                                <p:cTn id="9" presetID="1" presetClass="entr" presetSubtype="0" fill="hold" grpId="0" nodeType="withEffect">
+                                  <p:stCondLst>
+                                    <p:cond delay="0"/>
+                                  </p:stCondLst>
+                                  <p:childTnLst>
+                                    <p:set>
+                                      <p:cBhvr>
+                                        <p:cTn id="10" dur="1" fill="hold">
+                                          <p:stCondLst>
+                                            <p:cond delay="0"/>
+                                          </p:stCondLst>
+                                        </p:cTn>
+                                        <p:tgtEl>
+                                          <p:spTgt spid="6"/>
+                                        </p:tgtEl>
+                                        <p:attrNameLst>
+                                          <p:attrName>style.visibility</p:attrName>
+                                        </p:attrNameLst>
+                                      </p:cBhvr>
+                                      <p:to>
+                                        <p:strVal val="visible"/>
+                                      </p:to>
+                                    </p:set>
+                                  </p:childTnLst>
+                                </p:cTn>
+                              </p:par>
+                            </p:childTnLst>
+                          </p:cTn>
+                        </p:par>
+                      </p:childTnLst>
+                    </p:cTn>
+                  </p:par>
+                  <p:par>
+                    <p:cTn id="11" fill="hold">
+                      <p:stCondLst>
+                        <p:cond delay="indefinite"/>
+                      </p:stCondLst>
+                      <p:childTnLst>
+                        <p:par>
+                          <p:cTn id="12" fill="hold">
+                            <p:stCondLst>
+                              <p:cond delay="0"/>
+                            </p:stCondLst>
+                            <p:childTnLst>
+                              <p:par>
+                                <p:cTn id="13" presetID="1" presetClass="entr" presetSubtype="0" fill="hold" grpId="0" nodeType="clickEffect">
+                                  <p:stCondLst>
+                                    <p:cond delay="0"/>
+                                  </p:stCondLst>
+                                  <p:childTnLst>
+                                    <p:set>
+                                      <p:cBhvr>
+                                        <p:cTn id="14" dur="1" fill="hold">
+                                          <p:stCondLst>
+                                            <p:cond delay="0"/>
+                                          </p:stCondLst>
+                                        </p:cTn>
+                                        <p:tgtEl>
+                                          <p:spTgt spid="18"/>
+                                        </p:tgtEl>
+                                        <p:attrNameLst>
+                                          <p:attrName>style.visibility</p:attrName>
+                                        </p:attrNameLst>
+                                      </p:cBhvr>
+                                      <p:to>
+                                        <p:strVal val="visible"/>
+                                      </p:to>
+                                    </p:set>
+                                  </p:childTnLst>
+                                </p:cTn>
+                              </p:par>
+                            </p:childTnLst>
+                          </p:cTn>
+                        </p:par>
+                      </p:childTnLst>
+                    </p:cTn>
+                  </p:par>
+                  <p:par>
+                    <p:cTn id="15" fill="hold">
+                      <p:stCondLst>
+                        <p:cond delay="indefinite"/>
+                      </p:stCondLst>
+                      <p:childTnLst>
+                        <p:par>
+                          <p:cTn id="16" fill="hold">
+                            <p:stCondLst>
+                              <p:cond delay="0"/>
+                            </p:stCondLst>
+                            <p:childTnLst>
+                              <p:par>
+                                <p:cTn id="17" presetID="1" presetClass="entr" presetSubtype="0" fill="hold" nodeType="clickEffect">
+                                  <p:stCondLst>
+                                    <p:cond delay="0"/>
+                                  </p:stCondLst>
+                                  <p:childTnLst>
+                                    <p:set>
+                                      <p:cBhvr>
+                                        <p:cTn id="18" dur="1" fill="hold">
+                                          <p:stCondLst>
+                                            <p:cond delay="0"/>
+                                          </p:stCondLst>
+                                        </p:cTn>
+                                        <p:tgtEl>
+                                          <p:spTgt spid="16"/>
+                                        </p:tgtEl>
+                                        <p:attrNameLst>
+                                          <p:attrName>style.visibility</p:attrName>
+                                        </p:attrNameLst>
+                                      </p:cBhvr>
+                                      <p:to>
+                                        <p:strVal val="visible"/>
+                                      </p:to>
+                                    </p:set>
+                                  </p:childTnLst>
+                                </p:cTn>
+                              </p:par>
+                              <p:par>
+                                <p:cTn id="19" presetID="1" presetClass="entr" presetSubtype="0" fill="hold" grpId="0" nodeType="withEffect">
+                                  <p:stCondLst>
+                                    <p:cond delay="0"/>
+                                  </p:stCondLst>
+                                  <p:childTnLst>
+                                    <p:set>
+                                      <p:cBhvr>
+                                        <p:cTn id="20" dur="1" fill="hold">
+                                          <p:stCondLst>
+                                            <p:cond delay="0"/>
+                                          </p:stCondLst>
+                                        </p:cTn>
+                                        <p:tgtEl>
+                                          <p:spTgt spid="15"/>
+                                        </p:tgtEl>
+                                        <p:attrNameLst>
+                                          <p:attrName>style.visibility</p:attrName>
+                                        </p:attrNameLst>
+                                      </p:cBhvr>
+                                      <p:to>
+                                        <p:strVal val="visible"/>
+                                      </p:to>
+                                    </p:set>
+                                  </p:childTnLst>
+                                </p:cTn>
+                              </p:par>
+                              <p:par>
+                                <p:cTn id="21" presetID="1" presetClass="entr" presetSubtype="0" fill="hold" grpId="0" nodeType="withEffect">
+                                  <p:stCondLst>
+                                    <p:cond delay="0"/>
+                                  </p:stCondLst>
+                                  <p:childTnLst>
+                                    <p:set>
+                                      <p:cBhvr>
+                                        <p:cTn id="22" dur="1" fill="hold">
+                                          <p:stCondLst>
+                                            <p:cond delay="0"/>
+                                          </p:stCondLst>
+                                        </p:cTn>
+                                        <p:tgtEl>
+                                          <p:spTgt spid="19"/>
+                                        </p:tgtEl>
+                                        <p:attrNameLst>
+                                          <p:attrName>style.visibility</p:attrName>
+                                        </p:attrNameLst>
+                                      </p:cBhvr>
+                                      <p:to>
+                                        <p:strVal val="visible"/>
+                                      </p:to>
+                                    </p:set>
+                                  </p:childTnLst>
+                                </p:cTn>
+                              </p:par>
+                            </p:childTnLst>
+                          </p:cTn>
+                        </p:par>
+                      </p:childTnLst>
+                    </p:cTn>
+                  </p:par>
+                  <p:par>
+                    <p:cTn id="23" fill="hold">
+                      <p:stCondLst>
+                        <p:cond delay="indefinite"/>
+                      </p:stCondLst>
+                      <p:childTnLst>
+                        <p:par>
+                          <p:cTn id="24" fill="hold">
+                            <p:stCondLst>
+                              <p:cond delay="0"/>
+                            </p:stCondLst>
+                            <p:childTnLst>
+                              <p:par>
+                                <p:cTn id="25" presetID="1" presetClass="entr" presetSubtype="0" fill="hold" grpId="0" nodeType="clickEffect">
+                                  <p:stCondLst>
+                                    <p:cond delay="0"/>
+                                  </p:stCondLst>
+                                  <p:childTnLst>
+                                    <p:set>
+                                      <p:cBhvr>
+                                        <p:cTn id="26" dur="1" fill="hold">
+                                          <p:stCondLst>
+                                            <p:cond delay="0"/>
+                                          </p:stCondLst>
+                                        </p:cTn>
+                                        <p:tgtEl>
+                                          <p:spTgt spid="24"/>
+                                        </p:tgtEl>
+                                        <p:attrNameLst>
+                                          <p:attrName>style.visibility</p:attrName>
+                                        </p:attrNameLst>
+                                      </p:cBhvr>
+                                      <p:to>
+                                        <p:strVal val="visible"/>
+                                      </p:to>
+                                    </p:set>
+                                  </p:childTnLst>
+                                </p:cTn>
+                              </p:par>
+                              <p:par>
+                                <p:cTn id="27" presetID="1" presetClass="entr" presetSubtype="0" fill="hold" grpId="0" nodeType="withEffect">
+                                  <p:stCondLst>
+                                    <p:cond delay="0"/>
+                                  </p:stCondLst>
+                                  <p:childTnLst>
+                                    <p:set>
+                                      <p:cBhvr>
+                                        <p:cTn id="28" dur="1" fill="hold">
+                                          <p:stCondLst>
+                                            <p:cond delay="0"/>
+                                          </p:stCondLst>
+                                        </p:cTn>
+                                        <p:tgtEl>
+                                          <p:spTgt spid="22"/>
+                                        </p:tgtEl>
+                                        <p:attrNameLst>
+                                          <p:attrName>style.visibility</p:attrName>
+                                        </p:attrNameLst>
+                                      </p:cBhvr>
+                                      <p:to>
+                                        <p:strVal val="visible"/>
+                                      </p:to>
+                                    </p:set>
+                                  </p:childTnLst>
+                                </p:cTn>
+                              </p:par>
+                            </p:childTnLst>
+                          </p:cTn>
+                        </p:par>
+                      </p:childTnLst>
+                    </p:cTn>
+                  </p:par>
+                  <p:par>
+                    <p:cTn id="29" fill="hold">
+                      <p:stCondLst>
+                        <p:cond delay="indefinite"/>
+                      </p:stCondLst>
+                      <p:childTnLst>
+                        <p:par>
+                          <p:cTn id="30" fill="hold">
+                            <p:stCondLst>
+                              <p:cond delay="0"/>
+                            </p:stCondLst>
+                            <p:childTnLst>
+                              <p:par>
+                                <p:cTn id="31" presetID="1" presetClass="entr" presetSubtype="0" fill="hold" grpId="0" nodeType="clickEffect">
+                                  <p:stCondLst>
+                                    <p:cond delay="0"/>
+                                  </p:stCondLst>
+                                  <p:childTnLst>
+                                    <p:set>
+                                      <p:cBhvr>
+                                        <p:cTn id="32" dur="1" fill="hold">
+                                          <p:stCondLst>
+                                            <p:cond delay="0"/>
+                                          </p:stCondLst>
+                                        </p:cTn>
+                                        <p:tgtEl>
+                                          <p:spTgt spid="25"/>
+                                        </p:tgtEl>
+                                        <p:attrNameLst>
+                                          <p:attrName>style.visibility</p:attrName>
+                                        </p:attrNameLst>
+                                      </p:cBhvr>
+                                      <p:to>
+                                        <p:strVal val="visible"/>
+                                      </p:to>
+                                    </p:set>
+                                  </p:childTnLst>
+                                </p:cTn>
+                              </p:par>
+                            </p:childTnLst>
+                          </p:cTn>
+                        </p:par>
+                      </p:childTnLst>
+                    </p:cTn>
+                  </p:par>
+                  <p:par>
+                    <p:cTn id="33" fill="hold">
+                      <p:stCondLst>
+                        <p:cond delay="indefinite"/>
+                      </p:stCondLst>
+                      <p:childTnLst>
+                        <p:par>
+                          <p:cTn id="34" fill="hold">
+                            <p:stCondLst>
+                              <p:cond delay="0"/>
+                            </p:stCondLst>
+                            <p:childTnLst>
+                              <p:par>
+                                <p:cTn id="35" presetID="1" presetClass="entr" presetSubtype="0" fill="hold" nodeType="clickEffect">
+                                  <p:stCondLst>
+                                    <p:cond delay="0"/>
+                                  </p:stCondLst>
+                                  <p:childTnLst>
+                                    <p:set>
+                                      <p:cBhvr>
+                                        <p:cTn id="36" dur="1" fill="hold">
+                                          <p:stCondLst>
+                                            <p:cond delay="0"/>
+                                          </p:stCondLst>
+                                        </p:cTn>
+                                        <p:tgtEl>
+                                          <p:spTgt spid="31"/>
+                                        </p:tgtEl>
+                                        <p:attrNameLst>
+                                          <p:attrName>style.visibility</p:attrName>
+                                        </p:attrNameLst>
+                                      </p:cBhvr>
+                                      <p:to>
+                                        <p:strVal val="visible"/>
+                                      </p:to>
+                                    </p:set>
+                                  </p:childTnLst>
+                                </p:cTn>
+                              </p:par>
+                              <p:par>
+                                <p:cTn id="37" presetID="1" presetClass="entr" presetSubtype="0" fill="hold" grpId="0" nodeType="withEffect">
+                                  <p:stCondLst>
+                                    <p:cond delay="0"/>
+                                  </p:stCondLst>
+                                  <p:childTnLst>
+                                    <p:set>
+                                      <p:cBhvr>
+                                        <p:cTn id="38" dur="1" fill="hold">
+                                          <p:stCondLst>
+                                            <p:cond delay="0"/>
+                                          </p:stCondLst>
+                                        </p:cTn>
+                                        <p:tgtEl>
+                                          <p:spTgt spid="36"/>
+                                        </p:tgtEl>
+                                        <p:attrNameLst>
+                                          <p:attrName>style.visibility</p:attrName>
+                                        </p:attrNameLst>
+                                      </p:cBhvr>
+                                      <p:to>
+                                        <p:strVal val="visible"/>
+                                      </p:to>
+                                    </p:set>
+                                  </p:childTnLst>
+                                </p:cTn>
+                              </p:par>
+                              <p:par>
+                                <p:cTn id="39" presetID="1" presetClass="entr" presetSubtype="0" fill="hold" grpId="0" nodeType="withEffect">
+                                  <p:stCondLst>
+                                    <p:cond delay="0"/>
+                                  </p:stCondLst>
+                                  <p:childTnLst>
+                                    <p:set>
+                                      <p:cBhvr>
+                                        <p:cTn id="40" dur="1" fill="hold">
+                                          <p:stCondLst>
+                                            <p:cond delay="0"/>
+                                          </p:stCondLst>
+                                        </p:cTn>
+                                        <p:tgtEl>
+                                          <p:spTgt spid="37"/>
+                                        </p:tgtEl>
+                                        <p:attrNameLst>
+                                          <p:attrName>style.visibility</p:attrName>
+                                        </p:attrNameLst>
+                                      </p:cBhvr>
+                                      <p:to>
+                                        <p:strVal val="visible"/>
+                                      </p:to>
+                                    </p:set>
+                                  </p:childTnLst>
+                                </p:cTn>
+                              </p:par>
+                              <p:par>
+                                <p:cTn id="41" presetID="1" presetClass="entr" presetSubtype="0" fill="hold" grpId="0" nodeType="withEffect">
+                                  <p:stCondLst>
+                                    <p:cond delay="0"/>
+                                  </p:stCondLst>
+                                  <p:childTnLst>
+                                    <p:set>
+                                      <p:cBhvr>
+                                        <p:cTn id="42" dur="1" fill="hold">
+                                          <p:stCondLst>
+                                            <p:cond delay="0"/>
+                                          </p:stCondLst>
+                                        </p:cTn>
+                                        <p:tgtEl>
+                                          <p:spTgt spid="38"/>
+                                        </p:tgtEl>
+                                        <p:attrNameLst>
+                                          <p:attrName>style.visibility</p:attrName>
+                                        </p:attrNameLst>
+                                      </p:cBhvr>
+                                      <p:to>
+                                        <p:strVal val="visible"/>
+                                      </p:to>
+                                    </p:set>
+                                  </p:childTnLst>
+                                </p:cTn>
+                              </p:par>
+                              <p:par>
+                                <p:cTn id="43" presetID="1" presetClass="entr" presetSubtype="0" fill="hold" grpId="0" nodeType="withEffect">
+                                  <p:stCondLst>
+                                    <p:cond delay="0"/>
+                                  </p:stCondLst>
+                                  <p:childTnLst>
+                                    <p:set>
+                                      <p:cBhvr>
+                                        <p:cTn id="44" dur="1" fill="hold">
+                                          <p:stCondLst>
+                                            <p:cond delay="0"/>
+                                          </p:stCondLst>
+                                        </p:cTn>
+                                        <p:tgtEl>
+                                          <p:spTgt spid="5"/>
+                                        </p:tgtEl>
+                                        <p:attrNameLst>
+                                          <p:attrName>style.visibility</p:attrName>
+                                        </p:attrNameLst>
+                                      </p:cBhvr>
+                                      <p:to>
+                                        <p:strVal val="visible"/>
+                                      </p:to>
+                                    </p:set>
+                                  </p:childTnLst>
+                                </p:cTn>
+                              </p:par>
+                              <p:par>
+                                <p:cTn id="45" presetID="1" presetClass="entr" presetSubtype="0" fill="hold" grpId="0" nodeType="withEffect">
+                                  <p:stCondLst>
+                                    <p:cond delay="0"/>
+                                  </p:stCondLst>
+                                  <p:childTnLst>
+                                    <p:set>
+                                      <p:cBhvr>
+                                        <p:cTn id="46" dur="1" fill="hold">
+                                          <p:stCondLst>
+                                            <p:cond delay="0"/>
+                                          </p:stCondLst>
+                                        </p:cTn>
+                                        <p:tgtEl>
+                                          <p:spTgt spid="7"/>
+                                        </p:tgtEl>
+                                        <p:attrNameLst>
+                                          <p:attrName>style.visibility</p:attrName>
+                                        </p:attrNameLst>
+                                      </p:cBhvr>
+                                      <p:to>
+                                        <p:strVal val="visible"/>
+                                      </p:to>
+                                    </p:set>
+                                  </p:childTnLst>
+                                </p:cTn>
+                              </p:par>
+                            </p:childTnLst>
+                          </p:cTn>
+                        </p:par>
+                      </p:childTnLst>
+                    </p:cTn>
+                  </p:par>
+                  <p:par>
+                    <p:cTn id="47" fill="hold">
+                      <p:stCondLst>
+                        <p:cond delay="indefinite"/>
+                      </p:stCondLst>
+                      <p:childTnLst>
+                        <p:par>
+                          <p:cTn id="48" fill="hold">
+                            <p:stCondLst>
+                              <p:cond delay="0"/>
+                            </p:stCondLst>
+                            <p:childTnLst>
+                              <p:par>
+                                <p:cTn id="49" presetID="1" presetClass="entr" presetSubtype="0" fill="hold" nodeType="clickEffect">
+                                  <p:stCondLst>
+                                    <p:cond delay="0"/>
+                                  </p:stCondLst>
+                                  <p:childTnLst>
+                                    <p:set>
+                                      <p:cBhvr>
+                                        <p:cTn id="50" dur="1" fill="hold">
+                                          <p:stCondLst>
+                                            <p:cond delay="0"/>
+                                          </p:stCondLst>
+                                        </p:cTn>
+                                        <p:tgtEl>
+                                          <p:spTgt spid="34"/>
+                                        </p:tgtEl>
+                                        <p:attrNameLst>
+                                          <p:attrName>style.visibility</p:attrName>
+                                        </p:attrNameLst>
+                                      </p:cBhvr>
+                                      <p:to>
+                                        <p:strVal val="visible"/>
+                                      </p:to>
+                                    </p:set>
+                                  </p:childTnLst>
+                                </p:cTn>
+                              </p:par>
+                              <p:par>
+                                <p:cTn id="51" presetID="1" presetClass="entr" presetSubtype="0" fill="hold" grpId="0" nodeType="withEffect">
+                                  <p:stCondLst>
+                                    <p:cond delay="0"/>
+                                  </p:stCondLst>
+                                  <p:childTnLst>
+                                    <p:set>
+                                      <p:cBhvr>
+                                        <p:cTn id="52" dur="1" fill="hold">
+                                          <p:stCondLst>
+                                            <p:cond delay="0"/>
+                                          </p:stCondLst>
+                                        </p:cTn>
+                                        <p:tgtEl>
+                                          <p:spTgt spid="35"/>
+                                        </p:tgtEl>
+                                        <p:attrNameLst>
+                                          <p:attrName>style.visibility</p:attrName>
+                                        </p:attrNameLst>
+                                      </p:cBhvr>
+                                      <p:to>
+                                        <p:strVal val="visible"/>
+                                      </p:to>
+                                    </p:set>
+                                  </p:childTnLst>
+                                </p:cTn>
+                              </p:par>
+                              <p:par>
+                                <p:cTn id="53" presetID="1" presetClass="entr" presetSubtype="0" fill="hold" grpId="0" nodeType="withEffect">
+                                  <p:stCondLst>
+                                    <p:cond delay="0"/>
+                                  </p:stCondLst>
+                                  <p:childTnLst>
+                                    <p:set>
+                                      <p:cBhvr>
+                                        <p:cTn id="54" dur="1" fill="hold">
+                                          <p:stCondLst>
+                                            <p:cond delay="0"/>
+                                          </p:stCondLst>
+                                        </p:cTn>
+                                        <p:tgtEl>
+                                          <p:spTgt spid="39"/>
+                                        </p:tgtEl>
+                                        <p:attrNameLst>
+                                          <p:attrName>style.visibility</p:attrName>
+                                        </p:attrNameLst>
+                                      </p:cBhvr>
+                                      <p:to>
+                                        <p:strVal val="visible"/>
+                                      </p:to>
+                                    </p:set>
+                                  </p:childTnLst>
+                                </p:cTn>
+                              </p:par>
+                              <p:par>
+                                <p:cTn id="55" presetID="1" presetClass="entr" presetSubtype="0" fill="hold" grpId="0" nodeType="withEffect">
+                                  <p:stCondLst>
+                                    <p:cond delay="0"/>
+                                  </p:stCondLst>
+                                  <p:childTnLst>
+                                    <p:set>
+                                      <p:cBhvr>
+                                        <p:cTn id="56" dur="1" fill="hold">
+                                          <p:stCondLst>
+                                            <p:cond delay="0"/>
+                                          </p:stCondLst>
+                                        </p:cTn>
+                                        <p:tgtEl>
+                                          <p:spTgt spid="41"/>
+                                        </p:tgtEl>
+                                        <p:attrNameLst>
+                                          <p:attrName>style.visibility</p:attrName>
+                                        </p:attrNameLst>
+                                      </p:cBhvr>
+                                      <p:to>
+                                        <p:strVal val="visible"/>
+                                      </p:to>
+                                    </p:set>
+                                  </p:childTnLst>
+                                </p:cTn>
+                              </p:par>
+                              <p:par>
+                                <p:cTn id="57" presetID="1" presetClass="entr" presetSubtype="0" fill="hold" grpId="0" nodeType="withEffect">
+                                  <p:stCondLst>
+                                    <p:cond delay="0"/>
+                                  </p:stCondLst>
+                                  <p:childTnLst>
+                                    <p:set>
+                                      <p:cBhvr>
+                                        <p:cTn id="58" dur="1" fill="hold">
+                                          <p:stCondLst>
+                                            <p:cond delay="0"/>
+                                          </p:stCondLst>
+                                        </p:cTn>
+                                        <p:tgtEl>
+                                          <p:spTgt spid="42"/>
+                                        </p:tgtEl>
+                                        <p:attrNameLst>
+                                          <p:attrName>style.visibility</p:attrName>
+                                        </p:attrNameLst>
+                                      </p:cBhvr>
+                                      <p:to>
+                                        <p:strVal val="visible"/>
+                                      </p:to>
+                                    </p:set>
+                                  </p:childTnLst>
+                                </p:cTn>
+                              </p:par>
+                              <p:par>
+                                <p:cTn id="59" presetID="1" presetClass="entr" presetSubtype="0" fill="hold" nodeType="withEffect">
+                                  <p:stCondLst>
+                                    <p:cond delay="0"/>
+                                  </p:stCondLst>
+                                  <p:childTnLst>
+                                    <p:set>
+                                      <p:cBhvr>
+                                        <p:cTn id="60" dur="1" fill="hold">
+                                          <p:stCondLst>
+                                            <p:cond delay="0"/>
+                                          </p:stCondLst>
+                                        </p:cTn>
+                                        <p:tgtEl>
+                                          <p:spTgt spid="20"/>
+                                        </p:tgtEl>
+                                        <p:attrNameLst>
+                                          <p:attrName>style.visibility</p:attrName>
+                                        </p:attrNameLst>
+                                      </p:cBhvr>
+                                      <p:to>
+                                        <p:strVal val="visible"/>
+                                      </p:to>
+                                    </p:set>
+                                  </p:childTnLst>
+                                </p:cTn>
+                              </p:par>
+                              <p:par>
+                                <p:cTn id="61" presetID="1" presetClass="entr" presetSubtype="0" fill="hold" grpId="0" nodeType="withEffect">
+                                  <p:stCondLst>
+                                    <p:cond delay="0"/>
+                                  </p:stCondLst>
+                                  <p:childTnLst>
+                                    <p:set>
+                                      <p:cBhvr>
+                                        <p:cTn id="62" dur="1" fill="hold">
+                                          <p:stCondLst>
+                                            <p:cond delay="0"/>
+                                          </p:stCondLst>
+                                        </p:cTn>
+                                        <p:tgtEl>
+                                          <p:spTgt spid="8"/>
+                                        </p:tgtEl>
+                                        <p:attrNameLst>
+                                          <p:attrName>style.visibility</p:attrName>
+                                        </p:attrNameLst>
+                                      </p:cBhvr>
+                                      <p:to>
+                                        <p:strVal val="visible"/>
+                                      </p:to>
+                                    </p:set>
+                                  </p:childTnLst>
+                                </p:cTn>
+                              </p:par>
+                              <p:par>
+                                <p:cTn id="63" presetID="1" presetClass="entr" presetSubtype="0" fill="hold" grpId="0" nodeType="withEffect">
+                                  <p:stCondLst>
+                                    <p:cond delay="0"/>
+                                  </p:stCondLst>
+                                  <p:childTnLst>
+                                    <p:set>
+                                      <p:cBhvr>
+                                        <p:cTn id="64" dur="1" fill="hold">
+                                          <p:stCondLst>
+                                            <p:cond delay="0"/>
+                                          </p:stCondLst>
+                                        </p:cTn>
+                                        <p:tgtEl>
+                                          <p:spTgt spid="10"/>
+                                        </p:tgtEl>
+                                        <p:attrNameLst>
+                                          <p:attrName>style.visibility</p:attrName>
+                                        </p:attrNameLst>
+                                      </p:cBhvr>
+                                      <p:to>
+                                        <p:strVal val="visible"/>
+                                      </p:to>
+                                    </p:set>
+                                  </p:childTnLst>
+                                </p:cTn>
+                              </p:par>
+                            </p:childTnLst>
+                          </p:cTn>
+                        </p:par>
+                      </p:childTnLst>
+                    </p:cTn>
+                  </p:par>
+                </p:childTnLst>
+              </p:cTn>
+              <p:prevCondLst>
+                <p:cond evt="onPrev" delay="0">
+                  <p:tgtEl>
+                    <p:sldTgt/>
+                  </p:tgtEl>
+                </p:cond>
+              </p:prevCondLst>
+              <p:nextCondLst>
+                <p:cond evt="onNext" delay="0">
+                  <p:tgtEl>
+                    <p:sldTgt/>
+                  </p:tgtEl>
+                </p:cond>
+              </p:nextCondLst>
+            </p:seq>
+          </p:childTnLst>
+        </p:cTn>
+      </p:par>
+    </p:tnLst>
+    <p:bldLst>
+      <p:bldP spid="35" grpId="0"/>
+      <p:bldP spid="36" grpId="0"/>
+      <p:bldP spid="37" grpId="0"/>
+      <p:bldP spid="38" grpId="0"/>
+      <p:bldP spid="39" grpId="0"/>
+      <p:bldP spid="41" grpId="0"/>
+      <p:bldP spid="42" grpId="0"/>
+      <p:bldP spid="4" grpId="0"/>
+      <p:bldP spid="6" grpId="0"/>
+      <p:bldP spid="9" grpId="0" animBg="1"/>
+      <p:bldP spid="15" grpId="0"/>
+      <p:bldP spid="18" grpId="0"/>
+      <p:bldP spid="19" grpId="0"/>
+      <p:bldP spid="22" grpId="0"/>
+      <p:bldP spid="24" grpId="0"/>
+      <p:bldP spid="25" grpId="0"/>
+      <p:bldP spid="5" grpId="0"/>
+      <p:bldP spid="7" grpId="0"/>
+      <p:bldP spid="8" grpId="0"/>
+      <p:bldP spid="10" grpId="0"/>
+    </p:bldLst>
+  </p:timing>
 </p:sld>
 </file>
 
@@ -11059,8 +14764,8 @@
           </a:p>
         </p:txBody>
       </p:sp>
-      <mc:AlternateContent xmlns:mc="http://schemas.openxmlformats.org/markup-compatibility/2006">
-        <mc:Choice xmlns:a14="http://schemas.microsoft.com/office/drawing/2010/main" Requires="a14">
+      <mc:AlternateContent xmlns:mc="http://schemas.openxmlformats.org/markup-compatibility/2006" xmlns:a14="http://schemas.microsoft.com/office/drawing/2010/main">
+        <mc:Choice Requires="a14">
           <p:sp>
             <p:nvSpPr>
               <p:cNvPr id="5" name="TextBox 4">
@@ -11269,7 +14974,7 @@
             </p:txBody>
           </p:sp>
         </mc:Choice>
-        <mc:Fallback>
+        <mc:Fallback xmlns="">
           <p:sp>
             <p:nvSpPr>
               <p:cNvPr id="5" name="TextBox 4">
@@ -11314,8 +15019,8 @@
           </p:sp>
         </mc:Fallback>
       </mc:AlternateContent>
-      <mc:AlternateContent xmlns:mc="http://schemas.openxmlformats.org/markup-compatibility/2006">
-        <mc:Choice xmlns:a14="http://schemas.microsoft.com/office/drawing/2010/main" Requires="a14">
+      <mc:AlternateContent xmlns:mc="http://schemas.openxmlformats.org/markup-compatibility/2006" xmlns:a14="http://schemas.microsoft.com/office/drawing/2010/main">
+        <mc:Choice Requires="a14">
           <p:sp>
             <p:nvSpPr>
               <p:cNvPr id="7" name="TextBox 6">
@@ -11515,7 +15220,7 @@
             </p:txBody>
           </p:sp>
         </mc:Choice>
-        <mc:Fallback>
+        <mc:Fallback xmlns="">
           <p:sp>
             <p:nvSpPr>
               <p:cNvPr id="7" name="TextBox 6">
@@ -11560,8 +15265,8 @@
           </p:sp>
         </mc:Fallback>
       </mc:AlternateContent>
-      <mc:AlternateContent xmlns:mc="http://schemas.openxmlformats.org/markup-compatibility/2006">
-        <mc:Choice xmlns:a14="http://schemas.microsoft.com/office/drawing/2010/main" Requires="a14">
+      <mc:AlternateContent xmlns:mc="http://schemas.openxmlformats.org/markup-compatibility/2006" xmlns:a14="http://schemas.microsoft.com/office/drawing/2010/main">
+        <mc:Choice Requires="a14">
           <p:sp>
             <p:nvSpPr>
               <p:cNvPr id="11" name="TextBox 10">
@@ -11590,6 +15295,7 @@
               </a:bodyPr>
               <a:lstStyle/>
               <a:p>
+                <a:pPr/>
                 <a14:m>
                   <m:oMathPara xmlns:m="http://schemas.openxmlformats.org/officeDocument/2006/math">
                     <m:oMathParaPr>
@@ -11893,7 +15599,7 @@
             </p:txBody>
           </p:sp>
         </mc:Choice>
-        <mc:Fallback>
+        <mc:Fallback xmlns="">
           <p:sp>
             <p:nvSpPr>
               <p:cNvPr id="11" name="TextBox 10">
@@ -11938,8 +15644,8 @@
           </p:sp>
         </mc:Fallback>
       </mc:AlternateContent>
-      <mc:AlternateContent xmlns:mc="http://schemas.openxmlformats.org/markup-compatibility/2006">
-        <mc:Choice xmlns:a14="http://schemas.microsoft.com/office/drawing/2010/main" Requires="a14">
+      <mc:AlternateContent xmlns:mc="http://schemas.openxmlformats.org/markup-compatibility/2006" xmlns:a14="http://schemas.microsoft.com/office/drawing/2010/main">
+        <mc:Choice Requires="a14">
           <p:sp>
             <p:nvSpPr>
               <p:cNvPr id="12" name="TextBox 11">
@@ -11968,6 +15674,7 @@
               </a:bodyPr>
               <a:lstStyle/>
               <a:p>
+                <a:pPr/>
                 <a14:m>
                   <m:oMathPara xmlns:m="http://schemas.openxmlformats.org/officeDocument/2006/math">
                     <m:oMathParaPr>
@@ -12140,16 +15847,7 @@
                                     </a:solidFill>
                                     <a:latin typeface="Cambria Math" panose="02040503050406030204" pitchFamily="18" charset="0"/>
                                   </a:rPr>
-                                  <m:t>−</m:t>
-                                </m:r>
-                                <m:r>
-                                  <a:rPr lang="en-GB" b="0" i="1" smtClean="0">
-                                    <a:solidFill>
-                                      <a:schemeClr val="bg2"/>
-                                    </a:solidFill>
-                                    <a:latin typeface="Cambria Math" panose="02040503050406030204" pitchFamily="18" charset="0"/>
-                                  </a:rPr>
-                                  <m:t>1</m:t>
+                                  <m:t>−1</m:t>
                                 </m:r>
                               </m:e>
                             </m:mr>
@@ -12280,7 +15978,7 @@
             </p:txBody>
           </p:sp>
         </mc:Choice>
-        <mc:Fallback>
+        <mc:Fallback xmlns="">
           <p:sp>
             <p:nvSpPr>
               <p:cNvPr id="12" name="TextBox 11">
@@ -12325,8 +16023,8 @@
           </p:sp>
         </mc:Fallback>
       </mc:AlternateContent>
-      <mc:AlternateContent xmlns:mc="http://schemas.openxmlformats.org/markup-compatibility/2006">
-        <mc:Choice xmlns:a14="http://schemas.microsoft.com/office/drawing/2010/main" Requires="a14">
+      <mc:AlternateContent xmlns:mc="http://schemas.openxmlformats.org/markup-compatibility/2006" xmlns:a14="http://schemas.microsoft.com/office/drawing/2010/main">
+        <mc:Choice Requires="a14">
           <p:sp>
             <p:nvSpPr>
               <p:cNvPr id="14" name="TextBox 13">
@@ -12553,7 +16251,7 @@
             </p:txBody>
           </p:sp>
         </mc:Choice>
-        <mc:Fallback>
+        <mc:Fallback xmlns="">
           <p:sp>
             <p:nvSpPr>
               <p:cNvPr id="14" name="TextBox 13">
@@ -12598,8 +16296,8 @@
           </p:sp>
         </mc:Fallback>
       </mc:AlternateContent>
-      <mc:AlternateContent xmlns:mc="http://schemas.openxmlformats.org/markup-compatibility/2006">
-        <mc:Choice xmlns:a14="http://schemas.microsoft.com/office/drawing/2010/main" Requires="a14">
+      <mc:AlternateContent xmlns:mc="http://schemas.openxmlformats.org/markup-compatibility/2006" xmlns:a14="http://schemas.microsoft.com/office/drawing/2010/main">
+        <mc:Choice Requires="a14">
           <p:sp>
             <p:nvSpPr>
               <p:cNvPr id="17" name="TextBox 16">
@@ -12799,7 +16497,7 @@
             </p:txBody>
           </p:sp>
         </mc:Choice>
-        <mc:Fallback>
+        <mc:Fallback xmlns="">
           <p:sp>
             <p:nvSpPr>
               <p:cNvPr id="17" name="TextBox 16">
@@ -12844,8 +16542,8 @@
           </p:sp>
         </mc:Fallback>
       </mc:AlternateContent>
-      <mc:AlternateContent xmlns:mc="http://schemas.openxmlformats.org/markup-compatibility/2006">
-        <mc:Choice xmlns:a14="http://schemas.microsoft.com/office/drawing/2010/main" Requires="a14">
+      <mc:AlternateContent xmlns:mc="http://schemas.openxmlformats.org/markup-compatibility/2006" xmlns:a14="http://schemas.microsoft.com/office/drawing/2010/main">
+        <mc:Choice Requires="a14">
           <p:sp>
             <p:nvSpPr>
               <p:cNvPr id="24" name="TextBox 23">
@@ -12874,6 +16572,7 @@
               </a:bodyPr>
               <a:lstStyle/>
               <a:p>
+                <a:pPr/>
                 <a14:m>
                   <m:oMathPara xmlns:m="http://schemas.openxmlformats.org/officeDocument/2006/math">
                     <m:oMathParaPr>
@@ -13047,7 +16746,7 @@
             </p:txBody>
           </p:sp>
         </mc:Choice>
-        <mc:Fallback>
+        <mc:Fallback xmlns="">
           <p:sp>
             <p:nvSpPr>
               <p:cNvPr id="24" name="TextBox 23">
@@ -13135,8 +16834,8 @@
           </a:fontRef>
         </p:style>
       </p:cxnSp>
-      <mc:AlternateContent xmlns:mc="http://schemas.openxmlformats.org/markup-compatibility/2006">
-        <mc:Choice xmlns:a14="http://schemas.microsoft.com/office/drawing/2010/main" Requires="a14">
+      <mc:AlternateContent xmlns:mc="http://schemas.openxmlformats.org/markup-compatibility/2006" xmlns:a14="http://schemas.microsoft.com/office/drawing/2010/main">
+        <mc:Choice Requires="a14">
           <p:sp>
             <p:nvSpPr>
               <p:cNvPr id="28" name="TextBox 27">
@@ -13165,6 +16864,7 @@
               </a:bodyPr>
               <a:lstStyle/>
               <a:p>
+                <a:pPr/>
                 <a14:m>
                   <m:oMathPara xmlns:m="http://schemas.openxmlformats.org/officeDocument/2006/math">
                     <m:oMathParaPr>
@@ -13192,7 +16892,7 @@
             </p:txBody>
           </p:sp>
         </mc:Choice>
-        <mc:Fallback>
+        <mc:Fallback xmlns="">
           <p:sp>
             <p:nvSpPr>
               <p:cNvPr id="28" name="TextBox 27">
@@ -13253,7 +16953,7 @@
             </p:nvSpPr>
             <p:spPr>
               <a:xfrm>
-                <a:off x="4764049" y="4229129"/>
+                <a:off x="4552740" y="4121184"/>
                 <a:ext cx="2115259" cy="637995"/>
               </a:xfrm>
               <a:prstGeom prst="rect">
@@ -13267,6 +16967,7 @@
               </a:bodyPr>
               <a:lstStyle/>
               <a:p>
+                <a:pPr/>
                 <a14:m>
                   <m:oMathPara xmlns:m="http://schemas.openxmlformats.org/officeDocument/2006/math">
                     <m:oMathParaPr>
@@ -13430,7 +17131,7 @@
             </p:nvSpPr>
             <p:spPr>
               <a:xfrm>
-                <a:off x="4764049" y="4229129"/>
+                <a:off x="4552740" y="4121184"/>
                 <a:ext cx="2115259" cy="637995"/>
               </a:xfrm>
               <a:prstGeom prst="rect">
@@ -13474,7 +17175,7 @@
             </p:nvSpPr>
             <p:spPr>
               <a:xfrm>
-                <a:off x="4212391" y="4937240"/>
+                <a:off x="4042326" y="5037507"/>
                 <a:ext cx="3218573" cy="723083"/>
               </a:xfrm>
               <a:prstGeom prst="rect">
@@ -13488,6 +17189,7 @@
               </a:bodyPr>
               <a:lstStyle/>
               <a:p>
+                <a:pPr/>
                 <a14:m>
                   <m:oMathPara xmlns:m="http://schemas.openxmlformats.org/officeDocument/2006/math">
                     <m:oMathParaPr>
@@ -13660,7 +17362,7 @@
             </p:nvSpPr>
             <p:spPr>
               <a:xfrm>
-                <a:off x="4212391" y="4937240"/>
+                <a:off x="4042326" y="5037507"/>
                 <a:ext cx="3218573" cy="723083"/>
               </a:xfrm>
               <a:prstGeom prst="rect">
@@ -13704,7 +17406,7 @@
             </p:nvSpPr>
             <p:spPr>
               <a:xfrm>
-                <a:off x="6879308" y="4968248"/>
+                <a:off x="6861325" y="5058089"/>
                 <a:ext cx="2184188" cy="681918"/>
               </a:xfrm>
               <a:prstGeom prst="rect">
@@ -13718,6 +17420,7 @@
               </a:bodyPr>
               <a:lstStyle/>
               <a:p>
+                <a:pPr/>
                 <a14:m>
                   <m:oMathPara xmlns:m="http://schemas.openxmlformats.org/officeDocument/2006/math">
                     <m:oMathParaPr>
@@ -13986,7 +17689,7 @@
             </p:nvSpPr>
             <p:spPr>
               <a:xfrm>
-                <a:off x="6879308" y="4968248"/>
+                <a:off x="6861325" y="5058089"/>
                 <a:ext cx="2184188" cy="681918"/>
               </a:xfrm>
               <a:prstGeom prst="rect">
@@ -14105,6 +17808,100 @@
           </a:p>
         </p:txBody>
       </p:sp>
+      <p:sp>
+        <p:nvSpPr>
+          <p:cNvPr id="3" name="TextBox 2">
+            <a:extLst>
+              <a:ext uri="{FF2B5EF4-FFF2-40B4-BE49-F238E27FC236}">
+                <a16:creationId xmlns:a16="http://schemas.microsoft.com/office/drawing/2014/main" id="{371DC0FF-7717-471B-DDEC-EF87636CF6C2}"/>
+              </a:ext>
+            </a:extLst>
+          </p:cNvPr>
+          <p:cNvSpPr txBox="1"/>
+          <p:nvPr/>
+        </p:nvSpPr>
+        <p:spPr>
+          <a:xfrm>
+            <a:off x="1877452" y="4766524"/>
+            <a:ext cx="2225289" cy="307777"/>
+          </a:xfrm>
+          <a:prstGeom prst="rect">
+            <a:avLst/>
+          </a:prstGeom>
+          <a:noFill/>
+        </p:spPr>
+        <p:txBody>
+          <a:bodyPr wrap="none" rtlCol="0">
+            <a:spAutoFit/>
+          </a:bodyPr>
+          <a:lstStyle/>
+          <a:p>
+            <a:r>
+              <a:rPr lang="en-US" sz="1400" dirty="0">
+                <a:solidFill>
+                  <a:schemeClr val="bg2"/>
+                </a:solidFill>
+                <a:latin typeface="MesloLGS NF" panose="020B0609030804020204" pitchFamily="49" charset="0"/>
+                <a:ea typeface="MesloLGS NF" panose="020B0609030804020204" pitchFamily="49" charset="0"/>
+                <a:cs typeface="MesloLGS NF" panose="020B0609030804020204" pitchFamily="49" charset="0"/>
+              </a:rPr>
+              <a:t>Thermal relaxation:</a:t>
+            </a:r>
+          </a:p>
+        </p:txBody>
+      </p:sp>
+      <p:sp>
+        <p:nvSpPr>
+          <p:cNvPr id="4" name="Left Brace 3">
+            <a:extLst>
+              <a:ext uri="{FF2B5EF4-FFF2-40B4-BE49-F238E27FC236}">
+                <a16:creationId xmlns:a16="http://schemas.microsoft.com/office/drawing/2014/main" id="{334B1206-B7E8-65EF-6C21-9450D2F6542F}"/>
+              </a:ext>
+            </a:extLst>
+          </p:cNvPr>
+          <p:cNvSpPr/>
+          <p:nvPr/>
+        </p:nvSpPr>
+        <p:spPr>
+          <a:xfrm>
+            <a:off x="4183582" y="4440182"/>
+            <a:ext cx="157850" cy="958867"/>
+          </a:xfrm>
+          <a:prstGeom prst="leftBrace">
+            <a:avLst>
+              <a:gd name="adj1" fmla="val 57930"/>
+              <a:gd name="adj2" fmla="val 50943"/>
+            </a:avLst>
+          </a:prstGeom>
+          <a:ln w="19050">
+            <a:solidFill>
+              <a:schemeClr val="accent4"/>
+            </a:solidFill>
+          </a:ln>
+        </p:spPr>
+        <p:style>
+          <a:lnRef idx="1">
+            <a:schemeClr val="accent1"/>
+          </a:lnRef>
+          <a:fillRef idx="0">
+            <a:schemeClr val="accent1"/>
+          </a:fillRef>
+          <a:effectRef idx="0">
+            <a:schemeClr val="accent1"/>
+          </a:effectRef>
+          <a:fontRef idx="minor">
+            <a:schemeClr val="tx1"/>
+          </a:fontRef>
+        </p:style>
+        <p:txBody>
+          <a:bodyPr rtlCol="0" anchor="ctr"/>
+          <a:lstStyle/>
+          <a:p>
+            <a:pPr algn="ctr"/>
+            <a:endParaRPr lang="en-US"/>
+          </a:p>
+        </p:txBody>
+      </p:sp>
     </p:spTree>
     <p:extLst>
       <p:ext uri="{BB962C8B-B14F-4D97-AF65-F5344CB8AC3E}">
@@ -14115,6 +17912,529 @@
   <p:clrMapOvr>
     <a:masterClrMapping/>
   </p:clrMapOvr>
+  <p:timing>
+    <p:tnLst>
+      <p:par>
+        <p:cTn id="1" dur="indefinite" restart="never" nodeType="tmRoot">
+          <p:childTnLst>
+            <p:seq concurrent="1" nextAc="seek">
+              <p:cTn id="2" dur="indefinite" nodeType="mainSeq">
+                <p:childTnLst>
+                  <p:par>
+                    <p:cTn id="3" fill="hold">
+                      <p:stCondLst>
+                        <p:cond delay="indefinite"/>
+                      </p:stCondLst>
+                      <p:childTnLst>
+                        <p:par>
+                          <p:cTn id="4" fill="hold">
+                            <p:stCondLst>
+                              <p:cond delay="0"/>
+                            </p:stCondLst>
+                            <p:childTnLst>
+                              <p:par>
+                                <p:cTn id="5" presetID="1" presetClass="entr" presetSubtype="0" fill="hold" grpId="0" nodeType="clickEffect">
+                                  <p:stCondLst>
+                                    <p:cond delay="0"/>
+                                  </p:stCondLst>
+                                  <p:childTnLst>
+                                    <p:set>
+                                      <p:cBhvr>
+                                        <p:cTn id="6" dur="1" fill="hold">
+                                          <p:stCondLst>
+                                            <p:cond delay="0"/>
+                                          </p:stCondLst>
+                                        </p:cTn>
+                                        <p:tgtEl>
+                                          <p:spTgt spid="11"/>
+                                        </p:tgtEl>
+                                        <p:attrNameLst>
+                                          <p:attrName>style.visibility</p:attrName>
+                                        </p:attrNameLst>
+                                      </p:cBhvr>
+                                      <p:to>
+                                        <p:strVal val="visible"/>
+                                      </p:to>
+                                    </p:set>
+                                  </p:childTnLst>
+                                </p:cTn>
+                              </p:par>
+                              <p:par>
+                                <p:cTn id="7" presetID="1" presetClass="entr" presetSubtype="0" fill="hold" grpId="0" nodeType="withEffect">
+                                  <p:stCondLst>
+                                    <p:cond delay="0"/>
+                                  </p:stCondLst>
+                                  <p:childTnLst>
+                                    <p:set>
+                                      <p:cBhvr>
+                                        <p:cTn id="8" dur="1" fill="hold">
+                                          <p:stCondLst>
+                                            <p:cond delay="0"/>
+                                          </p:stCondLst>
+                                        </p:cTn>
+                                        <p:tgtEl>
+                                          <p:spTgt spid="12"/>
+                                        </p:tgtEl>
+                                        <p:attrNameLst>
+                                          <p:attrName>style.visibility</p:attrName>
+                                        </p:attrNameLst>
+                                      </p:cBhvr>
+                                      <p:to>
+                                        <p:strVal val="visible"/>
+                                      </p:to>
+                                    </p:set>
+                                  </p:childTnLst>
+                                </p:cTn>
+                              </p:par>
+                            </p:childTnLst>
+                          </p:cTn>
+                        </p:par>
+                      </p:childTnLst>
+                    </p:cTn>
+                  </p:par>
+                  <p:par>
+                    <p:cTn id="9" fill="hold">
+                      <p:stCondLst>
+                        <p:cond delay="indefinite"/>
+                      </p:stCondLst>
+                      <p:childTnLst>
+                        <p:par>
+                          <p:cTn id="10" fill="hold">
+                            <p:stCondLst>
+                              <p:cond delay="0"/>
+                            </p:stCondLst>
+                            <p:childTnLst>
+                              <p:par>
+                                <p:cTn id="11" presetID="1" presetClass="entr" presetSubtype="0" fill="hold" grpId="0" nodeType="clickEffect">
+                                  <p:stCondLst>
+                                    <p:cond delay="0"/>
+                                  </p:stCondLst>
+                                  <p:childTnLst>
+                                    <p:set>
+                                      <p:cBhvr>
+                                        <p:cTn id="12" dur="1" fill="hold">
+                                          <p:stCondLst>
+                                            <p:cond delay="0"/>
+                                          </p:stCondLst>
+                                        </p:cTn>
+                                        <p:tgtEl>
+                                          <p:spTgt spid="5"/>
+                                        </p:tgtEl>
+                                        <p:attrNameLst>
+                                          <p:attrName>style.visibility</p:attrName>
+                                        </p:attrNameLst>
+                                      </p:cBhvr>
+                                      <p:to>
+                                        <p:strVal val="visible"/>
+                                      </p:to>
+                                    </p:set>
+                                  </p:childTnLst>
+                                </p:cTn>
+                              </p:par>
+                              <p:par>
+                                <p:cTn id="13" presetID="1" presetClass="entr" presetSubtype="0" fill="hold" grpId="0" nodeType="withEffect">
+                                  <p:stCondLst>
+                                    <p:cond delay="0"/>
+                                  </p:stCondLst>
+                                  <p:childTnLst>
+                                    <p:set>
+                                      <p:cBhvr>
+                                        <p:cTn id="14" dur="1" fill="hold">
+                                          <p:stCondLst>
+                                            <p:cond delay="0"/>
+                                          </p:stCondLst>
+                                        </p:cTn>
+                                        <p:tgtEl>
+                                          <p:spTgt spid="7"/>
+                                        </p:tgtEl>
+                                        <p:attrNameLst>
+                                          <p:attrName>style.visibility</p:attrName>
+                                        </p:attrNameLst>
+                                      </p:cBhvr>
+                                      <p:to>
+                                        <p:strVal val="visible"/>
+                                      </p:to>
+                                    </p:set>
+                                  </p:childTnLst>
+                                </p:cTn>
+                              </p:par>
+                            </p:childTnLst>
+                          </p:cTn>
+                        </p:par>
+                      </p:childTnLst>
+                    </p:cTn>
+                  </p:par>
+                  <p:par>
+                    <p:cTn id="15" fill="hold">
+                      <p:stCondLst>
+                        <p:cond delay="indefinite"/>
+                      </p:stCondLst>
+                      <p:childTnLst>
+                        <p:par>
+                          <p:cTn id="16" fill="hold">
+                            <p:stCondLst>
+                              <p:cond delay="0"/>
+                            </p:stCondLst>
+                            <p:childTnLst>
+                              <p:par>
+                                <p:cTn id="17" presetID="1" presetClass="entr" presetSubtype="0" fill="hold" grpId="0" nodeType="clickEffect">
+                                  <p:stCondLst>
+                                    <p:cond delay="0"/>
+                                  </p:stCondLst>
+                                  <p:childTnLst>
+                                    <p:set>
+                                      <p:cBhvr>
+                                        <p:cTn id="18" dur="1" fill="hold">
+                                          <p:stCondLst>
+                                            <p:cond delay="0"/>
+                                          </p:stCondLst>
+                                        </p:cTn>
+                                        <p:tgtEl>
+                                          <p:spTgt spid="28"/>
+                                        </p:tgtEl>
+                                        <p:attrNameLst>
+                                          <p:attrName>style.visibility</p:attrName>
+                                        </p:attrNameLst>
+                                      </p:cBhvr>
+                                      <p:to>
+                                        <p:strVal val="visible"/>
+                                      </p:to>
+                                    </p:set>
+                                  </p:childTnLst>
+                                </p:cTn>
+                              </p:par>
+                              <p:par>
+                                <p:cTn id="19" presetID="1" presetClass="entr" presetSubtype="0" fill="hold" nodeType="withEffect">
+                                  <p:stCondLst>
+                                    <p:cond delay="0"/>
+                                  </p:stCondLst>
+                                  <p:childTnLst>
+                                    <p:set>
+                                      <p:cBhvr>
+                                        <p:cTn id="20" dur="1" fill="hold">
+                                          <p:stCondLst>
+                                            <p:cond delay="0"/>
+                                          </p:stCondLst>
+                                        </p:cTn>
+                                        <p:tgtEl>
+                                          <p:spTgt spid="26"/>
+                                        </p:tgtEl>
+                                        <p:attrNameLst>
+                                          <p:attrName>style.visibility</p:attrName>
+                                        </p:attrNameLst>
+                                      </p:cBhvr>
+                                      <p:to>
+                                        <p:strVal val="visible"/>
+                                      </p:to>
+                                    </p:set>
+                                  </p:childTnLst>
+                                </p:cTn>
+                              </p:par>
+                              <p:par>
+                                <p:cTn id="21" presetID="1" presetClass="entr" presetSubtype="0" fill="hold" grpId="0" nodeType="withEffect">
+                                  <p:stCondLst>
+                                    <p:cond delay="0"/>
+                                  </p:stCondLst>
+                                  <p:childTnLst>
+                                    <p:set>
+                                      <p:cBhvr>
+                                        <p:cTn id="22" dur="1" fill="hold">
+                                          <p:stCondLst>
+                                            <p:cond delay="0"/>
+                                          </p:stCondLst>
+                                        </p:cTn>
+                                        <p:tgtEl>
+                                          <p:spTgt spid="14"/>
+                                        </p:tgtEl>
+                                        <p:attrNameLst>
+                                          <p:attrName>style.visibility</p:attrName>
+                                        </p:attrNameLst>
+                                      </p:cBhvr>
+                                      <p:to>
+                                        <p:strVal val="visible"/>
+                                      </p:to>
+                                    </p:set>
+                                  </p:childTnLst>
+                                </p:cTn>
+                              </p:par>
+                              <p:par>
+                                <p:cTn id="23" presetID="1" presetClass="entr" presetSubtype="0" fill="hold" grpId="0" nodeType="withEffect">
+                                  <p:stCondLst>
+                                    <p:cond delay="0"/>
+                                  </p:stCondLst>
+                                  <p:childTnLst>
+                                    <p:set>
+                                      <p:cBhvr>
+                                        <p:cTn id="24" dur="1" fill="hold">
+                                          <p:stCondLst>
+                                            <p:cond delay="0"/>
+                                          </p:stCondLst>
+                                        </p:cTn>
+                                        <p:tgtEl>
+                                          <p:spTgt spid="24"/>
+                                        </p:tgtEl>
+                                        <p:attrNameLst>
+                                          <p:attrName>style.visibility</p:attrName>
+                                        </p:attrNameLst>
+                                      </p:cBhvr>
+                                      <p:to>
+                                        <p:strVal val="visible"/>
+                                      </p:to>
+                                    </p:set>
+                                  </p:childTnLst>
+                                </p:cTn>
+                              </p:par>
+                              <p:par>
+                                <p:cTn id="25" presetID="1" presetClass="entr" presetSubtype="0" fill="hold" grpId="0" nodeType="withEffect">
+                                  <p:stCondLst>
+                                    <p:cond delay="0"/>
+                                  </p:stCondLst>
+                                  <p:childTnLst>
+                                    <p:set>
+                                      <p:cBhvr>
+                                        <p:cTn id="26" dur="1" fill="hold">
+                                          <p:stCondLst>
+                                            <p:cond delay="0"/>
+                                          </p:stCondLst>
+                                        </p:cTn>
+                                        <p:tgtEl>
+                                          <p:spTgt spid="17"/>
+                                        </p:tgtEl>
+                                        <p:attrNameLst>
+                                          <p:attrName>style.visibility</p:attrName>
+                                        </p:attrNameLst>
+                                      </p:cBhvr>
+                                      <p:to>
+                                        <p:strVal val="visible"/>
+                                      </p:to>
+                                    </p:set>
+                                  </p:childTnLst>
+                                </p:cTn>
+                              </p:par>
+                            </p:childTnLst>
+                          </p:cTn>
+                        </p:par>
+                      </p:childTnLst>
+                    </p:cTn>
+                  </p:par>
+                  <p:par>
+                    <p:cTn id="27" fill="hold">
+                      <p:stCondLst>
+                        <p:cond delay="indefinite"/>
+                      </p:stCondLst>
+                      <p:childTnLst>
+                        <p:par>
+                          <p:cTn id="28" fill="hold">
+                            <p:stCondLst>
+                              <p:cond delay="0"/>
+                            </p:stCondLst>
+                            <p:childTnLst>
+                              <p:par>
+                                <p:cTn id="29" presetID="1" presetClass="entr" presetSubtype="0" fill="hold" grpId="0" nodeType="clickEffect">
+                                  <p:stCondLst>
+                                    <p:cond delay="0"/>
+                                  </p:stCondLst>
+                                  <p:childTnLst>
+                                    <p:set>
+                                      <p:cBhvr>
+                                        <p:cTn id="30" dur="1" fill="hold">
+                                          <p:stCondLst>
+                                            <p:cond delay="0"/>
+                                          </p:stCondLst>
+                                        </p:cTn>
+                                        <p:tgtEl>
+                                          <p:spTgt spid="29"/>
+                                        </p:tgtEl>
+                                        <p:attrNameLst>
+                                          <p:attrName>style.visibility</p:attrName>
+                                        </p:attrNameLst>
+                                      </p:cBhvr>
+                                      <p:to>
+                                        <p:strVal val="visible"/>
+                                      </p:to>
+                                    </p:set>
+                                  </p:childTnLst>
+                                </p:cTn>
+                              </p:par>
+                              <p:par>
+                                <p:cTn id="31" presetID="1" presetClass="entr" presetSubtype="0" fill="hold" grpId="0" nodeType="withEffect">
+                                  <p:stCondLst>
+                                    <p:cond delay="0"/>
+                                  </p:stCondLst>
+                                  <p:childTnLst>
+                                    <p:set>
+                                      <p:cBhvr>
+                                        <p:cTn id="32" dur="1" fill="hold">
+                                          <p:stCondLst>
+                                            <p:cond delay="0"/>
+                                          </p:stCondLst>
+                                        </p:cTn>
+                                        <p:tgtEl>
+                                          <p:spTgt spid="4"/>
+                                        </p:tgtEl>
+                                        <p:attrNameLst>
+                                          <p:attrName>style.visibility</p:attrName>
+                                        </p:attrNameLst>
+                                      </p:cBhvr>
+                                      <p:to>
+                                        <p:strVal val="visible"/>
+                                      </p:to>
+                                    </p:set>
+                                  </p:childTnLst>
+                                </p:cTn>
+                              </p:par>
+                              <p:par>
+                                <p:cTn id="33" presetID="1" presetClass="entr" presetSubtype="0" fill="hold" grpId="0" nodeType="withEffect">
+                                  <p:stCondLst>
+                                    <p:cond delay="0"/>
+                                  </p:stCondLst>
+                                  <p:childTnLst>
+                                    <p:set>
+                                      <p:cBhvr>
+                                        <p:cTn id="34" dur="1" fill="hold">
+                                          <p:stCondLst>
+                                            <p:cond delay="0"/>
+                                          </p:stCondLst>
+                                        </p:cTn>
+                                        <p:tgtEl>
+                                          <p:spTgt spid="30"/>
+                                        </p:tgtEl>
+                                        <p:attrNameLst>
+                                          <p:attrName>style.visibility</p:attrName>
+                                        </p:attrNameLst>
+                                      </p:cBhvr>
+                                      <p:to>
+                                        <p:strVal val="visible"/>
+                                      </p:to>
+                                    </p:set>
+                                  </p:childTnLst>
+                                </p:cTn>
+                              </p:par>
+                              <p:par>
+                                <p:cTn id="35" presetID="1" presetClass="entr" presetSubtype="0" fill="hold" grpId="0" nodeType="withEffect">
+                                  <p:stCondLst>
+                                    <p:cond delay="0"/>
+                                  </p:stCondLst>
+                                  <p:childTnLst>
+                                    <p:set>
+                                      <p:cBhvr>
+                                        <p:cTn id="36" dur="1" fill="hold">
+                                          <p:stCondLst>
+                                            <p:cond delay="0"/>
+                                          </p:stCondLst>
+                                        </p:cTn>
+                                        <p:tgtEl>
+                                          <p:spTgt spid="32"/>
+                                        </p:tgtEl>
+                                        <p:attrNameLst>
+                                          <p:attrName>style.visibility</p:attrName>
+                                        </p:attrNameLst>
+                                      </p:cBhvr>
+                                      <p:to>
+                                        <p:strVal val="visible"/>
+                                      </p:to>
+                                    </p:set>
+                                  </p:childTnLst>
+                                </p:cTn>
+                              </p:par>
+                              <p:par>
+                                <p:cTn id="37" presetID="1" presetClass="entr" presetSubtype="0" fill="hold" grpId="0" nodeType="withEffect">
+                                  <p:stCondLst>
+                                    <p:cond delay="0"/>
+                                  </p:stCondLst>
+                                  <p:childTnLst>
+                                    <p:set>
+                                      <p:cBhvr>
+                                        <p:cTn id="38" dur="1" fill="hold">
+                                          <p:stCondLst>
+                                            <p:cond delay="0"/>
+                                          </p:stCondLst>
+                                        </p:cTn>
+                                        <p:tgtEl>
+                                          <p:spTgt spid="3"/>
+                                        </p:tgtEl>
+                                        <p:attrNameLst>
+                                          <p:attrName>style.visibility</p:attrName>
+                                        </p:attrNameLst>
+                                      </p:cBhvr>
+                                      <p:to>
+                                        <p:strVal val="visible"/>
+                                      </p:to>
+                                    </p:set>
+                                  </p:childTnLst>
+                                </p:cTn>
+                              </p:par>
+                              <p:par>
+                                <p:cTn id="39" presetID="1" presetClass="entr" presetSubtype="0" fill="hold" grpId="1" nodeType="withEffect">
+                                  <p:stCondLst>
+                                    <p:cond delay="0"/>
+                                  </p:stCondLst>
+                                  <p:childTnLst>
+                                    <p:set>
+                                      <p:cBhvr>
+                                        <p:cTn id="40" dur="1" fill="hold">
+                                          <p:stCondLst>
+                                            <p:cond delay="0"/>
+                                          </p:stCondLst>
+                                        </p:cTn>
+                                        <p:tgtEl>
+                                          <p:spTgt spid="4"/>
+                                        </p:tgtEl>
+                                        <p:attrNameLst>
+                                          <p:attrName>style.visibility</p:attrName>
+                                        </p:attrNameLst>
+                                      </p:cBhvr>
+                                      <p:to>
+                                        <p:strVal val="visible"/>
+                                      </p:to>
+                                    </p:set>
+                                  </p:childTnLst>
+                                </p:cTn>
+                              </p:par>
+                            </p:childTnLst>
+                          </p:cTn>
+                        </p:par>
+                      </p:childTnLst>
+                    </p:cTn>
+                  </p:par>
+                </p:childTnLst>
+              </p:cTn>
+              <p:prevCondLst>
+                <p:cond evt="onPrev" delay="0">
+                  <p:tgtEl>
+                    <p:sldTgt/>
+                  </p:tgtEl>
+                </p:cond>
+              </p:prevCondLst>
+              <p:nextCondLst>
+                <p:cond evt="onNext" delay="0">
+                  <p:tgtEl>
+                    <p:sldTgt/>
+                  </p:tgtEl>
+                </p:cond>
+              </p:nextCondLst>
+            </p:seq>
+          </p:childTnLst>
+        </p:cTn>
+      </p:par>
+    </p:tnLst>
+    <p:bldLst>
+      <p:bldP spid="5" grpId="0"/>
+      <p:bldP spid="7" grpId="0"/>
+      <p:bldP spid="11" grpId="0"/>
+      <p:bldP spid="12" grpId="0"/>
+      <p:bldP spid="14" grpId="0"/>
+      <p:bldP spid="17" grpId="0"/>
+      <p:bldP spid="24" grpId="0"/>
+      <p:bldP spid="28" grpId="0"/>
+      <p:bldP spid="29" grpId="0"/>
+      <p:bldP spid="30" grpId="0"/>
+      <p:bldP spid="32" grpId="0"/>
+      <p:bldP spid="3" grpId="0"/>
+      <p:bldP spid="4" grpId="0" animBg="1"/>
+      <p:bldP spid="4" grpId="1" animBg="1"/>
+    </p:bldLst>
+  </p:timing>
 </p:sld>
 </file>
 
